--- a/Slide/09- The Most Important Data Structures in Python.pptx
+++ b/Slide/09- The Most Important Data Structures in Python.pptx
@@ -5,31 +5,34 @@
     <p:sldMasterId id="2147483714" r:id="rId4"/>
   </p:sldMasterIdLst>
   <p:notesMasterIdLst>
-    <p:notesMasterId r:id="rId24"/>
+    <p:notesMasterId r:id="rId27"/>
   </p:notesMasterIdLst>
   <p:handoutMasterIdLst>
-    <p:handoutMasterId r:id="rId25"/>
+    <p:handoutMasterId r:id="rId28"/>
   </p:handoutMasterIdLst>
   <p:sldIdLst>
     <p:sldId id="263" r:id="rId5"/>
-    <p:sldId id="434" r:id="rId6"/>
-    <p:sldId id="264" r:id="rId7"/>
-    <p:sldId id="272" r:id="rId8"/>
-    <p:sldId id="267" r:id="rId9"/>
-    <p:sldId id="332" r:id="rId10"/>
-    <p:sldId id="289" r:id="rId11"/>
-    <p:sldId id="369" r:id="rId12"/>
-    <p:sldId id="414" r:id="rId13"/>
-    <p:sldId id="380" r:id="rId14"/>
-    <p:sldId id="426" r:id="rId15"/>
-    <p:sldId id="427" r:id="rId16"/>
-    <p:sldId id="428" r:id="rId17"/>
-    <p:sldId id="430" r:id="rId18"/>
-    <p:sldId id="431" r:id="rId19"/>
-    <p:sldId id="345" r:id="rId20"/>
-    <p:sldId id="337" r:id="rId21"/>
-    <p:sldId id="435" r:id="rId22"/>
-    <p:sldId id="269" r:id="rId23"/>
+    <p:sldId id="437" r:id="rId6"/>
+    <p:sldId id="434" r:id="rId7"/>
+    <p:sldId id="264" r:id="rId8"/>
+    <p:sldId id="272" r:id="rId9"/>
+    <p:sldId id="267" r:id="rId10"/>
+    <p:sldId id="332" r:id="rId11"/>
+    <p:sldId id="289" r:id="rId12"/>
+    <p:sldId id="438" r:id="rId13"/>
+    <p:sldId id="369" r:id="rId14"/>
+    <p:sldId id="414" r:id="rId15"/>
+    <p:sldId id="380" r:id="rId16"/>
+    <p:sldId id="426" r:id="rId17"/>
+    <p:sldId id="427" r:id="rId18"/>
+    <p:sldId id="428" r:id="rId19"/>
+    <p:sldId id="430" r:id="rId20"/>
+    <p:sldId id="431" r:id="rId21"/>
+    <p:sldId id="345" r:id="rId22"/>
+    <p:sldId id="337" r:id="rId23"/>
+    <p:sldId id="435" r:id="rId24"/>
+    <p:sldId id="436" r:id="rId25"/>
+    <p:sldId id="269" r:id="rId26"/>
   </p:sldIdLst>
   <p:sldSz cx="12192000" cy="6858000"/>
   <p:notesSz cx="6858000" cy="9144000"/>
@@ -3194,7 +3197,7 @@
           <a:p>
             <a:fld id="{F5647B97-F030-426D-A9D1-6B39B13C23ED}" type="datetimeFigureOut">
               <a:rPr lang="en-US" smtClean="0"/>
-              <a:t>4/3/2023</a:t>
+              <a:t>4/9/2023</a:t>
             </a:fld>
             <a:endParaRPr lang="en-US" dirty="0"/>
           </a:p>
@@ -3371,7 +3374,7 @@
           <a:p>
             <a:fld id="{6AF24CBC-D461-4ECA-A489-D3A30E0FB795}" type="datetimeFigureOut">
               <a:rPr lang="en-US" smtClean="0"/>
-              <a:t>4/3/2023</a:t>
+              <a:t>4/8/2023</a:t>
             </a:fld>
             <a:endParaRPr lang="en-US" dirty="0"/>
           </a:p>
@@ -3796,7 +3799,7 @@
     </p:spTree>
     <p:extLst>
       <p:ext uri="{BB962C8B-B14F-4D97-AF65-F5344CB8AC3E}">
-        <p14:creationId xmlns:p14="http://schemas.microsoft.com/office/powerpoint/2010/main" val="1576014532"/>
+        <p14:creationId xmlns:p14="http://schemas.microsoft.com/office/powerpoint/2010/main" val="2919765798"/>
       </p:ext>
     </p:extLst>
   </p:cSld>
@@ -3880,7 +3883,7 @@
     </p:spTree>
     <p:extLst>
       <p:ext uri="{BB962C8B-B14F-4D97-AF65-F5344CB8AC3E}">
-        <p14:creationId xmlns:p14="http://schemas.microsoft.com/office/powerpoint/2010/main" val="418720290"/>
+        <p14:creationId xmlns:p14="http://schemas.microsoft.com/office/powerpoint/2010/main" val="1576014532"/>
       </p:ext>
     </p:extLst>
   </p:cSld>
@@ -3934,70 +3937,7 @@
           <a:bodyPr/>
           <a:lstStyle/>
           <a:p>
-            <a:r>
-              <a:rPr lang="en-US" dirty="0"/>
-              <a:t>Problem definition and step by step solving…</a:t>
-            </a:r>
-          </a:p>
-          <a:p>
-            <a:r>
-              <a:rPr lang="en-US" dirty="0"/>
-              <a:t>Modular structure of our project</a:t>
-            </a:r>
-            <a:br>
-              <a:rPr lang="en-US" dirty="0"/>
-            </a:br>
-            <a:r>
-              <a:rPr lang="en-US" dirty="0"/>
-              <a:t>trying to comment our code!</a:t>
-            </a:r>
-            <a:br>
-              <a:rPr lang="en-US" dirty="0"/>
-            </a:br>
-            <a:r>
-              <a:rPr lang="en-US" dirty="0"/>
-              <a:t>Nested (</a:t>
-            </a:r>
-            <a:r>
-              <a:rPr lang="en-US" dirty="0" err="1"/>
-              <a:t>dict</a:t>
-            </a:r>
-            <a:r>
-              <a:rPr lang="en-US" dirty="0"/>
-              <a:t> of list)</a:t>
-            </a:r>
-          </a:p>
-          <a:p>
-            <a:r>
-              <a:rPr lang="en-US" dirty="0"/>
-              <a:t>Working with strings</a:t>
-            </a:r>
-          </a:p>
-          <a:p>
-            <a:r>
-              <a:rPr lang="en-US" dirty="0"/>
-              <a:t>Break and continue</a:t>
-            </a:r>
-          </a:p>
-          <a:p>
-            <a:r>
-              <a:rPr lang="en-US" dirty="0"/>
-              <a:t>Functions with return statement</a:t>
-            </a:r>
-          </a:p>
-          <a:p>
-            <a:r>
-              <a:rPr lang="en-US" dirty="0"/>
-              <a:t>Do you have any idea to make a better </a:t>
-            </a:r>
-            <a:r>
-              <a:rPr lang="en-US" dirty="0" err="1"/>
-              <a:t>DrNext</a:t>
-            </a:r>
-            <a:r>
-              <a:rPr lang="en-US" dirty="0"/>
-              <a:t>?</a:t>
-            </a:r>
+            <a:endParaRPr lang="en-US" dirty="0"/>
           </a:p>
         </p:txBody>
       </p:sp>
@@ -4018,7 +3958,238 @@
           <a:p>
             <a:fld id="{C051351B-2C5D-457B-ABE5-B64DBC7BD410}" type="slidenum">
               <a:rPr lang="en-US" smtClean="0"/>
-              <a:t>18</a:t>
+              <a:t>4</a:t>
+            </a:fld>
+            <a:endParaRPr lang="en-US" dirty="0"/>
+          </a:p>
+        </p:txBody>
+      </p:sp>
+    </p:spTree>
+    <p:extLst>
+      <p:ext uri="{BB962C8B-B14F-4D97-AF65-F5344CB8AC3E}">
+        <p14:creationId xmlns:p14="http://schemas.microsoft.com/office/powerpoint/2010/main" val="418720290"/>
+      </p:ext>
+    </p:extLst>
+  </p:cSld>
+  <p:clrMapOvr>
+    <a:masterClrMapping/>
+  </p:clrMapOvr>
+</p:notes>
+</file>
+
+<file path=ppt/notesSlides/notesSlide5.xml><?xml version="1.0" encoding="utf-8"?>
+<p:notes xmlns:a="http://schemas.openxmlformats.org/drawingml/2006/main" xmlns:r="http://schemas.openxmlformats.org/officeDocument/2006/relationships" xmlns:p="http://schemas.openxmlformats.org/presentationml/2006/main">
+  <p:cSld>
+    <p:spTree>
+      <p:nvGrpSpPr>
+        <p:cNvPr id="1" name=""/>
+        <p:cNvGrpSpPr/>
+        <p:nvPr/>
+      </p:nvGrpSpPr>
+      <p:grpSpPr>
+        <a:xfrm>
+          <a:off x="0" y="0"/>
+          <a:ext cx="0" cy="0"/>
+          <a:chOff x="0" y="0"/>
+          <a:chExt cx="0" cy="0"/>
+        </a:xfrm>
+      </p:grpSpPr>
+      <p:sp>
+        <p:nvSpPr>
+          <p:cNvPr id="2" name="Slide Image Placeholder 1"/>
+          <p:cNvSpPr>
+            <a:spLocks noGrp="1" noRot="1" noChangeAspect="1"/>
+          </p:cNvSpPr>
+          <p:nvPr>
+            <p:ph type="sldImg"/>
+          </p:nvPr>
+        </p:nvSpPr>
+        <p:spPr/>
+      </p:sp>
+      <p:sp>
+        <p:nvSpPr>
+          <p:cNvPr id="3" name="Notes Placeholder 2"/>
+          <p:cNvSpPr>
+            <a:spLocks noGrp="1"/>
+          </p:cNvSpPr>
+          <p:nvPr>
+            <p:ph type="body" idx="1"/>
+          </p:nvPr>
+        </p:nvSpPr>
+        <p:spPr/>
+        <p:txBody>
+          <a:bodyPr/>
+          <a:lstStyle/>
+          <a:p>
+            <a:endParaRPr lang="en-US" dirty="0"/>
+          </a:p>
+        </p:txBody>
+      </p:sp>
+      <p:sp>
+        <p:nvSpPr>
+          <p:cNvPr id="4" name="Slide Number Placeholder 3"/>
+          <p:cNvSpPr>
+            <a:spLocks noGrp="1"/>
+          </p:cNvSpPr>
+          <p:nvPr>
+            <p:ph type="sldNum" sz="quarter" idx="5"/>
+          </p:nvPr>
+        </p:nvSpPr>
+        <p:spPr/>
+        <p:txBody>
+          <a:bodyPr/>
+          <a:lstStyle/>
+          <a:p>
+            <a:fld id="{C051351B-2C5D-457B-ABE5-B64DBC7BD410}" type="slidenum">
+              <a:rPr lang="en-US" smtClean="0"/>
+              <a:t>9</a:t>
+            </a:fld>
+            <a:endParaRPr lang="en-US" dirty="0"/>
+          </a:p>
+        </p:txBody>
+      </p:sp>
+    </p:spTree>
+    <p:extLst>
+      <p:ext uri="{BB962C8B-B14F-4D97-AF65-F5344CB8AC3E}">
+        <p14:creationId xmlns:p14="http://schemas.microsoft.com/office/powerpoint/2010/main" val="2847047813"/>
+      </p:ext>
+    </p:extLst>
+  </p:cSld>
+  <p:clrMapOvr>
+    <a:masterClrMapping/>
+  </p:clrMapOvr>
+</p:notes>
+</file>
+
+<file path=ppt/notesSlides/notesSlide6.xml><?xml version="1.0" encoding="utf-8"?>
+<p:notes xmlns:a="http://schemas.openxmlformats.org/drawingml/2006/main" xmlns:r="http://schemas.openxmlformats.org/officeDocument/2006/relationships" xmlns:p="http://schemas.openxmlformats.org/presentationml/2006/main">
+  <p:cSld>
+    <p:spTree>
+      <p:nvGrpSpPr>
+        <p:cNvPr id="1" name=""/>
+        <p:cNvGrpSpPr/>
+        <p:nvPr/>
+      </p:nvGrpSpPr>
+      <p:grpSpPr>
+        <a:xfrm>
+          <a:off x="0" y="0"/>
+          <a:ext cx="0" cy="0"/>
+          <a:chOff x="0" y="0"/>
+          <a:chExt cx="0" cy="0"/>
+        </a:xfrm>
+      </p:grpSpPr>
+      <p:sp>
+        <p:nvSpPr>
+          <p:cNvPr id="2" name="Slide Image Placeholder 1"/>
+          <p:cNvSpPr>
+            <a:spLocks noGrp="1" noRot="1" noChangeAspect="1"/>
+          </p:cNvSpPr>
+          <p:nvPr>
+            <p:ph type="sldImg"/>
+          </p:nvPr>
+        </p:nvSpPr>
+        <p:spPr/>
+      </p:sp>
+      <p:sp>
+        <p:nvSpPr>
+          <p:cNvPr id="3" name="Notes Placeholder 2"/>
+          <p:cNvSpPr>
+            <a:spLocks noGrp="1"/>
+          </p:cNvSpPr>
+          <p:nvPr>
+            <p:ph type="body" idx="1"/>
+          </p:nvPr>
+        </p:nvSpPr>
+        <p:spPr/>
+        <p:txBody>
+          <a:bodyPr/>
+          <a:lstStyle/>
+          <a:p>
+            <a:r>
+              <a:rPr lang="en-US" dirty="0"/>
+              <a:t>Problem definition and step by step solving…</a:t>
+            </a:r>
+          </a:p>
+          <a:p>
+            <a:r>
+              <a:rPr lang="en-US" dirty="0"/>
+              <a:t>Modular structure of our project</a:t>
+            </a:r>
+            <a:br>
+              <a:rPr lang="en-US" dirty="0"/>
+            </a:br>
+            <a:r>
+              <a:rPr lang="en-US" dirty="0"/>
+              <a:t>trying to comment our code!</a:t>
+            </a:r>
+            <a:br>
+              <a:rPr lang="en-US" dirty="0"/>
+            </a:br>
+            <a:r>
+              <a:rPr lang="en-US" dirty="0"/>
+              <a:t>Nested (</a:t>
+            </a:r>
+            <a:r>
+              <a:rPr lang="en-US" dirty="0" err="1"/>
+              <a:t>dict</a:t>
+            </a:r>
+            <a:r>
+              <a:rPr lang="en-US" dirty="0"/>
+              <a:t> of list)</a:t>
+            </a:r>
+          </a:p>
+          <a:p>
+            <a:r>
+              <a:rPr lang="en-US" dirty="0"/>
+              <a:t>Working with strings</a:t>
+            </a:r>
+          </a:p>
+          <a:p>
+            <a:r>
+              <a:rPr lang="en-US" dirty="0"/>
+              <a:t>Break and continue</a:t>
+            </a:r>
+          </a:p>
+          <a:p>
+            <a:r>
+              <a:rPr lang="en-US" dirty="0"/>
+              <a:t>Functions with return statement</a:t>
+            </a:r>
+          </a:p>
+          <a:p>
+            <a:r>
+              <a:rPr lang="en-US" dirty="0"/>
+              <a:t>Do you have any idea to make a better </a:t>
+            </a:r>
+            <a:r>
+              <a:rPr lang="en-US" dirty="0" err="1"/>
+              <a:t>DrNext</a:t>
+            </a:r>
+            <a:r>
+              <a:rPr lang="en-US" dirty="0"/>
+              <a:t>?</a:t>
+            </a:r>
+          </a:p>
+        </p:txBody>
+      </p:sp>
+      <p:sp>
+        <p:nvSpPr>
+          <p:cNvPr id="4" name="Slide Number Placeholder 3"/>
+          <p:cNvSpPr>
+            <a:spLocks noGrp="1"/>
+          </p:cNvSpPr>
+          <p:nvPr>
+            <p:ph type="sldNum" sz="quarter" idx="5"/>
+          </p:nvPr>
+        </p:nvSpPr>
+        <p:spPr/>
+        <p:txBody>
+          <a:bodyPr/>
+          <a:lstStyle/>
+          <a:p>
+            <a:fld id="{C051351B-2C5D-457B-ABE5-B64DBC7BD410}" type="slidenum">
+              <a:rPr lang="en-US" smtClean="0"/>
+              <a:t>20</a:t>
             </a:fld>
             <a:endParaRPr lang="en-US" dirty="0"/>
           </a:p>
@@ -4028,6 +4199,90 @@
     <p:extLst>
       <p:ext uri="{BB962C8B-B14F-4D97-AF65-F5344CB8AC3E}">
         <p14:creationId xmlns:p14="http://schemas.microsoft.com/office/powerpoint/2010/main" val="2014424643"/>
+      </p:ext>
+    </p:extLst>
+  </p:cSld>
+  <p:clrMapOvr>
+    <a:masterClrMapping/>
+  </p:clrMapOvr>
+</p:notes>
+</file>
+
+<file path=ppt/notesSlides/notesSlide7.xml><?xml version="1.0" encoding="utf-8"?>
+<p:notes xmlns:a="http://schemas.openxmlformats.org/drawingml/2006/main" xmlns:r="http://schemas.openxmlformats.org/officeDocument/2006/relationships" xmlns:p="http://schemas.openxmlformats.org/presentationml/2006/main">
+  <p:cSld>
+    <p:spTree>
+      <p:nvGrpSpPr>
+        <p:cNvPr id="1" name=""/>
+        <p:cNvGrpSpPr/>
+        <p:nvPr/>
+      </p:nvGrpSpPr>
+      <p:grpSpPr>
+        <a:xfrm>
+          <a:off x="0" y="0"/>
+          <a:ext cx="0" cy="0"/>
+          <a:chOff x="0" y="0"/>
+          <a:chExt cx="0" cy="0"/>
+        </a:xfrm>
+      </p:grpSpPr>
+      <p:sp>
+        <p:nvSpPr>
+          <p:cNvPr id="2" name="Slide Image Placeholder 1"/>
+          <p:cNvSpPr>
+            <a:spLocks noGrp="1" noRot="1" noChangeAspect="1"/>
+          </p:cNvSpPr>
+          <p:nvPr>
+            <p:ph type="sldImg"/>
+          </p:nvPr>
+        </p:nvSpPr>
+        <p:spPr/>
+      </p:sp>
+      <p:sp>
+        <p:nvSpPr>
+          <p:cNvPr id="3" name="Notes Placeholder 2"/>
+          <p:cNvSpPr>
+            <a:spLocks noGrp="1"/>
+          </p:cNvSpPr>
+          <p:nvPr>
+            <p:ph type="body" idx="1"/>
+          </p:nvPr>
+        </p:nvSpPr>
+        <p:spPr/>
+        <p:txBody>
+          <a:bodyPr/>
+          <a:lstStyle/>
+          <a:p>
+            <a:endParaRPr lang="en-US" dirty="0"/>
+          </a:p>
+        </p:txBody>
+      </p:sp>
+      <p:sp>
+        <p:nvSpPr>
+          <p:cNvPr id="4" name="Slide Number Placeholder 3"/>
+          <p:cNvSpPr>
+            <a:spLocks noGrp="1"/>
+          </p:cNvSpPr>
+          <p:nvPr>
+            <p:ph type="sldNum" sz="quarter" idx="5"/>
+          </p:nvPr>
+        </p:nvSpPr>
+        <p:spPr/>
+        <p:txBody>
+          <a:bodyPr/>
+          <a:lstStyle/>
+          <a:p>
+            <a:fld id="{C051351B-2C5D-457B-ABE5-B64DBC7BD410}" type="slidenum">
+              <a:rPr lang="en-US" smtClean="0"/>
+              <a:t>21</a:t>
+            </a:fld>
+            <a:endParaRPr lang="en-US" dirty="0"/>
+          </a:p>
+        </p:txBody>
+      </p:sp>
+    </p:spTree>
+    <p:extLst>
+      <p:ext uri="{BB962C8B-B14F-4D97-AF65-F5344CB8AC3E}">
+        <p14:creationId xmlns:p14="http://schemas.microsoft.com/office/powerpoint/2010/main" val="741005274"/>
       </p:ext>
     </p:extLst>
   </p:cSld>
@@ -4213,7 +4468,7 @@
           <a:p>
             <a:fld id="{530D48CF-CA04-4783-93AD-979ACAA61BAD}" type="datetime1">
               <a:rPr lang="en-US" smtClean="0"/>
-              <a:t>4/3/2023</a:t>
+              <a:t>4/8/2023</a:t>
             </a:fld>
             <a:endParaRPr lang="en-US" dirty="0"/>
           </a:p>
@@ -4492,7 +4747,7 @@
           <a:p>
             <a:fld id="{B3CD8F5E-101B-4FAA-9D82-961F1DB1544E}" type="datetime1">
               <a:rPr lang="en-US" smtClean="0"/>
-              <a:t>4/3/2023</a:t>
+              <a:t>4/8/2023</a:t>
             </a:fld>
             <a:endParaRPr lang="en-US" dirty="0"/>
           </a:p>
@@ -4719,7 +4974,7 @@
           <a:p>
             <a:fld id="{ED27139F-35B2-43FA-B637-88921C5FFDC1}" type="datetime1">
               <a:rPr lang="en-US" smtClean="0"/>
-              <a:t>4/3/2023</a:t>
+              <a:t>4/8/2023</a:t>
             </a:fld>
             <a:endParaRPr lang="en-US" dirty="0"/>
           </a:p>
@@ -4920,7 +5175,7 @@
           <a:p>
             <a:fld id="{B70B01E3-C0B1-4B9B-89A9-02A94F8923FD}" type="datetime1">
               <a:rPr lang="en-US" smtClean="0"/>
-              <a:t>4/3/2023</a:t>
+              <a:t>4/8/2023</a:t>
             </a:fld>
             <a:endParaRPr lang="en-US" dirty="0"/>
           </a:p>
@@ -5111,7 +5366,7 @@
           <a:p>
             <a:fld id="{AD6E31F1-ECC9-4BD6-B025-EF3978C15B30}" type="datetime1">
               <a:rPr lang="en-US" smtClean="0"/>
-              <a:t>4/3/2023</a:t>
+              <a:t>4/8/2023</a:t>
             </a:fld>
             <a:endParaRPr lang="en-US" dirty="0"/>
           </a:p>
@@ -5419,7 +5674,7 @@
           <a:p>
             <a:fld id="{0723E066-FCF7-4D43-8CE1-1C08EC1A1793}" type="datetime1">
               <a:rPr lang="en-US" smtClean="0"/>
-              <a:t>4/3/2023</a:t>
+              <a:t>4/8/2023</a:t>
             </a:fld>
             <a:endParaRPr lang="en-US" dirty="0"/>
           </a:p>
@@ -5850,7 +6105,7 @@
           <a:p>
             <a:fld id="{56DC8794-11C8-4B79-A4E9-18EDC7F6F0E1}" type="datetime1">
               <a:rPr lang="en-US" smtClean="0"/>
-              <a:t>4/3/2023</a:t>
+              <a:t>4/8/2023</a:t>
             </a:fld>
             <a:endParaRPr lang="en-US" dirty="0"/>
           </a:p>
@@ -5977,7 +6232,7 @@
           <a:p>
             <a:fld id="{A3CD5C23-9E41-495D-915A-9AA2F40B498D}" type="datetime1">
               <a:rPr lang="en-US" smtClean="0"/>
-              <a:t>4/3/2023</a:t>
+              <a:t>4/8/2023</a:t>
             </a:fld>
             <a:endParaRPr lang="en-US" dirty="0"/>
           </a:p>
@@ -6076,7 +6331,7 @@
           <a:p>
             <a:fld id="{44F57D3B-5F64-44A5-AA84-66F74DA0B34C}" type="datetime1">
               <a:rPr lang="en-US" smtClean="0"/>
-              <a:t>4/3/2023</a:t>
+              <a:t>4/8/2023</a:t>
             </a:fld>
             <a:endParaRPr lang="en-US" dirty="0"/>
           </a:p>
@@ -6381,7 +6636,7 @@
           <a:p>
             <a:fld id="{2A0FC8FD-3A4C-43CB-AF34-DC8E25AC924B}" type="datetime1">
               <a:rPr lang="en-US" smtClean="0"/>
-              <a:t>4/3/2023</a:t>
+              <a:t>4/8/2023</a:t>
             </a:fld>
             <a:endParaRPr lang="en-US" dirty="0"/>
           </a:p>
@@ -6655,7 +6910,7 @@
           <a:p>
             <a:fld id="{7B82EBCC-AAFA-45D8-862F-DAF4C6B28F16}" type="datetime1">
               <a:rPr lang="en-US" smtClean="0"/>
-              <a:t>4/3/2023</a:t>
+              <a:t>4/8/2023</a:t>
             </a:fld>
             <a:endParaRPr lang="en-US" dirty="0"/>
           </a:p>
@@ -6906,7 +7161,7 @@
           <a:p>
             <a:fld id="{DDB2D2ED-04BA-4C3B-A1BA-41B691232536}" type="datetime1">
               <a:rPr lang="en-US" smtClean="0"/>
-              <a:t>4/3/2023</a:t>
+              <a:t>4/8/2023</a:t>
             </a:fld>
             <a:endParaRPr lang="en-US" dirty="0"/>
           </a:p>
@@ -7700,6 +7955,613 @@
       </p:grpSpPr>
       <p:sp>
         <p:nvSpPr>
+          <p:cNvPr id="5" name="Title 4">
+            <a:extLst>
+              <a:ext uri="{FF2B5EF4-FFF2-40B4-BE49-F238E27FC236}">
+                <a16:creationId xmlns:a16="http://schemas.microsoft.com/office/drawing/2014/main" id="{3E1FC432-A453-870C-34F6-F5AB1E824DD3}"/>
+              </a:ext>
+            </a:extLst>
+          </p:cNvPr>
+          <p:cNvSpPr>
+            <a:spLocks noGrp="1"/>
+          </p:cNvSpPr>
+          <p:nvPr>
+            <p:ph type="title"/>
+          </p:nvPr>
+        </p:nvSpPr>
+        <p:spPr/>
+        <p:txBody>
+          <a:bodyPr/>
+          <a:lstStyle/>
+          <a:p>
+            <a:r>
+              <a:rPr lang="en-US" dirty="0"/>
+              <a:t>What is Data Structure?</a:t>
+            </a:r>
+          </a:p>
+        </p:txBody>
+      </p:sp>
+      <p:sp>
+        <p:nvSpPr>
+          <p:cNvPr id="4" name="Slide Number Placeholder 3">
+            <a:extLst>
+              <a:ext uri="{FF2B5EF4-FFF2-40B4-BE49-F238E27FC236}">
+                <a16:creationId xmlns:a16="http://schemas.microsoft.com/office/drawing/2014/main" id="{872D2B23-7846-DE1D-E096-383132454A1B}"/>
+              </a:ext>
+            </a:extLst>
+          </p:cNvPr>
+          <p:cNvSpPr>
+            <a:spLocks noGrp="1"/>
+          </p:cNvSpPr>
+          <p:nvPr>
+            <p:ph type="sldNum" sz="quarter" idx="12"/>
+          </p:nvPr>
+        </p:nvSpPr>
+        <p:spPr/>
+        <p:txBody>
+          <a:bodyPr/>
+          <a:lstStyle/>
+          <a:p>
+            <a:fld id="{0079CAC6-A72B-4EF8-B465-34FA47827E7F}" type="slidenum">
+              <a:rPr lang="en-US" smtClean="0"/>
+              <a:t>10</a:t>
+            </a:fld>
+            <a:endParaRPr lang="en-US" dirty="0"/>
+          </a:p>
+        </p:txBody>
+      </p:sp>
+      <p:sp>
+        <p:nvSpPr>
+          <p:cNvPr id="2" name="Footer Placeholder 1">
+            <a:extLst>
+              <a:ext uri="{FF2B5EF4-FFF2-40B4-BE49-F238E27FC236}">
+                <a16:creationId xmlns:a16="http://schemas.microsoft.com/office/drawing/2014/main" id="{88F3A02B-EBDE-A1C4-048E-E606628F0D93}"/>
+              </a:ext>
+            </a:extLst>
+          </p:cNvPr>
+          <p:cNvSpPr>
+            <a:spLocks noGrp="1"/>
+          </p:cNvSpPr>
+          <p:nvPr>
+            <p:ph type="ftr" sz="quarter" idx="11"/>
+          </p:nvPr>
+        </p:nvSpPr>
+        <p:spPr/>
+        <p:txBody>
+          <a:bodyPr/>
+          <a:lstStyle/>
+          <a:p>
+            <a:r>
+              <a:rPr lang="en-US"/>
+              <a:t>Fundamental Programming with Python</a:t>
+            </a:r>
+            <a:endParaRPr lang="en-US" dirty="0"/>
+          </a:p>
+        </p:txBody>
+      </p:sp>
+    </p:spTree>
+    <p:extLst>
+      <p:ext uri="{BB962C8B-B14F-4D97-AF65-F5344CB8AC3E}">
+        <p14:creationId xmlns:p14="http://schemas.microsoft.com/office/powerpoint/2010/main" val="3365726649"/>
+      </p:ext>
+    </p:extLst>
+  </p:cSld>
+  <p:clrMapOvr>
+    <a:masterClrMapping/>
+  </p:clrMapOvr>
+</p:sld>
+</file>
+
+<file path=ppt/slides/slide11.xml><?xml version="1.0" encoding="utf-8"?>
+<p:sld xmlns:a="http://schemas.openxmlformats.org/drawingml/2006/main" xmlns:r="http://schemas.openxmlformats.org/officeDocument/2006/relationships" xmlns:p="http://schemas.openxmlformats.org/presentationml/2006/main">
+  <p:cSld>
+    <p:spTree>
+      <p:nvGrpSpPr>
+        <p:cNvPr id="1" name=""/>
+        <p:cNvGrpSpPr/>
+        <p:nvPr/>
+      </p:nvGrpSpPr>
+      <p:grpSpPr>
+        <a:xfrm>
+          <a:off x="0" y="0"/>
+          <a:ext cx="0" cy="0"/>
+          <a:chOff x="0" y="0"/>
+          <a:chExt cx="0" cy="0"/>
+        </a:xfrm>
+      </p:grpSpPr>
+      <p:sp>
+        <p:nvSpPr>
+          <p:cNvPr id="2" name="Title 1">
+            <a:extLst>
+              <a:ext uri="{FF2B5EF4-FFF2-40B4-BE49-F238E27FC236}">
+                <a16:creationId xmlns:a16="http://schemas.microsoft.com/office/drawing/2014/main" id="{A5FE3B9D-9F64-15AD-7766-C906E2CB65EA}"/>
+              </a:ext>
+            </a:extLst>
+          </p:cNvPr>
+          <p:cNvSpPr>
+            <a:spLocks noGrp="1"/>
+          </p:cNvSpPr>
+          <p:nvPr>
+            <p:ph type="title"/>
+          </p:nvPr>
+        </p:nvSpPr>
+        <p:spPr/>
+        <p:txBody>
+          <a:bodyPr>
+            <a:normAutofit/>
+          </a:bodyPr>
+          <a:lstStyle/>
+          <a:p>
+            <a:r>
+              <a:rPr lang="en-US" sz="3600" dirty="0"/>
+              <a:t>Definition	</a:t>
+            </a:r>
+          </a:p>
+        </p:txBody>
+      </p:sp>
+      <p:sp>
+        <p:nvSpPr>
+          <p:cNvPr id="5" name="Content Placeholder 4">
+            <a:extLst>
+              <a:ext uri="{FF2B5EF4-FFF2-40B4-BE49-F238E27FC236}">
+                <a16:creationId xmlns:a16="http://schemas.microsoft.com/office/drawing/2014/main" id="{48D4D037-F6B8-8D6A-AD1D-D5317A3EA95E}"/>
+              </a:ext>
+            </a:extLst>
+          </p:cNvPr>
+          <p:cNvSpPr>
+            <a:spLocks noGrp="1"/>
+          </p:cNvSpPr>
+          <p:nvPr>
+            <p:ph idx="1"/>
+          </p:nvPr>
+        </p:nvSpPr>
+        <p:spPr/>
+        <p:txBody>
+          <a:bodyPr>
+            <a:normAutofit/>
+          </a:bodyPr>
+          <a:lstStyle/>
+          <a:p>
+            <a:pPr marL="0" indent="0" algn="ctr">
+              <a:buNone/>
+            </a:pPr>
+            <a:r>
+              <a:rPr lang="en-US" sz="2800" dirty="0"/>
+              <a:t>An organization of data for the purpose of making it easier to use.</a:t>
+            </a:r>
+          </a:p>
+          <a:p>
+            <a:pPr marL="0" indent="0" algn="ctr">
+              <a:buNone/>
+            </a:pPr>
+            <a:endParaRPr lang="en-US" sz="2800" i="1" dirty="0"/>
+          </a:p>
+        </p:txBody>
+      </p:sp>
+      <p:sp>
+        <p:nvSpPr>
+          <p:cNvPr id="3" name="Footer Placeholder 2">
+            <a:extLst>
+              <a:ext uri="{FF2B5EF4-FFF2-40B4-BE49-F238E27FC236}">
+                <a16:creationId xmlns:a16="http://schemas.microsoft.com/office/drawing/2014/main" id="{5AAB4D9F-0735-4CD8-7DFB-30604D638CA3}"/>
+              </a:ext>
+            </a:extLst>
+          </p:cNvPr>
+          <p:cNvSpPr>
+            <a:spLocks noGrp="1"/>
+          </p:cNvSpPr>
+          <p:nvPr>
+            <p:ph type="ftr" sz="quarter" idx="11"/>
+          </p:nvPr>
+        </p:nvSpPr>
+        <p:spPr/>
+        <p:txBody>
+          <a:bodyPr/>
+          <a:lstStyle/>
+          <a:p>
+            <a:r>
+              <a:rPr lang="en-US"/>
+              <a:t>Fundamental Programming with Python</a:t>
+            </a:r>
+            <a:endParaRPr lang="en-US" dirty="0"/>
+          </a:p>
+        </p:txBody>
+      </p:sp>
+      <p:sp>
+        <p:nvSpPr>
+          <p:cNvPr id="4" name="Slide Number Placeholder 3">
+            <a:extLst>
+              <a:ext uri="{FF2B5EF4-FFF2-40B4-BE49-F238E27FC236}">
+                <a16:creationId xmlns:a16="http://schemas.microsoft.com/office/drawing/2014/main" id="{66958F9C-63BC-9BCD-B371-65E008EDD212}"/>
+              </a:ext>
+            </a:extLst>
+          </p:cNvPr>
+          <p:cNvSpPr>
+            <a:spLocks noGrp="1"/>
+          </p:cNvSpPr>
+          <p:nvPr>
+            <p:ph type="sldNum" sz="quarter" idx="12"/>
+          </p:nvPr>
+        </p:nvSpPr>
+        <p:spPr/>
+        <p:txBody>
+          <a:bodyPr/>
+          <a:lstStyle/>
+          <a:p>
+            <a:fld id="{0079CAC6-A72B-4EF8-B465-34FA47827E7F}" type="slidenum">
+              <a:rPr lang="en-US" smtClean="0"/>
+              <a:t>11</a:t>
+            </a:fld>
+            <a:endParaRPr lang="en-US" dirty="0"/>
+          </a:p>
+        </p:txBody>
+      </p:sp>
+      <p:graphicFrame>
+        <p:nvGraphicFramePr>
+          <p:cNvPr id="6" name="Diagram 5">
+            <a:extLst>
+              <a:ext uri="{FF2B5EF4-FFF2-40B4-BE49-F238E27FC236}">
+                <a16:creationId xmlns:a16="http://schemas.microsoft.com/office/drawing/2014/main" id="{EAAF3256-6BA8-3941-949D-F1588F5AB607}"/>
+              </a:ext>
+            </a:extLst>
+          </p:cNvPr>
+          <p:cNvGraphicFramePr/>
+          <p:nvPr>
+            <p:extLst>
+              <p:ext uri="{D42A27DB-BD31-4B8C-83A1-F6EECF244321}">
+                <p14:modId xmlns:p14="http://schemas.microsoft.com/office/powerpoint/2010/main" val="1029790360"/>
+              </p:ext>
+            </p:extLst>
+          </p:nvPr>
+        </p:nvGraphicFramePr>
+        <p:xfrm>
+          <a:off x="3186607" y="2506479"/>
+          <a:ext cx="7022263" cy="4206240"/>
+        </p:xfrm>
+        <a:graphic>
+          <a:graphicData uri="http://schemas.openxmlformats.org/drawingml/2006/diagram">
+            <dgm:relIds xmlns:dgm="http://schemas.openxmlformats.org/drawingml/2006/diagram" xmlns:r="http://schemas.openxmlformats.org/officeDocument/2006/relationships" r:dm="rId2" r:lo="rId3" r:qs="rId4" r:cs="rId5"/>
+          </a:graphicData>
+        </a:graphic>
+      </p:graphicFrame>
+    </p:spTree>
+    <p:extLst>
+      <p:ext uri="{BB962C8B-B14F-4D97-AF65-F5344CB8AC3E}">
+        <p14:creationId xmlns:p14="http://schemas.microsoft.com/office/powerpoint/2010/main" val="1135545350"/>
+      </p:ext>
+    </p:extLst>
+  </p:cSld>
+  <p:clrMapOvr>
+    <a:masterClrMapping/>
+  </p:clrMapOvr>
+  <p:timing>
+    <p:tnLst>
+      <p:par>
+        <p:cTn id="1" dur="indefinite" restart="never" nodeType="tmRoot">
+          <p:childTnLst>
+            <p:seq concurrent="1" nextAc="seek">
+              <p:cTn id="2" dur="indefinite" nodeType="mainSeq">
+                <p:childTnLst>
+                  <p:par>
+                    <p:cTn id="3" fill="hold">
+                      <p:stCondLst>
+                        <p:cond delay="indefinite"/>
+                      </p:stCondLst>
+                      <p:childTnLst>
+                        <p:par>
+                          <p:cTn id="4" fill="hold">
+                            <p:stCondLst>
+                              <p:cond delay="0"/>
+                            </p:stCondLst>
+                            <p:childTnLst>
+                              <p:par>
+                                <p:cTn id="5" presetID="22" presetClass="entr" presetSubtype="4" fill="hold" grpId="0" nodeType="clickEffect">
+                                  <p:stCondLst>
+                                    <p:cond delay="0"/>
+                                  </p:stCondLst>
+                                  <p:childTnLst>
+                                    <p:set>
+                                      <p:cBhvr>
+                                        <p:cTn id="6" dur="1" fill="hold">
+                                          <p:stCondLst>
+                                            <p:cond delay="0"/>
+                                          </p:stCondLst>
+                                        </p:cTn>
+                                        <p:tgtEl>
+                                          <p:spTgt spid="6">
+                                            <p:graphicEl>
+                                              <a:dgm id="{C62BFDAA-524C-4DA8-8226-FA6BE02F68D5}"/>
+                                            </p:graphicEl>
+                                          </p:spTgt>
+                                        </p:tgtEl>
+                                        <p:attrNameLst>
+                                          <p:attrName>style.visibility</p:attrName>
+                                        </p:attrNameLst>
+                                      </p:cBhvr>
+                                      <p:to>
+                                        <p:strVal val="visible"/>
+                                      </p:to>
+                                    </p:set>
+                                    <p:animEffect transition="in" filter="wipe(down)">
+                                      <p:cBhvr>
+                                        <p:cTn id="7" dur="500"/>
+                                        <p:tgtEl>
+                                          <p:spTgt spid="6">
+                                            <p:graphicEl>
+                                              <a:dgm id="{C62BFDAA-524C-4DA8-8226-FA6BE02F68D5}"/>
+                                            </p:graphicEl>
+                                          </p:spTgt>
+                                        </p:tgtEl>
+                                      </p:cBhvr>
+                                    </p:animEffect>
+                                  </p:childTnLst>
+                                </p:cTn>
+                              </p:par>
+                            </p:childTnLst>
+                          </p:cTn>
+                        </p:par>
+                      </p:childTnLst>
+                    </p:cTn>
+                  </p:par>
+                  <p:par>
+                    <p:cTn id="8" fill="hold">
+                      <p:stCondLst>
+                        <p:cond delay="indefinite"/>
+                      </p:stCondLst>
+                      <p:childTnLst>
+                        <p:par>
+                          <p:cTn id="9" fill="hold">
+                            <p:stCondLst>
+                              <p:cond delay="0"/>
+                            </p:stCondLst>
+                            <p:childTnLst>
+                              <p:par>
+                                <p:cTn id="10" presetID="22" presetClass="entr" presetSubtype="4" fill="hold" grpId="0" nodeType="clickEffect">
+                                  <p:stCondLst>
+                                    <p:cond delay="0"/>
+                                  </p:stCondLst>
+                                  <p:childTnLst>
+                                    <p:set>
+                                      <p:cBhvr>
+                                        <p:cTn id="11" dur="1" fill="hold">
+                                          <p:stCondLst>
+                                            <p:cond delay="0"/>
+                                          </p:stCondLst>
+                                        </p:cTn>
+                                        <p:tgtEl>
+                                          <p:spTgt spid="6">
+                                            <p:graphicEl>
+                                              <a:dgm id="{85D77CBA-1AAC-411F-AD73-037892AB55E0}"/>
+                                            </p:graphicEl>
+                                          </p:spTgt>
+                                        </p:tgtEl>
+                                        <p:attrNameLst>
+                                          <p:attrName>style.visibility</p:attrName>
+                                        </p:attrNameLst>
+                                      </p:cBhvr>
+                                      <p:to>
+                                        <p:strVal val="visible"/>
+                                      </p:to>
+                                    </p:set>
+                                    <p:animEffect transition="in" filter="wipe(down)">
+                                      <p:cBhvr>
+                                        <p:cTn id="12" dur="500"/>
+                                        <p:tgtEl>
+                                          <p:spTgt spid="6">
+                                            <p:graphicEl>
+                                              <a:dgm id="{85D77CBA-1AAC-411F-AD73-037892AB55E0}"/>
+                                            </p:graphicEl>
+                                          </p:spTgt>
+                                        </p:tgtEl>
+                                      </p:cBhvr>
+                                    </p:animEffect>
+                                  </p:childTnLst>
+                                </p:cTn>
+                              </p:par>
+                              <p:par>
+                                <p:cTn id="13" presetID="22" presetClass="entr" presetSubtype="4" fill="hold" grpId="0" nodeType="withEffect">
+                                  <p:stCondLst>
+                                    <p:cond delay="0"/>
+                                  </p:stCondLst>
+                                  <p:childTnLst>
+                                    <p:set>
+                                      <p:cBhvr>
+                                        <p:cTn id="14" dur="1" fill="hold">
+                                          <p:stCondLst>
+                                            <p:cond delay="0"/>
+                                          </p:stCondLst>
+                                        </p:cTn>
+                                        <p:tgtEl>
+                                          <p:spTgt spid="6">
+                                            <p:graphicEl>
+                                              <a:dgm id="{952269ED-7845-4E29-8C01-FF286965ACB1}"/>
+                                            </p:graphicEl>
+                                          </p:spTgt>
+                                        </p:tgtEl>
+                                        <p:attrNameLst>
+                                          <p:attrName>style.visibility</p:attrName>
+                                        </p:attrNameLst>
+                                      </p:cBhvr>
+                                      <p:to>
+                                        <p:strVal val="visible"/>
+                                      </p:to>
+                                    </p:set>
+                                    <p:animEffect transition="in" filter="wipe(down)">
+                                      <p:cBhvr>
+                                        <p:cTn id="15" dur="500"/>
+                                        <p:tgtEl>
+                                          <p:spTgt spid="6">
+                                            <p:graphicEl>
+                                              <a:dgm id="{952269ED-7845-4E29-8C01-FF286965ACB1}"/>
+                                            </p:graphicEl>
+                                          </p:spTgt>
+                                        </p:tgtEl>
+                                      </p:cBhvr>
+                                    </p:animEffect>
+                                  </p:childTnLst>
+                                </p:cTn>
+                              </p:par>
+                            </p:childTnLst>
+                          </p:cTn>
+                        </p:par>
+                      </p:childTnLst>
+                    </p:cTn>
+                  </p:par>
+                  <p:par>
+                    <p:cTn id="16" fill="hold">
+                      <p:stCondLst>
+                        <p:cond delay="indefinite"/>
+                      </p:stCondLst>
+                      <p:childTnLst>
+                        <p:par>
+                          <p:cTn id="17" fill="hold">
+                            <p:stCondLst>
+                              <p:cond delay="0"/>
+                            </p:stCondLst>
+                            <p:childTnLst>
+                              <p:par>
+                                <p:cTn id="18" presetID="22" presetClass="entr" presetSubtype="4" fill="hold" grpId="0" nodeType="clickEffect">
+                                  <p:stCondLst>
+                                    <p:cond delay="0"/>
+                                  </p:stCondLst>
+                                  <p:childTnLst>
+                                    <p:set>
+                                      <p:cBhvr>
+                                        <p:cTn id="19" dur="1" fill="hold">
+                                          <p:stCondLst>
+                                            <p:cond delay="0"/>
+                                          </p:stCondLst>
+                                        </p:cTn>
+                                        <p:tgtEl>
+                                          <p:spTgt spid="6">
+                                            <p:graphicEl>
+                                              <a:dgm id="{0B6A9360-0715-4E2D-9714-527D56619357}"/>
+                                            </p:graphicEl>
+                                          </p:spTgt>
+                                        </p:tgtEl>
+                                        <p:attrNameLst>
+                                          <p:attrName>style.visibility</p:attrName>
+                                        </p:attrNameLst>
+                                      </p:cBhvr>
+                                      <p:to>
+                                        <p:strVal val="visible"/>
+                                      </p:to>
+                                    </p:set>
+                                    <p:animEffect transition="in" filter="wipe(down)">
+                                      <p:cBhvr>
+                                        <p:cTn id="20" dur="500"/>
+                                        <p:tgtEl>
+                                          <p:spTgt spid="6">
+                                            <p:graphicEl>
+                                              <a:dgm id="{0B6A9360-0715-4E2D-9714-527D56619357}"/>
+                                            </p:graphicEl>
+                                          </p:spTgt>
+                                        </p:tgtEl>
+                                      </p:cBhvr>
+                                    </p:animEffect>
+                                  </p:childTnLst>
+                                </p:cTn>
+                              </p:par>
+                              <p:par>
+                                <p:cTn id="21" presetID="22" presetClass="entr" presetSubtype="4" fill="hold" grpId="0" nodeType="withEffect">
+                                  <p:stCondLst>
+                                    <p:cond delay="0"/>
+                                  </p:stCondLst>
+                                  <p:childTnLst>
+                                    <p:set>
+                                      <p:cBhvr>
+                                        <p:cTn id="22" dur="1" fill="hold">
+                                          <p:stCondLst>
+                                            <p:cond delay="0"/>
+                                          </p:stCondLst>
+                                        </p:cTn>
+                                        <p:tgtEl>
+                                          <p:spTgt spid="6">
+                                            <p:graphicEl>
+                                              <a:dgm id="{7E5DB7A2-8903-4BD7-96B8-E3BAF8E4DDDE}"/>
+                                            </p:graphicEl>
+                                          </p:spTgt>
+                                        </p:tgtEl>
+                                        <p:attrNameLst>
+                                          <p:attrName>style.visibility</p:attrName>
+                                        </p:attrNameLst>
+                                      </p:cBhvr>
+                                      <p:to>
+                                        <p:strVal val="visible"/>
+                                      </p:to>
+                                    </p:set>
+                                    <p:animEffect transition="in" filter="wipe(down)">
+                                      <p:cBhvr>
+                                        <p:cTn id="23" dur="500"/>
+                                        <p:tgtEl>
+                                          <p:spTgt spid="6">
+                                            <p:graphicEl>
+                                              <a:dgm id="{7E5DB7A2-8903-4BD7-96B8-E3BAF8E4DDDE}"/>
+                                            </p:graphicEl>
+                                          </p:spTgt>
+                                        </p:tgtEl>
+                                      </p:cBhvr>
+                                    </p:animEffect>
+                                  </p:childTnLst>
+                                </p:cTn>
+                              </p:par>
+                            </p:childTnLst>
+                          </p:cTn>
+                        </p:par>
+                      </p:childTnLst>
+                    </p:cTn>
+                  </p:par>
+                </p:childTnLst>
+              </p:cTn>
+              <p:prevCondLst>
+                <p:cond evt="onPrev" delay="0">
+                  <p:tgtEl>
+                    <p:sldTgt/>
+                  </p:tgtEl>
+                </p:cond>
+              </p:prevCondLst>
+              <p:nextCondLst>
+                <p:cond evt="onNext" delay="0">
+                  <p:tgtEl>
+                    <p:sldTgt/>
+                  </p:tgtEl>
+                </p:cond>
+              </p:nextCondLst>
+            </p:seq>
+          </p:childTnLst>
+        </p:cTn>
+      </p:par>
+    </p:tnLst>
+    <p:bldLst>
+      <p:bldGraphic spid="6" grpId="0">
+        <p:bldSub>
+          <a:bldDgm bld="one"/>
+        </p:bldSub>
+      </p:bldGraphic>
+    </p:bldLst>
+  </p:timing>
+</p:sld>
+</file>
+
+<file path=ppt/slides/slide12.xml><?xml version="1.0" encoding="utf-8"?>
+<p:sld xmlns:a="http://schemas.openxmlformats.org/drawingml/2006/main" xmlns:r="http://schemas.openxmlformats.org/officeDocument/2006/relationships" xmlns:p="http://schemas.openxmlformats.org/presentationml/2006/main">
+  <p:cSld>
+    <p:spTree>
+      <p:nvGrpSpPr>
+        <p:cNvPr id="1" name=""/>
+        <p:cNvGrpSpPr/>
+        <p:nvPr/>
+      </p:nvGrpSpPr>
+      <p:grpSpPr>
+        <a:xfrm>
+          <a:off x="0" y="0"/>
+          <a:ext cx="0" cy="0"/>
+          <a:chOff x="0" y="0"/>
+          <a:chExt cx="0" cy="0"/>
+        </a:xfrm>
+      </p:grpSpPr>
+      <p:sp>
+        <p:nvSpPr>
           <p:cNvPr id="2" name="Title 1">
             <a:extLst>
               <a:ext uri="{FF2B5EF4-FFF2-40B4-BE49-F238E27FC236}">
@@ -7783,7 +8645,7 @@
           <a:p>
             <a:fld id="{0079CAC6-A72B-4EF8-B465-34FA47827E7F}" type="slidenum">
               <a:rPr lang="en-US" smtClean="0"/>
-              <a:t>10</a:t>
+              <a:t>12</a:t>
             </a:fld>
             <a:endParaRPr lang="en-US" dirty="0"/>
           </a:p>
@@ -7851,296 +8713,6 @@
 </p:sld>
 </file>
 
-<file path=ppt/slides/slide11.xml><?xml version="1.0" encoding="utf-8"?>
-<p:sld xmlns:a="http://schemas.openxmlformats.org/drawingml/2006/main" xmlns:r="http://schemas.openxmlformats.org/officeDocument/2006/relationships" xmlns:p="http://schemas.openxmlformats.org/presentationml/2006/main">
-  <p:cSld>
-    <p:spTree>
-      <p:nvGrpSpPr>
-        <p:cNvPr id="1" name=""/>
-        <p:cNvGrpSpPr/>
-        <p:nvPr/>
-      </p:nvGrpSpPr>
-      <p:grpSpPr>
-        <a:xfrm>
-          <a:off x="0" y="0"/>
-          <a:ext cx="0" cy="0"/>
-          <a:chOff x="0" y="0"/>
-          <a:chExt cx="0" cy="0"/>
-        </a:xfrm>
-      </p:grpSpPr>
-      <p:sp>
-        <p:nvSpPr>
-          <p:cNvPr id="2" name="Title 1">
-            <a:extLst>
-              <a:ext uri="{FF2B5EF4-FFF2-40B4-BE49-F238E27FC236}">
-                <a16:creationId xmlns:a16="http://schemas.microsoft.com/office/drawing/2014/main" id="{A7F2A526-43D4-B23F-7001-02FFE560C561}"/>
-              </a:ext>
-            </a:extLst>
-          </p:cNvPr>
-          <p:cNvSpPr>
-            <a:spLocks noGrp="1"/>
-          </p:cNvSpPr>
-          <p:nvPr>
-            <p:ph type="title"/>
-          </p:nvPr>
-        </p:nvSpPr>
-        <p:spPr/>
-        <p:txBody>
-          <a:bodyPr/>
-          <a:lstStyle/>
-          <a:p>
-            <a:r>
-              <a:rPr lang="en-US" dirty="0"/>
-              <a:t>Dictionary</a:t>
-            </a:r>
-          </a:p>
-        </p:txBody>
-      </p:sp>
-      <p:pic>
-        <p:nvPicPr>
-          <p:cNvPr id="7" name="Content Placeholder 6">
-            <a:extLst>
-              <a:ext uri="{FF2B5EF4-FFF2-40B4-BE49-F238E27FC236}">
-                <a16:creationId xmlns:a16="http://schemas.microsoft.com/office/drawing/2014/main" id="{41EF6543-7119-2146-EDB2-1FD54C8BD6F9}"/>
-              </a:ext>
-            </a:extLst>
-          </p:cNvPr>
-          <p:cNvPicPr>
-            <a:picLocks noGrp="1" noChangeAspect="1"/>
-          </p:cNvPicPr>
-          <p:nvPr>
-            <p:ph idx="1"/>
-          </p:nvPr>
-        </p:nvPicPr>
-        <p:blipFill>
-          <a:blip r:embed="rId2"/>
-          <a:stretch>
-            <a:fillRect/>
-          </a:stretch>
-        </p:blipFill>
-        <p:spPr>
-          <a:xfrm>
-            <a:off x="1203325" y="2328093"/>
-            <a:ext cx="9783763" cy="3573414"/>
-          </a:xfrm>
-        </p:spPr>
-      </p:pic>
-      <p:sp>
-        <p:nvSpPr>
-          <p:cNvPr id="4" name="Footer Placeholder 3">
-            <a:extLst>
-              <a:ext uri="{FF2B5EF4-FFF2-40B4-BE49-F238E27FC236}">
-                <a16:creationId xmlns:a16="http://schemas.microsoft.com/office/drawing/2014/main" id="{3C2FEDE3-29D0-C839-E0D3-4590F0DBE564}"/>
-              </a:ext>
-            </a:extLst>
-          </p:cNvPr>
-          <p:cNvSpPr>
-            <a:spLocks noGrp="1"/>
-          </p:cNvSpPr>
-          <p:nvPr>
-            <p:ph type="ftr" sz="quarter" idx="11"/>
-          </p:nvPr>
-        </p:nvSpPr>
-        <p:spPr/>
-        <p:txBody>
-          <a:bodyPr/>
-          <a:lstStyle/>
-          <a:p>
-            <a:r>
-              <a:rPr lang="en-US"/>
-              <a:t>Fundamental Programming with Python</a:t>
-            </a:r>
-            <a:endParaRPr lang="en-US" dirty="0"/>
-          </a:p>
-        </p:txBody>
-      </p:sp>
-      <p:sp>
-        <p:nvSpPr>
-          <p:cNvPr id="5" name="Slide Number Placeholder 4">
-            <a:extLst>
-              <a:ext uri="{FF2B5EF4-FFF2-40B4-BE49-F238E27FC236}">
-                <a16:creationId xmlns:a16="http://schemas.microsoft.com/office/drawing/2014/main" id="{25201B45-CCF0-09D1-9238-094A8F52BC8B}"/>
-              </a:ext>
-            </a:extLst>
-          </p:cNvPr>
-          <p:cNvSpPr>
-            <a:spLocks noGrp="1"/>
-          </p:cNvSpPr>
-          <p:nvPr>
-            <p:ph type="sldNum" sz="quarter" idx="12"/>
-          </p:nvPr>
-        </p:nvSpPr>
-        <p:spPr/>
-        <p:txBody>
-          <a:bodyPr/>
-          <a:lstStyle/>
-          <a:p>
-            <a:fld id="{0079CAC6-A72B-4EF8-B465-34FA47827E7F}" type="slidenum">
-              <a:rPr lang="en-US" smtClean="0"/>
-              <a:t>11</a:t>
-            </a:fld>
-            <a:endParaRPr lang="en-US" dirty="0"/>
-          </a:p>
-        </p:txBody>
-      </p:sp>
-    </p:spTree>
-    <p:extLst>
-      <p:ext uri="{BB962C8B-B14F-4D97-AF65-F5344CB8AC3E}">
-        <p14:creationId xmlns:p14="http://schemas.microsoft.com/office/powerpoint/2010/main" val="1208509397"/>
-      </p:ext>
-    </p:extLst>
-  </p:cSld>
-  <p:clrMapOvr>
-    <a:masterClrMapping/>
-  </p:clrMapOvr>
-</p:sld>
-</file>
-
-<file path=ppt/slides/slide12.xml><?xml version="1.0" encoding="utf-8"?>
-<p:sld xmlns:a="http://schemas.openxmlformats.org/drawingml/2006/main" xmlns:r="http://schemas.openxmlformats.org/officeDocument/2006/relationships" xmlns:p="http://schemas.openxmlformats.org/presentationml/2006/main">
-  <p:cSld>
-    <p:spTree>
-      <p:nvGrpSpPr>
-        <p:cNvPr id="1" name=""/>
-        <p:cNvGrpSpPr/>
-        <p:nvPr/>
-      </p:nvGrpSpPr>
-      <p:grpSpPr>
-        <a:xfrm>
-          <a:off x="0" y="0"/>
-          <a:ext cx="0" cy="0"/>
-          <a:chOff x="0" y="0"/>
-          <a:chExt cx="0" cy="0"/>
-        </a:xfrm>
-      </p:grpSpPr>
-      <p:sp>
-        <p:nvSpPr>
-          <p:cNvPr id="2" name="Title 1">
-            <a:extLst>
-              <a:ext uri="{FF2B5EF4-FFF2-40B4-BE49-F238E27FC236}">
-                <a16:creationId xmlns:a16="http://schemas.microsoft.com/office/drawing/2014/main" id="{A64D1BEB-31CD-1304-2AED-363B68A270EB}"/>
-              </a:ext>
-            </a:extLst>
-          </p:cNvPr>
-          <p:cNvSpPr>
-            <a:spLocks noGrp="1"/>
-          </p:cNvSpPr>
-          <p:nvPr>
-            <p:ph type="title"/>
-          </p:nvPr>
-        </p:nvSpPr>
-        <p:spPr/>
-        <p:txBody>
-          <a:bodyPr/>
-          <a:lstStyle/>
-          <a:p>
-            <a:r>
-              <a:rPr lang="en-US" dirty="0"/>
-              <a:t>Set	</a:t>
-            </a:r>
-          </a:p>
-        </p:txBody>
-      </p:sp>
-      <p:pic>
-        <p:nvPicPr>
-          <p:cNvPr id="7" name="Content Placeholder 6">
-            <a:extLst>
-              <a:ext uri="{FF2B5EF4-FFF2-40B4-BE49-F238E27FC236}">
-                <a16:creationId xmlns:a16="http://schemas.microsoft.com/office/drawing/2014/main" id="{E9789601-E3EC-D9E1-EB3E-D058EE2E9BB5}"/>
-              </a:ext>
-            </a:extLst>
-          </p:cNvPr>
-          <p:cNvPicPr>
-            <a:picLocks noGrp="1" noChangeAspect="1"/>
-          </p:cNvPicPr>
-          <p:nvPr>
-            <p:ph idx="1"/>
-          </p:nvPr>
-        </p:nvPicPr>
-        <p:blipFill>
-          <a:blip r:embed="rId2"/>
-          <a:stretch>
-            <a:fillRect/>
-          </a:stretch>
-        </p:blipFill>
-        <p:spPr>
-          <a:xfrm>
-            <a:off x="1203325" y="2328093"/>
-            <a:ext cx="9783763" cy="3573414"/>
-          </a:xfrm>
-        </p:spPr>
-      </p:pic>
-      <p:sp>
-        <p:nvSpPr>
-          <p:cNvPr id="4" name="Footer Placeholder 3">
-            <a:extLst>
-              <a:ext uri="{FF2B5EF4-FFF2-40B4-BE49-F238E27FC236}">
-                <a16:creationId xmlns:a16="http://schemas.microsoft.com/office/drawing/2014/main" id="{8CF9878A-A289-2F30-669F-B3D4591746DB}"/>
-              </a:ext>
-            </a:extLst>
-          </p:cNvPr>
-          <p:cNvSpPr>
-            <a:spLocks noGrp="1"/>
-          </p:cNvSpPr>
-          <p:nvPr>
-            <p:ph type="ftr" sz="quarter" idx="11"/>
-          </p:nvPr>
-        </p:nvSpPr>
-        <p:spPr/>
-        <p:txBody>
-          <a:bodyPr/>
-          <a:lstStyle/>
-          <a:p>
-            <a:r>
-              <a:rPr lang="en-US"/>
-              <a:t>Fundamental Programming with Python</a:t>
-            </a:r>
-            <a:endParaRPr lang="en-US" dirty="0"/>
-          </a:p>
-        </p:txBody>
-      </p:sp>
-      <p:sp>
-        <p:nvSpPr>
-          <p:cNvPr id="5" name="Slide Number Placeholder 4">
-            <a:extLst>
-              <a:ext uri="{FF2B5EF4-FFF2-40B4-BE49-F238E27FC236}">
-                <a16:creationId xmlns:a16="http://schemas.microsoft.com/office/drawing/2014/main" id="{7EACA2D2-7ACB-BD09-2A79-EF31348132C3}"/>
-              </a:ext>
-            </a:extLst>
-          </p:cNvPr>
-          <p:cNvSpPr>
-            <a:spLocks noGrp="1"/>
-          </p:cNvSpPr>
-          <p:nvPr>
-            <p:ph type="sldNum" sz="quarter" idx="12"/>
-          </p:nvPr>
-        </p:nvSpPr>
-        <p:spPr/>
-        <p:txBody>
-          <a:bodyPr/>
-          <a:lstStyle/>
-          <a:p>
-            <a:fld id="{0079CAC6-A72B-4EF8-B465-34FA47827E7F}" type="slidenum">
-              <a:rPr lang="en-US" smtClean="0"/>
-              <a:t>12</a:t>
-            </a:fld>
-            <a:endParaRPr lang="en-US" dirty="0"/>
-          </a:p>
-        </p:txBody>
-      </p:sp>
-    </p:spTree>
-    <p:extLst>
-      <p:ext uri="{BB962C8B-B14F-4D97-AF65-F5344CB8AC3E}">
-        <p14:creationId xmlns:p14="http://schemas.microsoft.com/office/powerpoint/2010/main" val="3468502101"/>
-      </p:ext>
-    </p:extLst>
-  </p:cSld>
-  <p:clrMapOvr>
-    <a:masterClrMapping/>
-  </p:clrMapOvr>
-</p:sld>
-</file>
-
 <file path=ppt/slides/slide13.xml><?xml version="1.0" encoding="utf-8"?>
 <p:sld xmlns:a="http://schemas.openxmlformats.org/drawingml/2006/main" xmlns:r="http://schemas.openxmlformats.org/officeDocument/2006/relationships" xmlns:p="http://schemas.openxmlformats.org/presentationml/2006/main">
   <p:cSld>
@@ -8163,7 +8735,7 @@
           <p:cNvPr id="2" name="Title 1">
             <a:extLst>
               <a:ext uri="{FF2B5EF4-FFF2-40B4-BE49-F238E27FC236}">
-                <a16:creationId xmlns:a16="http://schemas.microsoft.com/office/drawing/2014/main" id="{92606FE3-0E47-4C9E-A914-6BD6E94FFE2D}"/>
+                <a16:creationId xmlns:a16="http://schemas.microsoft.com/office/drawing/2014/main" id="{A7F2A526-43D4-B23F-7001-02FFE560C561}"/>
               </a:ext>
             </a:extLst>
           </p:cNvPr>
@@ -8180,22 +8752,47 @@
           <a:lstStyle/>
           <a:p>
             <a:r>
-              <a:rPr lang="en-US" dirty="0" err="1"/>
-              <a:t>Nesteds</a:t>
-            </a:r>
-            <a:r>
               <a:rPr lang="en-US" dirty="0"/>
-              <a:t>!</a:t>
+              <a:t>Dictionary</a:t>
             </a:r>
           </a:p>
         </p:txBody>
       </p:sp>
+      <p:pic>
+        <p:nvPicPr>
+          <p:cNvPr id="7" name="Content Placeholder 6">
+            <a:extLst>
+              <a:ext uri="{FF2B5EF4-FFF2-40B4-BE49-F238E27FC236}">
+                <a16:creationId xmlns:a16="http://schemas.microsoft.com/office/drawing/2014/main" id="{41EF6543-7119-2146-EDB2-1FD54C8BD6F9}"/>
+              </a:ext>
+            </a:extLst>
+          </p:cNvPr>
+          <p:cNvPicPr>
+            <a:picLocks noGrp="1" noChangeAspect="1"/>
+          </p:cNvPicPr>
+          <p:nvPr>
+            <p:ph idx="1"/>
+          </p:nvPr>
+        </p:nvPicPr>
+        <p:blipFill>
+          <a:blip r:embed="rId2"/>
+          <a:stretch>
+            <a:fillRect/>
+          </a:stretch>
+        </p:blipFill>
+        <p:spPr>
+          <a:xfrm>
+            <a:off x="1203325" y="2328093"/>
+            <a:ext cx="9783763" cy="3573414"/>
+          </a:xfrm>
+        </p:spPr>
+      </p:pic>
       <p:sp>
         <p:nvSpPr>
           <p:cNvPr id="4" name="Footer Placeholder 3">
             <a:extLst>
               <a:ext uri="{FF2B5EF4-FFF2-40B4-BE49-F238E27FC236}">
-                <a16:creationId xmlns:a16="http://schemas.microsoft.com/office/drawing/2014/main" id="{7DF6037C-F76D-A963-AC66-7A53EFE7DCB5}"/>
+                <a16:creationId xmlns:a16="http://schemas.microsoft.com/office/drawing/2014/main" id="{3C2FEDE3-29D0-C839-E0D3-4590F0DBE564}"/>
               </a:ext>
             </a:extLst>
           </p:cNvPr>
@@ -8224,7 +8821,7 @@
           <p:cNvPr id="5" name="Slide Number Placeholder 4">
             <a:extLst>
               <a:ext uri="{FF2B5EF4-FFF2-40B4-BE49-F238E27FC236}">
-                <a16:creationId xmlns:a16="http://schemas.microsoft.com/office/drawing/2014/main" id="{B54E593A-0162-004D-9B98-6922FE9BBA80}"/>
+                <a16:creationId xmlns:a16="http://schemas.microsoft.com/office/drawing/2014/main" id="{25201B45-CCF0-09D1-9238-094A8F52BC8B}"/>
               </a:ext>
             </a:extLst>
           </p:cNvPr>
@@ -8248,90 +8845,10 @@
           </a:p>
         </p:txBody>
       </p:sp>
-      <p:sp>
-        <p:nvSpPr>
-          <p:cNvPr id="9" name="Content Placeholder 8">
-            <a:extLst>
-              <a:ext uri="{FF2B5EF4-FFF2-40B4-BE49-F238E27FC236}">
-                <a16:creationId xmlns:a16="http://schemas.microsoft.com/office/drawing/2014/main" id="{FAECA533-4CB5-802D-E2F2-662C899BFDC5}"/>
-              </a:ext>
-            </a:extLst>
-          </p:cNvPr>
-          <p:cNvSpPr>
-            <a:spLocks noGrp="1"/>
-          </p:cNvSpPr>
-          <p:nvPr>
-            <p:ph idx="1"/>
-          </p:nvPr>
-        </p:nvSpPr>
-        <p:spPr/>
-        <p:txBody>
-          <a:bodyPr/>
-          <a:lstStyle/>
-          <a:p>
-            <a:r>
-              <a:rPr lang="en-US" dirty="0"/>
-              <a:t>List of </a:t>
-            </a:r>
-            <a:r>
-              <a:rPr lang="en-US" dirty="0" err="1"/>
-              <a:t>dict</a:t>
-            </a:r>
-            <a:endParaRPr lang="en-US" dirty="0"/>
-          </a:p>
-          <a:p>
-            <a:r>
-              <a:rPr lang="en-US" dirty="0" err="1"/>
-              <a:t>Dict</a:t>
-            </a:r>
-            <a:r>
-              <a:rPr lang="en-US" dirty="0"/>
-              <a:t> of list</a:t>
-            </a:r>
-          </a:p>
-          <a:p>
-            <a:r>
-              <a:rPr lang="en-US" dirty="0"/>
-              <a:t>Tuple of </a:t>
-            </a:r>
-            <a:r>
-              <a:rPr lang="en-US" dirty="0" err="1"/>
-              <a:t>dict</a:t>
-            </a:r>
-            <a:endParaRPr lang="en-US" dirty="0"/>
-          </a:p>
-          <a:p>
-            <a:r>
-              <a:rPr lang="en-US" dirty="0"/>
-              <a:t>Tuple of </a:t>
-            </a:r>
-            <a:r>
-              <a:rPr lang="en-US" dirty="0" err="1"/>
-              <a:t>dict</a:t>
-            </a:r>
-            <a:r>
-              <a:rPr lang="en-US" dirty="0"/>
-              <a:t> of list</a:t>
-            </a:r>
-          </a:p>
-          <a:p>
-            <a:r>
-              <a:rPr lang="en-US" dirty="0"/>
-              <a:t>List of list of list of list</a:t>
-            </a:r>
-          </a:p>
-          <a:p>
-            <a:r>
-              <a:rPr lang="en-US" dirty="0"/>
-              <a:t>…</a:t>
-            </a:r>
-          </a:p>
-        </p:txBody>
-      </p:sp>
     </p:spTree>
     <p:extLst>
       <p:ext uri="{BB962C8B-B14F-4D97-AF65-F5344CB8AC3E}">
-        <p14:creationId xmlns:p14="http://schemas.microsoft.com/office/powerpoint/2010/main" val="3325441860"/>
+        <p14:creationId xmlns:p14="http://schemas.microsoft.com/office/powerpoint/2010/main" val="1208509397"/>
       </p:ext>
     </p:extLst>
   </p:cSld>
@@ -8360,10 +8877,10 @@
       </p:grpSpPr>
       <p:sp>
         <p:nvSpPr>
-          <p:cNvPr id="5" name="Title 4">
+          <p:cNvPr id="2" name="Title 1">
             <a:extLst>
               <a:ext uri="{FF2B5EF4-FFF2-40B4-BE49-F238E27FC236}">
-                <a16:creationId xmlns:a16="http://schemas.microsoft.com/office/drawing/2014/main" id="{3E1FC432-A453-870C-34F6-F5AB1E824DD3}"/>
+                <a16:creationId xmlns:a16="http://schemas.microsoft.com/office/drawing/2014/main" id="{A64D1BEB-31CD-1304-2AED-363B68A270EB}"/>
               </a:ext>
             </a:extLst>
           </p:cNvPr>
@@ -8381,17 +8898,75 @@
           <a:p>
             <a:r>
               <a:rPr lang="en-US" dirty="0"/>
-              <a:t>Programming with Python IDLE</a:t>
+              <a:t>Set	</a:t>
             </a:r>
           </a:p>
         </p:txBody>
       </p:sp>
-      <p:sp>
-        <p:nvSpPr>
-          <p:cNvPr id="4" name="Slide Number Placeholder 3">
+      <p:pic>
+        <p:nvPicPr>
+          <p:cNvPr id="7" name="Content Placeholder 6">
             <a:extLst>
               <a:ext uri="{FF2B5EF4-FFF2-40B4-BE49-F238E27FC236}">
-                <a16:creationId xmlns:a16="http://schemas.microsoft.com/office/drawing/2014/main" id="{872D2B23-7846-DE1D-E096-383132454A1B}"/>
+                <a16:creationId xmlns:a16="http://schemas.microsoft.com/office/drawing/2014/main" id="{E9789601-E3EC-D9E1-EB3E-D058EE2E9BB5}"/>
+              </a:ext>
+            </a:extLst>
+          </p:cNvPr>
+          <p:cNvPicPr>
+            <a:picLocks noGrp="1" noChangeAspect="1"/>
+          </p:cNvPicPr>
+          <p:nvPr>
+            <p:ph idx="1"/>
+          </p:nvPr>
+        </p:nvPicPr>
+        <p:blipFill>
+          <a:blip r:embed="rId2"/>
+          <a:stretch>
+            <a:fillRect/>
+          </a:stretch>
+        </p:blipFill>
+        <p:spPr>
+          <a:xfrm>
+            <a:off x="1203325" y="2328093"/>
+            <a:ext cx="9783763" cy="3573414"/>
+          </a:xfrm>
+        </p:spPr>
+      </p:pic>
+      <p:sp>
+        <p:nvSpPr>
+          <p:cNvPr id="4" name="Footer Placeholder 3">
+            <a:extLst>
+              <a:ext uri="{FF2B5EF4-FFF2-40B4-BE49-F238E27FC236}">
+                <a16:creationId xmlns:a16="http://schemas.microsoft.com/office/drawing/2014/main" id="{8CF9878A-A289-2F30-669F-B3D4591746DB}"/>
+              </a:ext>
+            </a:extLst>
+          </p:cNvPr>
+          <p:cNvSpPr>
+            <a:spLocks noGrp="1"/>
+          </p:cNvSpPr>
+          <p:nvPr>
+            <p:ph type="ftr" sz="quarter" idx="11"/>
+          </p:nvPr>
+        </p:nvSpPr>
+        <p:spPr/>
+        <p:txBody>
+          <a:bodyPr/>
+          <a:lstStyle/>
+          <a:p>
+            <a:r>
+              <a:rPr lang="en-US"/>
+              <a:t>Fundamental Programming with Python</a:t>
+            </a:r>
+            <a:endParaRPr lang="en-US" dirty="0"/>
+          </a:p>
+        </p:txBody>
+      </p:sp>
+      <p:sp>
+        <p:nvSpPr>
+          <p:cNvPr id="5" name="Slide Number Placeholder 4">
+            <a:extLst>
+              <a:ext uri="{FF2B5EF4-FFF2-40B4-BE49-F238E27FC236}">
+                <a16:creationId xmlns:a16="http://schemas.microsoft.com/office/drawing/2014/main" id="{7EACA2D2-7ACB-BD09-2A79-EF31348132C3}"/>
               </a:ext>
             </a:extLst>
           </p:cNvPr>
@@ -8415,39 +8990,10 @@
           </a:p>
         </p:txBody>
       </p:sp>
-      <p:sp>
-        <p:nvSpPr>
-          <p:cNvPr id="2" name="Footer Placeholder 1">
-            <a:extLst>
-              <a:ext uri="{FF2B5EF4-FFF2-40B4-BE49-F238E27FC236}">
-                <a16:creationId xmlns:a16="http://schemas.microsoft.com/office/drawing/2014/main" id="{88F3A02B-EBDE-A1C4-048E-E606628F0D93}"/>
-              </a:ext>
-            </a:extLst>
-          </p:cNvPr>
-          <p:cNvSpPr>
-            <a:spLocks noGrp="1"/>
-          </p:cNvSpPr>
-          <p:nvPr>
-            <p:ph type="ftr" sz="quarter" idx="11"/>
-          </p:nvPr>
-        </p:nvSpPr>
-        <p:spPr/>
-        <p:txBody>
-          <a:bodyPr/>
-          <a:lstStyle/>
-          <a:p>
-            <a:r>
-              <a:rPr lang="en-US"/>
-              <a:t>Fundamental Programming with Python</a:t>
-            </a:r>
-            <a:endParaRPr lang="en-US" dirty="0"/>
-          </a:p>
-        </p:txBody>
-      </p:sp>
     </p:spTree>
     <p:extLst>
       <p:ext uri="{BB962C8B-B14F-4D97-AF65-F5344CB8AC3E}">
-        <p14:creationId xmlns:p14="http://schemas.microsoft.com/office/powerpoint/2010/main" val="3916907350"/>
+        <p14:creationId xmlns:p14="http://schemas.microsoft.com/office/powerpoint/2010/main" val="3468502101"/>
       </p:ext>
     </p:extLst>
   </p:cSld>
@@ -8479,6 +9025,322 @@
           <p:cNvPr id="2" name="Title 1">
             <a:extLst>
               <a:ext uri="{FF2B5EF4-FFF2-40B4-BE49-F238E27FC236}">
+                <a16:creationId xmlns:a16="http://schemas.microsoft.com/office/drawing/2014/main" id="{92606FE3-0E47-4C9E-A914-6BD6E94FFE2D}"/>
+              </a:ext>
+            </a:extLst>
+          </p:cNvPr>
+          <p:cNvSpPr>
+            <a:spLocks noGrp="1"/>
+          </p:cNvSpPr>
+          <p:nvPr>
+            <p:ph type="title"/>
+          </p:nvPr>
+        </p:nvSpPr>
+        <p:spPr/>
+        <p:txBody>
+          <a:bodyPr/>
+          <a:lstStyle/>
+          <a:p>
+            <a:r>
+              <a:rPr lang="en-US" dirty="0" err="1"/>
+              <a:t>Nesteds</a:t>
+            </a:r>
+            <a:r>
+              <a:rPr lang="en-US" dirty="0"/>
+              <a:t>!</a:t>
+            </a:r>
+          </a:p>
+        </p:txBody>
+      </p:sp>
+      <p:sp>
+        <p:nvSpPr>
+          <p:cNvPr id="4" name="Footer Placeholder 3">
+            <a:extLst>
+              <a:ext uri="{FF2B5EF4-FFF2-40B4-BE49-F238E27FC236}">
+                <a16:creationId xmlns:a16="http://schemas.microsoft.com/office/drawing/2014/main" id="{7DF6037C-F76D-A963-AC66-7A53EFE7DCB5}"/>
+              </a:ext>
+            </a:extLst>
+          </p:cNvPr>
+          <p:cNvSpPr>
+            <a:spLocks noGrp="1"/>
+          </p:cNvSpPr>
+          <p:nvPr>
+            <p:ph type="ftr" sz="quarter" idx="11"/>
+          </p:nvPr>
+        </p:nvSpPr>
+        <p:spPr/>
+        <p:txBody>
+          <a:bodyPr/>
+          <a:lstStyle/>
+          <a:p>
+            <a:r>
+              <a:rPr lang="en-US"/>
+              <a:t>Fundamental Programming with Python</a:t>
+            </a:r>
+            <a:endParaRPr lang="en-US" dirty="0"/>
+          </a:p>
+        </p:txBody>
+      </p:sp>
+      <p:sp>
+        <p:nvSpPr>
+          <p:cNvPr id="5" name="Slide Number Placeholder 4">
+            <a:extLst>
+              <a:ext uri="{FF2B5EF4-FFF2-40B4-BE49-F238E27FC236}">
+                <a16:creationId xmlns:a16="http://schemas.microsoft.com/office/drawing/2014/main" id="{B54E593A-0162-004D-9B98-6922FE9BBA80}"/>
+              </a:ext>
+            </a:extLst>
+          </p:cNvPr>
+          <p:cNvSpPr>
+            <a:spLocks noGrp="1"/>
+          </p:cNvSpPr>
+          <p:nvPr>
+            <p:ph type="sldNum" sz="quarter" idx="12"/>
+          </p:nvPr>
+        </p:nvSpPr>
+        <p:spPr/>
+        <p:txBody>
+          <a:bodyPr/>
+          <a:lstStyle/>
+          <a:p>
+            <a:fld id="{0079CAC6-A72B-4EF8-B465-34FA47827E7F}" type="slidenum">
+              <a:rPr lang="en-US" smtClean="0"/>
+              <a:t>15</a:t>
+            </a:fld>
+            <a:endParaRPr lang="en-US" dirty="0"/>
+          </a:p>
+        </p:txBody>
+      </p:sp>
+      <p:sp>
+        <p:nvSpPr>
+          <p:cNvPr id="9" name="Content Placeholder 8">
+            <a:extLst>
+              <a:ext uri="{FF2B5EF4-FFF2-40B4-BE49-F238E27FC236}">
+                <a16:creationId xmlns:a16="http://schemas.microsoft.com/office/drawing/2014/main" id="{FAECA533-4CB5-802D-E2F2-662C899BFDC5}"/>
+              </a:ext>
+            </a:extLst>
+          </p:cNvPr>
+          <p:cNvSpPr>
+            <a:spLocks noGrp="1"/>
+          </p:cNvSpPr>
+          <p:nvPr>
+            <p:ph idx="1"/>
+          </p:nvPr>
+        </p:nvSpPr>
+        <p:spPr/>
+        <p:txBody>
+          <a:bodyPr/>
+          <a:lstStyle/>
+          <a:p>
+            <a:r>
+              <a:rPr lang="en-US" dirty="0"/>
+              <a:t>List of </a:t>
+            </a:r>
+            <a:r>
+              <a:rPr lang="en-US" dirty="0" err="1"/>
+              <a:t>dict</a:t>
+            </a:r>
+            <a:endParaRPr lang="en-US" dirty="0"/>
+          </a:p>
+          <a:p>
+            <a:r>
+              <a:rPr lang="en-US" dirty="0" err="1"/>
+              <a:t>Dict</a:t>
+            </a:r>
+            <a:r>
+              <a:rPr lang="en-US" dirty="0"/>
+              <a:t> of list</a:t>
+            </a:r>
+          </a:p>
+          <a:p>
+            <a:r>
+              <a:rPr lang="en-US" dirty="0"/>
+              <a:t>Tuple of </a:t>
+            </a:r>
+            <a:r>
+              <a:rPr lang="en-US" dirty="0" err="1"/>
+              <a:t>dict</a:t>
+            </a:r>
+            <a:endParaRPr lang="en-US" dirty="0"/>
+          </a:p>
+          <a:p>
+            <a:r>
+              <a:rPr lang="en-US" dirty="0"/>
+              <a:t>Tuple of </a:t>
+            </a:r>
+            <a:r>
+              <a:rPr lang="en-US" dirty="0" err="1"/>
+              <a:t>dict</a:t>
+            </a:r>
+            <a:r>
+              <a:rPr lang="en-US" dirty="0"/>
+              <a:t> of list</a:t>
+            </a:r>
+          </a:p>
+          <a:p>
+            <a:r>
+              <a:rPr lang="en-US" dirty="0"/>
+              <a:t>List of list of list of list</a:t>
+            </a:r>
+          </a:p>
+          <a:p>
+            <a:r>
+              <a:rPr lang="en-US" dirty="0"/>
+              <a:t>…</a:t>
+            </a:r>
+          </a:p>
+        </p:txBody>
+      </p:sp>
+    </p:spTree>
+    <p:extLst>
+      <p:ext uri="{BB962C8B-B14F-4D97-AF65-F5344CB8AC3E}">
+        <p14:creationId xmlns:p14="http://schemas.microsoft.com/office/powerpoint/2010/main" val="3325441860"/>
+      </p:ext>
+    </p:extLst>
+  </p:cSld>
+  <p:clrMapOvr>
+    <a:masterClrMapping/>
+  </p:clrMapOvr>
+</p:sld>
+</file>
+
+<file path=ppt/slides/slide16.xml><?xml version="1.0" encoding="utf-8"?>
+<p:sld xmlns:a="http://schemas.openxmlformats.org/drawingml/2006/main" xmlns:r="http://schemas.openxmlformats.org/officeDocument/2006/relationships" xmlns:p="http://schemas.openxmlformats.org/presentationml/2006/main">
+  <p:cSld>
+    <p:spTree>
+      <p:nvGrpSpPr>
+        <p:cNvPr id="1" name=""/>
+        <p:cNvGrpSpPr/>
+        <p:nvPr/>
+      </p:nvGrpSpPr>
+      <p:grpSpPr>
+        <a:xfrm>
+          <a:off x="0" y="0"/>
+          <a:ext cx="0" cy="0"/>
+          <a:chOff x="0" y="0"/>
+          <a:chExt cx="0" cy="0"/>
+        </a:xfrm>
+      </p:grpSpPr>
+      <p:sp>
+        <p:nvSpPr>
+          <p:cNvPr id="5" name="Title 4">
+            <a:extLst>
+              <a:ext uri="{FF2B5EF4-FFF2-40B4-BE49-F238E27FC236}">
+                <a16:creationId xmlns:a16="http://schemas.microsoft.com/office/drawing/2014/main" id="{3E1FC432-A453-870C-34F6-F5AB1E824DD3}"/>
+              </a:ext>
+            </a:extLst>
+          </p:cNvPr>
+          <p:cNvSpPr>
+            <a:spLocks noGrp="1"/>
+          </p:cNvSpPr>
+          <p:nvPr>
+            <p:ph type="title"/>
+          </p:nvPr>
+        </p:nvSpPr>
+        <p:spPr/>
+        <p:txBody>
+          <a:bodyPr/>
+          <a:lstStyle/>
+          <a:p>
+            <a:r>
+              <a:rPr lang="en-US" dirty="0"/>
+              <a:t>Programming with Python IDLE</a:t>
+            </a:r>
+          </a:p>
+        </p:txBody>
+      </p:sp>
+      <p:sp>
+        <p:nvSpPr>
+          <p:cNvPr id="4" name="Slide Number Placeholder 3">
+            <a:extLst>
+              <a:ext uri="{FF2B5EF4-FFF2-40B4-BE49-F238E27FC236}">
+                <a16:creationId xmlns:a16="http://schemas.microsoft.com/office/drawing/2014/main" id="{872D2B23-7846-DE1D-E096-383132454A1B}"/>
+              </a:ext>
+            </a:extLst>
+          </p:cNvPr>
+          <p:cNvSpPr>
+            <a:spLocks noGrp="1"/>
+          </p:cNvSpPr>
+          <p:nvPr>
+            <p:ph type="sldNum" sz="quarter" idx="12"/>
+          </p:nvPr>
+        </p:nvSpPr>
+        <p:spPr/>
+        <p:txBody>
+          <a:bodyPr/>
+          <a:lstStyle/>
+          <a:p>
+            <a:fld id="{0079CAC6-A72B-4EF8-B465-34FA47827E7F}" type="slidenum">
+              <a:rPr lang="en-US" smtClean="0"/>
+              <a:t>16</a:t>
+            </a:fld>
+            <a:endParaRPr lang="en-US" dirty="0"/>
+          </a:p>
+        </p:txBody>
+      </p:sp>
+      <p:sp>
+        <p:nvSpPr>
+          <p:cNvPr id="2" name="Footer Placeholder 1">
+            <a:extLst>
+              <a:ext uri="{FF2B5EF4-FFF2-40B4-BE49-F238E27FC236}">
+                <a16:creationId xmlns:a16="http://schemas.microsoft.com/office/drawing/2014/main" id="{88F3A02B-EBDE-A1C4-048E-E606628F0D93}"/>
+              </a:ext>
+            </a:extLst>
+          </p:cNvPr>
+          <p:cNvSpPr>
+            <a:spLocks noGrp="1"/>
+          </p:cNvSpPr>
+          <p:nvPr>
+            <p:ph type="ftr" sz="quarter" idx="11"/>
+          </p:nvPr>
+        </p:nvSpPr>
+        <p:spPr/>
+        <p:txBody>
+          <a:bodyPr/>
+          <a:lstStyle/>
+          <a:p>
+            <a:r>
+              <a:rPr lang="en-US"/>
+              <a:t>Fundamental Programming with Python</a:t>
+            </a:r>
+            <a:endParaRPr lang="en-US" dirty="0"/>
+          </a:p>
+        </p:txBody>
+      </p:sp>
+    </p:spTree>
+    <p:extLst>
+      <p:ext uri="{BB962C8B-B14F-4D97-AF65-F5344CB8AC3E}">
+        <p14:creationId xmlns:p14="http://schemas.microsoft.com/office/powerpoint/2010/main" val="3916907350"/>
+      </p:ext>
+    </p:extLst>
+  </p:cSld>
+  <p:clrMapOvr>
+    <a:masterClrMapping/>
+  </p:clrMapOvr>
+</p:sld>
+</file>
+
+<file path=ppt/slides/slide17.xml><?xml version="1.0" encoding="utf-8"?>
+<p:sld xmlns:a="http://schemas.openxmlformats.org/drawingml/2006/main" xmlns:r="http://schemas.openxmlformats.org/officeDocument/2006/relationships" xmlns:p="http://schemas.openxmlformats.org/presentationml/2006/main">
+  <p:cSld>
+    <p:spTree>
+      <p:nvGrpSpPr>
+        <p:cNvPr id="1" name=""/>
+        <p:cNvGrpSpPr/>
+        <p:nvPr/>
+      </p:nvGrpSpPr>
+      <p:grpSpPr>
+        <a:xfrm>
+          <a:off x="0" y="0"/>
+          <a:ext cx="0" cy="0"/>
+          <a:chOff x="0" y="0"/>
+          <a:chExt cx="0" cy="0"/>
+        </a:xfrm>
+      </p:grpSpPr>
+      <p:sp>
+        <p:nvSpPr>
+          <p:cNvPr id="2" name="Title 1">
+            <a:extLst>
+              <a:ext uri="{FF2B5EF4-FFF2-40B4-BE49-F238E27FC236}">
                 <a16:creationId xmlns:a16="http://schemas.microsoft.com/office/drawing/2014/main" id="{A41ADDAC-743F-BA70-D4A6-008F55A599E7}"/>
               </a:ext>
             </a:extLst>
@@ -8554,7 +9416,7 @@
           <a:p>
             <a:fld id="{0079CAC6-A72B-4EF8-B465-34FA47827E7F}" type="slidenum">
               <a:rPr lang="en-US" smtClean="0"/>
-              <a:t>15</a:t>
+              <a:t>17</a:t>
             </a:fld>
             <a:endParaRPr lang="en-US" dirty="0"/>
           </a:p>
@@ -8622,7 +9484,7 @@
 </p:sld>
 </file>
 
-<file path=ppt/slides/slide16.xml><?xml version="1.0" encoding="utf-8"?>
+<file path=ppt/slides/slide18.xml><?xml version="1.0" encoding="utf-8"?>
 <p:sld xmlns:a="http://schemas.openxmlformats.org/drawingml/2006/main" xmlns:r="http://schemas.openxmlformats.org/officeDocument/2006/relationships" xmlns:p="http://schemas.openxmlformats.org/presentationml/2006/main">
   <p:cSld>
     <p:spTree>
@@ -8691,7 +9553,7 @@
           <a:p>
             <a:fld id="{0079CAC6-A72B-4EF8-B465-34FA47827E7F}" type="slidenum">
               <a:rPr lang="en-US" smtClean="0"/>
-              <a:t>16</a:t>
+              <a:t>18</a:t>
             </a:fld>
             <a:endParaRPr lang="en-US" dirty="0"/>
           </a:p>
@@ -8739,7 +9601,7 @@
 </p:sld>
 </file>
 
-<file path=ppt/slides/slide17.xml><?xml version="1.0" encoding="utf-8"?>
+<file path=ppt/slides/slide19.xml><?xml version="1.0" encoding="utf-8"?>
 <p:sld xmlns:a="http://schemas.openxmlformats.org/drawingml/2006/main" xmlns:r="http://schemas.openxmlformats.org/officeDocument/2006/relationships" xmlns:p="http://schemas.openxmlformats.org/presentationml/2006/main">
   <p:cSld>
     <p:spTree>
@@ -8837,7 +9699,7 @@
           <a:p>
             <a:fld id="{0079CAC6-A72B-4EF8-B465-34FA47827E7F}" type="slidenum">
               <a:rPr lang="en-US" smtClean="0"/>
-              <a:t>17</a:t>
+              <a:t>19</a:t>
             </a:fld>
             <a:endParaRPr lang="en-US" dirty="0"/>
           </a:p>
@@ -8927,7 +9789,7 @@
 </p:sld>
 </file>
 
-<file path=ppt/slides/slide18.xml><?xml version="1.0" encoding="utf-8"?>
+<file path=ppt/slides/slide2.xml><?xml version="1.0" encoding="utf-8"?>
 <p:sld xmlns:a="http://schemas.openxmlformats.org/drawingml/2006/main" xmlns:r="http://schemas.openxmlformats.org/officeDocument/2006/relationships" xmlns:p="http://schemas.openxmlformats.org/presentationml/2006/main">
   <p:cSld>
     <p:spTree>
@@ -8944,6 +9806,594 @@
           <a:chExt cx="0" cy="0"/>
         </a:xfrm>
       </p:grpSpPr>
+      <p:pic>
+        <p:nvPicPr>
+          <p:cNvPr id="12" name="Picture 11">
+            <a:extLst>
+              <a:ext uri="{FF2B5EF4-FFF2-40B4-BE49-F238E27FC236}">
+                <a16:creationId xmlns:a16="http://schemas.microsoft.com/office/drawing/2014/main" id="{C16FF288-7D66-945C-68A4-08AE001DED5F}"/>
+              </a:ext>
+            </a:extLst>
+          </p:cNvPr>
+          <p:cNvPicPr>
+            <a:picLocks noChangeAspect="1"/>
+          </p:cNvPicPr>
+          <p:nvPr/>
+        </p:nvPicPr>
+        <p:blipFill>
+          <a:blip r:embed="rId3">
+            <a:duotone>
+              <a:prstClr val="black"/>
+              <a:srgbClr val="7030A0">
+                <a:tint val="45000"/>
+                <a:satMod val="400000"/>
+              </a:srgbClr>
+            </a:duotone>
+            <a:alphaModFix amt="70000"/>
+            <a:extLst>
+              <a:ext uri="{BEBA8EAE-BF5A-486C-A8C5-ECC9F3942E4B}">
+                <a14:imgProps xmlns:a14="http://schemas.microsoft.com/office/drawing/2010/main">
+                  <a14:imgLayer r:embed="rId4">
+                    <a14:imgEffect>
+                      <a14:brightnessContrast bright="-40000" contrast="-20000"/>
+                    </a14:imgEffect>
+                  </a14:imgLayer>
+                </a14:imgProps>
+              </a:ext>
+            </a:extLst>
+          </a:blip>
+          <a:stretch>
+            <a:fillRect/>
+          </a:stretch>
+        </p:blipFill>
+        <p:spPr>
+          <a:xfrm>
+            <a:off x="7850" y="0"/>
+            <a:ext cx="12184149" cy="6857999"/>
+          </a:xfrm>
+          <a:prstGeom prst="rect">
+            <a:avLst/>
+          </a:prstGeom>
+        </p:spPr>
+      </p:pic>
+      <p:sp>
+        <p:nvSpPr>
+          <p:cNvPr id="4" name="Footer Placeholder 3">
+            <a:extLst>
+              <a:ext uri="{FF2B5EF4-FFF2-40B4-BE49-F238E27FC236}">
+                <a16:creationId xmlns:a16="http://schemas.microsoft.com/office/drawing/2014/main" id="{64587022-5309-E0B5-FD7B-78E14060A0A7}"/>
+              </a:ext>
+            </a:extLst>
+          </p:cNvPr>
+          <p:cNvSpPr>
+            <a:spLocks noGrp="1"/>
+          </p:cNvSpPr>
+          <p:nvPr>
+            <p:ph type="ftr" sz="quarter" idx="11"/>
+          </p:nvPr>
+        </p:nvSpPr>
+        <p:spPr/>
+        <p:txBody>
+          <a:bodyPr/>
+          <a:lstStyle/>
+          <a:p>
+            <a:r>
+              <a:rPr lang="en-US"/>
+              <a:t>Fundamental Programming with Python</a:t>
+            </a:r>
+            <a:endParaRPr lang="en-US" dirty="0"/>
+          </a:p>
+        </p:txBody>
+      </p:sp>
+      <p:sp>
+        <p:nvSpPr>
+          <p:cNvPr id="5" name="Slide Number Placeholder 4">
+            <a:extLst>
+              <a:ext uri="{FF2B5EF4-FFF2-40B4-BE49-F238E27FC236}">
+                <a16:creationId xmlns:a16="http://schemas.microsoft.com/office/drawing/2014/main" id="{7CF7C87B-8E7D-2143-3877-F7D12BBFFD5B}"/>
+              </a:ext>
+            </a:extLst>
+          </p:cNvPr>
+          <p:cNvSpPr>
+            <a:spLocks noGrp="1"/>
+          </p:cNvSpPr>
+          <p:nvPr>
+            <p:ph type="sldNum" sz="quarter" idx="12"/>
+          </p:nvPr>
+        </p:nvSpPr>
+        <p:spPr/>
+        <p:txBody>
+          <a:bodyPr/>
+          <a:lstStyle/>
+          <a:p>
+            <a:fld id="{0079CAC6-A72B-4EF8-B465-34FA47827E7F}" type="slidenum">
+              <a:rPr lang="en-US" smtClean="0"/>
+              <a:t>2</a:t>
+            </a:fld>
+            <a:endParaRPr lang="en-US" dirty="0"/>
+          </a:p>
+        </p:txBody>
+      </p:sp>
+      <p:sp>
+        <p:nvSpPr>
+          <p:cNvPr id="8" name="TextBox 7">
+            <a:extLst>
+              <a:ext uri="{FF2B5EF4-FFF2-40B4-BE49-F238E27FC236}">
+                <a16:creationId xmlns:a16="http://schemas.microsoft.com/office/drawing/2014/main" id="{CFC21CDE-C9CC-E2B3-E7FF-5726E9D340F4}"/>
+              </a:ext>
+            </a:extLst>
+          </p:cNvPr>
+          <p:cNvSpPr txBox="1"/>
+          <p:nvPr/>
+        </p:nvSpPr>
+        <p:spPr>
+          <a:xfrm>
+            <a:off x="462987" y="1046187"/>
+            <a:ext cx="11343189" cy="2123658"/>
+          </a:xfrm>
+          <a:prstGeom prst="rect">
+            <a:avLst/>
+          </a:prstGeom>
+          <a:noFill/>
+        </p:spPr>
+        <p:txBody>
+          <a:bodyPr wrap="square">
+            <a:spAutoFit/>
+          </a:bodyPr>
+          <a:lstStyle/>
+          <a:p>
+            <a:pPr algn="just" rtl="1"/>
+            <a:r>
+              <a:rPr lang="fa-IR" sz="4400" dirty="0">
+                <a:solidFill>
+                  <a:schemeClr val="tx1"/>
+                </a:solidFill>
+                <a:latin typeface="Aviny" panose="020B0506030804020204" pitchFamily="34" charset="-78"/>
+                <a:cs typeface="Aviny" panose="020B0506030804020204" pitchFamily="34" charset="-78"/>
+              </a:rPr>
+              <a:t>امیدوارم امسال سالی باشه که </a:t>
+            </a:r>
+            <a:r>
+              <a:rPr lang="fa-IR" sz="4400" dirty="0" err="1">
+                <a:solidFill>
+                  <a:schemeClr val="tx1"/>
+                </a:solidFill>
+                <a:latin typeface="Aviny" panose="020B0506030804020204" pitchFamily="34" charset="-78"/>
+                <a:cs typeface="Aviny" panose="020B0506030804020204" pitchFamily="34" charset="-78"/>
+              </a:rPr>
+              <a:t>تووش</a:t>
+            </a:r>
+            <a:r>
+              <a:rPr lang="fa-IR" sz="4400" dirty="0">
+                <a:solidFill>
+                  <a:schemeClr val="tx1"/>
+                </a:solidFill>
+                <a:latin typeface="Aviny" panose="020B0506030804020204" pitchFamily="34" charset="-78"/>
+                <a:cs typeface="Aviny" panose="020B0506030804020204" pitchFamily="34" charset="-78"/>
+              </a:rPr>
+              <a:t> </a:t>
+            </a:r>
+            <a:r>
+              <a:rPr lang="fa-IR" sz="4400" dirty="0" err="1">
+                <a:solidFill>
+                  <a:schemeClr val="tx1"/>
+                </a:solidFill>
+                <a:latin typeface="Aviny" panose="020B0506030804020204" pitchFamily="34" charset="-78"/>
+                <a:cs typeface="Aviny" panose="020B0506030804020204" pitchFamily="34" charset="-78"/>
+              </a:rPr>
+              <a:t>یه</a:t>
+            </a:r>
+            <a:r>
+              <a:rPr lang="fa-IR" sz="4400" dirty="0">
+                <a:solidFill>
+                  <a:schemeClr val="tx1"/>
+                </a:solidFill>
+                <a:latin typeface="Aviny" panose="020B0506030804020204" pitchFamily="34" charset="-78"/>
+                <a:cs typeface="Aviny" panose="020B0506030804020204" pitchFamily="34" charset="-78"/>
+              </a:rPr>
+              <a:t> عالمه موفقیت براتون رقم بخوره و کلی </a:t>
+            </a:r>
+            <a:r>
+              <a:rPr lang="fa-IR" sz="4400" dirty="0" err="1">
+                <a:solidFill>
+                  <a:schemeClr val="tx1"/>
+                </a:solidFill>
+                <a:latin typeface="Aviny" panose="020B0506030804020204" pitchFamily="34" charset="-78"/>
+                <a:cs typeface="Aviny" panose="020B0506030804020204" pitchFamily="34" charset="-78"/>
+              </a:rPr>
+              <a:t>دلتون</a:t>
+            </a:r>
+            <a:r>
+              <a:rPr lang="fa-IR" sz="4400" dirty="0">
+                <a:solidFill>
+                  <a:schemeClr val="tx1"/>
+                </a:solidFill>
+                <a:latin typeface="Aviny" panose="020B0506030804020204" pitchFamily="34" charset="-78"/>
+                <a:cs typeface="Aviny" panose="020B0506030804020204" pitchFamily="34" charset="-78"/>
+              </a:rPr>
+              <a:t> شاد باشه  و من هم از </a:t>
+            </a:r>
+            <a:r>
+              <a:rPr lang="fa-IR" sz="4400" dirty="0" err="1">
+                <a:solidFill>
+                  <a:schemeClr val="tx1"/>
+                </a:solidFill>
+                <a:latin typeface="Aviny" panose="020B0506030804020204" pitchFamily="34" charset="-78"/>
+                <a:cs typeface="Aviny" panose="020B0506030804020204" pitchFamily="34" charset="-78"/>
+              </a:rPr>
+              <a:t>شادیتون</a:t>
+            </a:r>
+            <a:r>
+              <a:rPr lang="fa-IR" sz="4400" dirty="0">
+                <a:solidFill>
+                  <a:schemeClr val="tx1"/>
+                </a:solidFill>
+                <a:latin typeface="Aviny" panose="020B0506030804020204" pitchFamily="34" charset="-78"/>
+                <a:cs typeface="Aviny" panose="020B0506030804020204" pitchFamily="34" charset="-78"/>
+              </a:rPr>
+              <a:t> لذت ببرم و امیدوارم امسال باعث خوشحالی دل خودتون و بقیه </a:t>
+            </a:r>
+            <a:r>
+              <a:rPr lang="fa-IR" sz="4400" dirty="0" err="1">
+                <a:solidFill>
+                  <a:schemeClr val="tx1"/>
+                </a:solidFill>
+                <a:latin typeface="Aviny" panose="020B0506030804020204" pitchFamily="34" charset="-78"/>
+                <a:cs typeface="Aviny" panose="020B0506030804020204" pitchFamily="34" charset="-78"/>
+              </a:rPr>
+              <a:t>باشین</a:t>
+            </a:r>
+            <a:r>
+              <a:rPr lang="fa-IR" sz="4400" dirty="0">
+                <a:solidFill>
+                  <a:schemeClr val="tx1"/>
+                </a:solidFill>
+                <a:latin typeface="Aviny" panose="020B0506030804020204" pitchFamily="34" charset="-78"/>
+                <a:cs typeface="Aviny" panose="020B0506030804020204" pitchFamily="34" charset="-78"/>
+              </a:rPr>
+              <a:t>...</a:t>
+            </a:r>
+            <a:endParaRPr lang="en-US" sz="4400" dirty="0"/>
+          </a:p>
+        </p:txBody>
+      </p:sp>
+      <p:sp>
+        <p:nvSpPr>
+          <p:cNvPr id="10" name="TextBox 9">
+            <a:extLst>
+              <a:ext uri="{FF2B5EF4-FFF2-40B4-BE49-F238E27FC236}">
+                <a16:creationId xmlns:a16="http://schemas.microsoft.com/office/drawing/2014/main" id="{CEC247F2-5889-C555-77FA-8E13038FE56B}"/>
+              </a:ext>
+            </a:extLst>
+          </p:cNvPr>
+          <p:cNvSpPr txBox="1"/>
+          <p:nvPr/>
+        </p:nvSpPr>
+        <p:spPr>
+          <a:xfrm>
+            <a:off x="5511121" y="3530685"/>
+            <a:ext cx="6094070" cy="2677656"/>
+          </a:xfrm>
+          <a:prstGeom prst="rect">
+            <a:avLst/>
+          </a:prstGeom>
+          <a:noFill/>
+        </p:spPr>
+        <p:txBody>
+          <a:bodyPr wrap="square">
+            <a:spAutoFit/>
+          </a:bodyPr>
+          <a:lstStyle/>
+          <a:p>
+            <a:pPr algn="r" rtl="1"/>
+            <a:r>
+              <a:rPr lang="fa-IR" sz="2800" dirty="0" err="1">
+                <a:solidFill>
+                  <a:schemeClr val="tx1"/>
+                </a:solidFill>
+                <a:latin typeface="Aviny" panose="020B0506030804020204" pitchFamily="34" charset="-78"/>
+                <a:cs typeface="Aviny" panose="020B0506030804020204" pitchFamily="34" charset="-78"/>
+              </a:rPr>
+              <a:t>دوستتون</a:t>
+            </a:r>
+            <a:r>
+              <a:rPr lang="fa-IR" sz="2800" dirty="0">
+                <a:solidFill>
+                  <a:schemeClr val="tx1"/>
+                </a:solidFill>
+                <a:latin typeface="Aviny" panose="020B0506030804020204" pitchFamily="34" charset="-78"/>
+                <a:cs typeface="Aviny" panose="020B0506030804020204" pitchFamily="34" charset="-78"/>
+              </a:rPr>
+              <a:t> دارم،</a:t>
+            </a:r>
+            <a:br>
+              <a:rPr lang="fa-IR" sz="2800" dirty="0">
+                <a:solidFill>
+                  <a:schemeClr val="tx1"/>
+                </a:solidFill>
+                <a:latin typeface="Aviny" panose="020B0506030804020204" pitchFamily="34" charset="-78"/>
+                <a:cs typeface="Aviny" panose="020B0506030804020204" pitchFamily="34" charset="-78"/>
+              </a:rPr>
+            </a:br>
+            <a:r>
+              <a:rPr lang="fa-IR" sz="2800" dirty="0">
+                <a:solidFill>
+                  <a:schemeClr val="tx1"/>
+                </a:solidFill>
+                <a:latin typeface="Aviny" panose="020B0506030804020204" pitchFamily="34" charset="-78"/>
+                <a:cs typeface="Aviny" panose="020B0506030804020204" pitchFamily="34" charset="-78"/>
+              </a:rPr>
+              <a:t>ایمان</a:t>
+            </a:r>
+          </a:p>
+          <a:p>
+            <a:pPr algn="r" rtl="1"/>
+            <a:endParaRPr lang="fa-IR" sz="2800" dirty="0">
+              <a:solidFill>
+                <a:schemeClr val="tx1"/>
+              </a:solidFill>
+              <a:latin typeface="Aviny" panose="020B0506030804020204" pitchFamily="34" charset="-78"/>
+              <a:cs typeface="Aviny" panose="020B0506030804020204" pitchFamily="34" charset="-78"/>
+            </a:endParaRPr>
+          </a:p>
+          <a:p>
+            <a:pPr algn="r" rtl="1"/>
+            <a:endParaRPr lang="fa-IR" sz="2800" dirty="0">
+              <a:latin typeface="Aviny" panose="020B0506030804020204" pitchFamily="34" charset="-78"/>
+              <a:cs typeface="Aviny" panose="020B0506030804020204" pitchFamily="34" charset="-78"/>
+            </a:endParaRPr>
+          </a:p>
+          <a:p>
+            <a:pPr algn="r" rtl="1"/>
+            <a:endParaRPr lang="fa-IR" sz="2800" dirty="0">
+              <a:solidFill>
+                <a:schemeClr val="tx1"/>
+              </a:solidFill>
+              <a:latin typeface="Aviny" panose="020B0506030804020204" pitchFamily="34" charset="-78"/>
+              <a:cs typeface="Aviny" panose="020B0506030804020204" pitchFamily="34" charset="-78"/>
+            </a:endParaRPr>
+          </a:p>
+          <a:p>
+            <a:pPr algn="r" rtl="1"/>
+            <a:r>
+              <a:rPr lang="fa-IR" sz="2800" dirty="0">
+                <a:latin typeface="Aviny" panose="020B0506030804020204" pitchFamily="34" charset="-78"/>
+                <a:cs typeface="Aviny" panose="020B0506030804020204" pitchFamily="34" charset="-78"/>
+              </a:rPr>
+              <a:t>14/1/1402</a:t>
+            </a:r>
+            <a:endParaRPr lang="en-US" sz="2800" dirty="0"/>
+          </a:p>
+        </p:txBody>
+      </p:sp>
+    </p:spTree>
+    <p:extLst>
+      <p:ext uri="{BB962C8B-B14F-4D97-AF65-F5344CB8AC3E}">
+        <p14:creationId xmlns:p14="http://schemas.microsoft.com/office/powerpoint/2010/main" val="856036989"/>
+      </p:ext>
+    </p:extLst>
+  </p:cSld>
+  <p:clrMapOvr>
+    <a:masterClrMapping/>
+  </p:clrMapOvr>
+  <p:timing>
+    <p:tnLst>
+      <p:par>
+        <p:cTn id="1" dur="indefinite" restart="never" nodeType="tmRoot">
+          <p:childTnLst>
+            <p:seq concurrent="1" nextAc="seek">
+              <p:cTn id="2" dur="indefinite" nodeType="mainSeq">
+                <p:childTnLst>
+                  <p:par>
+                    <p:cTn id="3" fill="hold">
+                      <p:stCondLst>
+                        <p:cond delay="indefinite"/>
+                        <p:cond evt="onBegin" delay="0">
+                          <p:tn val="2"/>
+                        </p:cond>
+                      </p:stCondLst>
+                      <p:childTnLst>
+                        <p:par>
+                          <p:cTn id="4" fill="hold">
+                            <p:stCondLst>
+                              <p:cond delay="0"/>
+                            </p:stCondLst>
+                            <p:childTnLst>
+                              <p:par>
+                                <p:cTn id="5" presetID="22" presetClass="entr" presetSubtype="2" fill="hold" nodeType="afterEffect">
+                                  <p:stCondLst>
+                                    <p:cond delay="0"/>
+                                  </p:stCondLst>
+                                  <p:childTnLst>
+                                    <p:set>
+                                      <p:cBhvr>
+                                        <p:cTn id="6" dur="1" fill="hold">
+                                          <p:stCondLst>
+                                            <p:cond delay="0"/>
+                                          </p:stCondLst>
+                                        </p:cTn>
+                                        <p:tgtEl>
+                                          <p:spTgt spid="8">
+                                            <p:txEl>
+                                              <p:pRg st="0" end="0"/>
+                                            </p:txEl>
+                                          </p:spTgt>
+                                        </p:tgtEl>
+                                        <p:attrNameLst>
+                                          <p:attrName>style.visibility</p:attrName>
+                                        </p:attrNameLst>
+                                      </p:cBhvr>
+                                      <p:to>
+                                        <p:strVal val="visible"/>
+                                      </p:to>
+                                    </p:set>
+                                    <p:animEffect transition="in" filter="wipe(right)">
+                                      <p:cBhvr>
+                                        <p:cTn id="7" dur="500"/>
+                                        <p:tgtEl>
+                                          <p:spTgt spid="8">
+                                            <p:txEl>
+                                              <p:pRg st="0" end="0"/>
+                                            </p:txEl>
+                                          </p:spTgt>
+                                        </p:tgtEl>
+                                      </p:cBhvr>
+                                    </p:animEffect>
+                                  </p:childTnLst>
+                                </p:cTn>
+                              </p:par>
+                            </p:childTnLst>
+                          </p:cTn>
+                        </p:par>
+                        <p:par>
+                          <p:cTn id="8" fill="hold">
+                            <p:stCondLst>
+                              <p:cond delay="500"/>
+                            </p:stCondLst>
+                            <p:childTnLst>
+                              <p:par>
+                                <p:cTn id="9" presetID="10" presetClass="entr" presetSubtype="0" fill="hold" nodeType="afterEffect">
+                                  <p:stCondLst>
+                                    <p:cond delay="0"/>
+                                  </p:stCondLst>
+                                  <p:childTnLst>
+                                    <p:set>
+                                      <p:cBhvr>
+                                        <p:cTn id="10" dur="1" fill="hold">
+                                          <p:stCondLst>
+                                            <p:cond delay="0"/>
+                                          </p:stCondLst>
+                                        </p:cTn>
+                                        <p:tgtEl>
+                                          <p:spTgt spid="10">
+                                            <p:txEl>
+                                              <p:pRg st="0" end="0"/>
+                                            </p:txEl>
+                                          </p:spTgt>
+                                        </p:tgtEl>
+                                        <p:attrNameLst>
+                                          <p:attrName>style.visibility</p:attrName>
+                                        </p:attrNameLst>
+                                      </p:cBhvr>
+                                      <p:to>
+                                        <p:strVal val="visible"/>
+                                      </p:to>
+                                    </p:set>
+                                    <p:animEffect transition="in" filter="fade">
+                                      <p:cBhvr>
+                                        <p:cTn id="11" dur="500"/>
+                                        <p:tgtEl>
+                                          <p:spTgt spid="10">
+                                            <p:txEl>
+                                              <p:pRg st="0" end="0"/>
+                                            </p:txEl>
+                                          </p:spTgt>
+                                        </p:tgtEl>
+                                      </p:cBhvr>
+                                    </p:animEffect>
+                                  </p:childTnLst>
+                                </p:cTn>
+                              </p:par>
+                            </p:childTnLst>
+                          </p:cTn>
+                        </p:par>
+                        <p:par>
+                          <p:cTn id="12" fill="hold">
+                            <p:stCondLst>
+                              <p:cond delay="1000"/>
+                            </p:stCondLst>
+                            <p:childTnLst>
+                              <p:par>
+                                <p:cTn id="13" presetID="10" presetClass="entr" presetSubtype="0" fill="hold" nodeType="afterEffect">
+                                  <p:stCondLst>
+                                    <p:cond delay="0"/>
+                                  </p:stCondLst>
+                                  <p:childTnLst>
+                                    <p:set>
+                                      <p:cBhvr>
+                                        <p:cTn id="14" dur="1" fill="hold">
+                                          <p:stCondLst>
+                                            <p:cond delay="0"/>
+                                          </p:stCondLst>
+                                        </p:cTn>
+                                        <p:tgtEl>
+                                          <p:spTgt spid="10">
+                                            <p:txEl>
+                                              <p:pRg st="4" end="4"/>
+                                            </p:txEl>
+                                          </p:spTgt>
+                                        </p:tgtEl>
+                                        <p:attrNameLst>
+                                          <p:attrName>style.visibility</p:attrName>
+                                        </p:attrNameLst>
+                                      </p:cBhvr>
+                                      <p:to>
+                                        <p:strVal val="visible"/>
+                                      </p:to>
+                                    </p:set>
+                                    <p:animEffect transition="in" filter="fade">
+                                      <p:cBhvr>
+                                        <p:cTn id="15" dur="500"/>
+                                        <p:tgtEl>
+                                          <p:spTgt spid="10">
+                                            <p:txEl>
+                                              <p:pRg st="4" end="4"/>
+                                            </p:txEl>
+                                          </p:spTgt>
+                                        </p:tgtEl>
+                                      </p:cBhvr>
+                                    </p:animEffect>
+                                  </p:childTnLst>
+                                </p:cTn>
+                              </p:par>
+                            </p:childTnLst>
+                          </p:cTn>
+                        </p:par>
+                      </p:childTnLst>
+                    </p:cTn>
+                  </p:par>
+                </p:childTnLst>
+              </p:cTn>
+              <p:prevCondLst>
+                <p:cond evt="onPrev" delay="0">
+                  <p:tgtEl>
+                    <p:sldTgt/>
+                  </p:tgtEl>
+                </p:cond>
+              </p:prevCondLst>
+              <p:nextCondLst>
+                <p:cond evt="onNext" delay="0">
+                  <p:tgtEl>
+                    <p:sldTgt/>
+                  </p:tgtEl>
+                </p:cond>
+              </p:nextCondLst>
+            </p:seq>
+          </p:childTnLst>
+        </p:cTn>
+      </p:par>
+    </p:tnLst>
+  </p:timing>
+</p:sld>
+</file>
+
+<file path=ppt/slides/slide20.xml><?xml version="1.0" encoding="utf-8"?>
+<p:sld xmlns:a="http://schemas.openxmlformats.org/drawingml/2006/main" xmlns:r="http://schemas.openxmlformats.org/officeDocument/2006/relationships" xmlns:p="http://schemas.openxmlformats.org/presentationml/2006/main">
+  <p:cSld>
+    <p:spTree>
+      <p:nvGrpSpPr>
+        <p:cNvPr id="1" name=""/>
+        <p:cNvGrpSpPr/>
+        <p:nvPr/>
+      </p:nvGrpSpPr>
+      <p:grpSpPr>
+        <a:xfrm>
+          <a:off x="0" y="0"/>
+          <a:ext cx="0" cy="0"/>
+          <a:chOff x="0" y="0"/>
+          <a:chExt cx="0" cy="0"/>
+        </a:xfrm>
+      </p:grpSpPr>
       <p:sp>
         <p:nvSpPr>
           <p:cNvPr id="2" name="Title 1">
@@ -9032,7 +10482,7 @@
           <a:p>
             <a:fld id="{0079CAC6-A72B-4EF8-B465-34FA47827E7F}" type="slidenum">
               <a:rPr lang="en-US" smtClean="0"/>
-              <a:t>18</a:t>
+              <a:t>20</a:t>
             </a:fld>
             <a:endParaRPr lang="en-US" dirty="0"/>
           </a:p>
@@ -9455,7 +10905,7 @@
 </p:sld>
 </file>
 
-<file path=ppt/slides/slide19.xml><?xml version="1.0" encoding="utf-8"?>
+<file path=ppt/slides/slide21.xml><?xml version="1.0" encoding="utf-8"?>
 <p:sld xmlns:a="http://schemas.openxmlformats.org/drawingml/2006/main" xmlns:r="http://schemas.openxmlformats.org/officeDocument/2006/relationships" xmlns:p="http://schemas.openxmlformats.org/presentationml/2006/main">
   <p:cSld>
     <p:spTree>
@@ -9477,7 +10927,7 @@
           <p:cNvPr id="2" name="Title 1">
             <a:extLst>
               <a:ext uri="{FF2B5EF4-FFF2-40B4-BE49-F238E27FC236}">
-                <a16:creationId xmlns:a16="http://schemas.microsoft.com/office/drawing/2014/main" id="{E971B2D1-ED4F-3F7E-6680-17E47645F005}"/>
+                <a16:creationId xmlns:a16="http://schemas.microsoft.com/office/drawing/2014/main" id="{DAB650D8-F448-124E-BF47-7D95F8DD379E}"/>
               </a:ext>
             </a:extLst>
           </p:cNvPr>
@@ -9486,6 +10936,108 @@
           </p:cNvSpPr>
           <p:nvPr>
             <p:ph type="title"/>
+          </p:nvPr>
+        </p:nvSpPr>
+        <p:spPr/>
+        <p:txBody>
+          <a:bodyPr>
+            <a:normAutofit fontScale="90000"/>
+          </a:bodyPr>
+          <a:lstStyle/>
+          <a:p>
+            <a:r>
+              <a:rPr lang="en-US" dirty="0"/>
+              <a:t>Can you implement simple </a:t>
+            </a:r>
+            <a:r>
+              <a:rPr lang="en-US" dirty="0" err="1"/>
+              <a:t>Zooddy</a:t>
+            </a:r>
+            <a:r>
+              <a:rPr lang="en-US" dirty="0"/>
+              <a:t> for short presentation? </a:t>
+            </a:r>
+            <a:r>
+              <a:rPr lang="en-US" sz="3100" i="1" dirty="0"/>
+              <a:t>Transform your flowchart to Python code!</a:t>
+            </a:r>
+            <a:endParaRPr lang="en-US" i="1" dirty="0"/>
+          </a:p>
+        </p:txBody>
+      </p:sp>
+      <p:pic>
+        <p:nvPicPr>
+          <p:cNvPr id="7" name="Content Placeholder 6">
+            <a:extLst>
+              <a:ext uri="{FF2B5EF4-FFF2-40B4-BE49-F238E27FC236}">
+                <a16:creationId xmlns:a16="http://schemas.microsoft.com/office/drawing/2014/main" id="{35243FEE-1D1D-A7EE-002E-8F48FB6D4B01}"/>
+              </a:ext>
+            </a:extLst>
+          </p:cNvPr>
+          <p:cNvPicPr>
+            <a:picLocks noGrp="1" noChangeAspect="1"/>
+          </p:cNvPicPr>
+          <p:nvPr>
+            <p:ph idx="1"/>
+          </p:nvPr>
+        </p:nvPicPr>
+        <p:blipFill>
+          <a:blip r:embed="rId3"/>
+          <a:stretch>
+            <a:fillRect/>
+          </a:stretch>
+        </p:blipFill>
+        <p:spPr>
+          <a:xfrm>
+            <a:off x="1511669" y="2076679"/>
+            <a:ext cx="9167074" cy="4206875"/>
+          </a:xfrm>
+          <a:prstGeom prst="roundRect">
+            <a:avLst>
+              <a:gd name="adj" fmla="val 11111"/>
+            </a:avLst>
+          </a:prstGeom>
+          <a:ln w="190500" cap="rnd">
+            <a:solidFill>
+              <a:srgbClr val="C8C6BD"/>
+            </a:solidFill>
+            <a:prstDash val="solid"/>
+          </a:ln>
+          <a:effectLst>
+            <a:outerShdw blurRad="101600" dist="50800" dir="7200000" algn="tl" rotWithShape="0">
+              <a:srgbClr val="000000">
+                <a:alpha val="45000"/>
+              </a:srgbClr>
+            </a:outerShdw>
+          </a:effectLst>
+          <a:scene3d>
+            <a:camera prst="perspectiveFront" fov="5400000"/>
+            <a:lightRig rig="threePt" dir="t">
+              <a:rot lat="0" lon="0" rev="19200000"/>
+            </a:lightRig>
+          </a:scene3d>
+          <a:sp3d extrusionH="25400">
+            <a:bevelT w="304800" h="152400" prst="hardEdge"/>
+            <a:extrusionClr>
+              <a:srgbClr val="FFFFFF"/>
+            </a:extrusionClr>
+          </a:sp3d>
+        </p:spPr>
+      </p:pic>
+      <p:sp>
+        <p:nvSpPr>
+          <p:cNvPr id="4" name="Footer Placeholder 3">
+            <a:extLst>
+              <a:ext uri="{FF2B5EF4-FFF2-40B4-BE49-F238E27FC236}">
+                <a16:creationId xmlns:a16="http://schemas.microsoft.com/office/drawing/2014/main" id="{80196E2A-036F-BC78-F423-EBC584DB3293}"/>
+              </a:ext>
+            </a:extLst>
+          </p:cNvPr>
+          <p:cNvSpPr>
+            <a:spLocks noGrp="1"/>
+          </p:cNvSpPr>
+          <p:nvPr>
+            <p:ph type="ftr" sz="quarter" idx="11"/>
           </p:nvPr>
         </p:nvSpPr>
         <p:spPr/>
@@ -9494,57 +11046,19 @@
           <a:lstStyle/>
           <a:p>
             <a:r>
-              <a:rPr lang="en-US" dirty="0"/>
-              <a:t>Lecture Resources</a:t>
-            </a:r>
+              <a:rPr lang="en-US"/>
+              <a:t>Fundamental Programming with Python</a:t>
+            </a:r>
+            <a:endParaRPr lang="en-US" dirty="0"/>
           </a:p>
         </p:txBody>
       </p:sp>
       <p:sp>
         <p:nvSpPr>
-          <p:cNvPr id="3" name="Content Placeholder 2">
+          <p:cNvPr id="5" name="Slide Number Placeholder 4">
             <a:extLst>
               <a:ext uri="{FF2B5EF4-FFF2-40B4-BE49-F238E27FC236}">
-                <a16:creationId xmlns:a16="http://schemas.microsoft.com/office/drawing/2014/main" id="{048171A8-7BC9-A1CC-24DE-D1A363BFCAAB}"/>
-              </a:ext>
-            </a:extLst>
-          </p:cNvPr>
-          <p:cNvSpPr>
-            <a:spLocks noGrp="1"/>
-          </p:cNvSpPr>
-          <p:nvPr>
-            <p:ph idx="1"/>
-          </p:nvPr>
-        </p:nvSpPr>
-        <p:spPr/>
-        <p:txBody>
-          <a:bodyPr>
-            <a:normAutofit/>
-          </a:bodyPr>
-          <a:lstStyle/>
-          <a:p>
-            <a:pPr algn="just"/>
-            <a:r>
-              <a:rPr lang="en-US" sz="2800" i="1" dirty="0"/>
-              <a:t>P. Wentworth, J. </a:t>
-            </a:r>
-            <a:r>
-              <a:rPr lang="en-US" sz="2800" i="1" dirty="0" err="1"/>
-              <a:t>Elkner</a:t>
-            </a:r>
-            <a:r>
-              <a:rPr lang="en-US" sz="2800" i="1" dirty="0"/>
-              <a:t>, A. B. Downey, C. Meyers. How to Think Like a Computer Scientist: Learning with Python. 3rd Edition, Open Book Project, 2011.</a:t>
-            </a:r>
-          </a:p>
-        </p:txBody>
-      </p:sp>
-      <p:sp>
-        <p:nvSpPr>
-          <p:cNvPr id="4" name="Slide Number Placeholder 3">
-            <a:extLst>
-              <a:ext uri="{FF2B5EF4-FFF2-40B4-BE49-F238E27FC236}">
-                <a16:creationId xmlns:a16="http://schemas.microsoft.com/office/drawing/2014/main" id="{1A07D2F6-E8B4-DCE8-6D7F-E8A49CF5128B}"/>
+                <a16:creationId xmlns:a16="http://schemas.microsoft.com/office/drawing/2014/main" id="{B0BD7BF7-CDC1-5E0A-BAF5-D753B636720D}"/>
               </a:ext>
             </a:extLst>
           </p:cNvPr>
@@ -9562,7 +11076,7 @@
           <a:p>
             <a:fld id="{0079CAC6-A72B-4EF8-B465-34FA47827E7F}" type="slidenum">
               <a:rPr lang="en-US" smtClean="0"/>
-              <a:t>19</a:t>
+              <a:t>21</a:t>
             </a:fld>
             <a:endParaRPr lang="en-US" dirty="0"/>
           </a:p>
@@ -9570,37 +11084,69 @@
       </p:sp>
       <p:sp>
         <p:nvSpPr>
-          <p:cNvPr id="5" name="Footer Placeholder 4">
+          <p:cNvPr id="8" name="Plus Sign 7">
             <a:extLst>
               <a:ext uri="{FF2B5EF4-FFF2-40B4-BE49-F238E27FC236}">
-                <a16:creationId xmlns:a16="http://schemas.microsoft.com/office/drawing/2014/main" id="{F7926C1C-F8F8-36AC-3F81-B1B9194574F2}"/>
+                <a16:creationId xmlns:a16="http://schemas.microsoft.com/office/drawing/2014/main" id="{B13A7C47-E56B-B0B6-463E-E7495F249F7C}"/>
               </a:ext>
             </a:extLst>
           </p:cNvPr>
-          <p:cNvSpPr>
-            <a:spLocks noGrp="1"/>
-          </p:cNvSpPr>
-          <p:nvPr>
-            <p:ph type="ftr" sz="quarter" idx="11"/>
-          </p:nvPr>
-        </p:nvSpPr>
-        <p:spPr/>
+          <p:cNvSpPr/>
+          <p:nvPr/>
+        </p:nvSpPr>
+        <p:spPr>
+          <a:xfrm>
+            <a:off x="210206" y="2102070"/>
+            <a:ext cx="2081049" cy="1881352"/>
+          </a:xfrm>
+          <a:prstGeom prst="mathPlus">
+            <a:avLst/>
+          </a:prstGeom>
+          <a:solidFill>
+            <a:srgbClr val="FF0000"/>
+          </a:solidFill>
+          <a:ln w="38100">
+            <a:solidFill>
+              <a:schemeClr val="tx1"/>
+            </a:solidFill>
+          </a:ln>
+          <a:effectLst>
+            <a:outerShdw blurRad="50800" dist="38100" dir="18900000" algn="bl" rotWithShape="0">
+              <a:prstClr val="black">
+                <a:alpha val="40000"/>
+              </a:prstClr>
+            </a:outerShdw>
+          </a:effectLst>
+        </p:spPr>
+        <p:style>
+          <a:lnRef idx="2">
+            <a:schemeClr val="accent1">
+              <a:shade val="50000"/>
+            </a:schemeClr>
+          </a:lnRef>
+          <a:fillRef idx="1">
+            <a:schemeClr val="accent1"/>
+          </a:fillRef>
+          <a:effectRef idx="0">
+            <a:schemeClr val="accent1"/>
+          </a:effectRef>
+          <a:fontRef idx="minor">
+            <a:schemeClr val="lt1"/>
+          </a:fontRef>
+        </p:style>
         <p:txBody>
-          <a:bodyPr/>
+          <a:bodyPr rtlCol="0" anchor="ctr"/>
           <a:lstStyle/>
           <a:p>
-            <a:r>
-              <a:rPr lang="en-US"/>
-              <a:t>Fundamental Programming with Python</a:t>
-            </a:r>
-            <a:endParaRPr lang="en-US" dirty="0"/>
+            <a:pPr algn="ctr"/>
+            <a:endParaRPr lang="en-US"/>
           </a:p>
         </p:txBody>
       </p:sp>
     </p:spTree>
     <p:extLst>
       <p:ext uri="{BB962C8B-B14F-4D97-AF65-F5344CB8AC3E}">
-        <p14:creationId xmlns:p14="http://schemas.microsoft.com/office/powerpoint/2010/main" val="3233585793"/>
+        <p14:creationId xmlns:p14="http://schemas.microsoft.com/office/powerpoint/2010/main" val="928278210"/>
       </p:ext>
     </p:extLst>
   </p:cSld>
@@ -9610,7 +11156,7 @@
 </p:sld>
 </file>
 
-<file path=ppt/slides/slide2.xml><?xml version="1.0" encoding="utf-8"?>
+<file path=ppt/slides/slide22.xml><?xml version="1.0" encoding="utf-8"?>
 <p:sld xmlns:a="http://schemas.openxmlformats.org/drawingml/2006/main" xmlns:r="http://schemas.openxmlformats.org/officeDocument/2006/relationships" xmlns:p="http://schemas.openxmlformats.org/presentationml/2006/main">
   <p:cSld>
     <p:spTree>
@@ -9632,6 +11178,161 @@
           <p:cNvPr id="2" name="Title 1">
             <a:extLst>
               <a:ext uri="{FF2B5EF4-FFF2-40B4-BE49-F238E27FC236}">
+                <a16:creationId xmlns:a16="http://schemas.microsoft.com/office/drawing/2014/main" id="{E971B2D1-ED4F-3F7E-6680-17E47645F005}"/>
+              </a:ext>
+            </a:extLst>
+          </p:cNvPr>
+          <p:cNvSpPr>
+            <a:spLocks noGrp="1"/>
+          </p:cNvSpPr>
+          <p:nvPr>
+            <p:ph type="title"/>
+          </p:nvPr>
+        </p:nvSpPr>
+        <p:spPr/>
+        <p:txBody>
+          <a:bodyPr/>
+          <a:lstStyle/>
+          <a:p>
+            <a:r>
+              <a:rPr lang="en-US" dirty="0"/>
+              <a:t>Lecture Resources</a:t>
+            </a:r>
+          </a:p>
+        </p:txBody>
+      </p:sp>
+      <p:sp>
+        <p:nvSpPr>
+          <p:cNvPr id="3" name="Content Placeholder 2">
+            <a:extLst>
+              <a:ext uri="{FF2B5EF4-FFF2-40B4-BE49-F238E27FC236}">
+                <a16:creationId xmlns:a16="http://schemas.microsoft.com/office/drawing/2014/main" id="{048171A8-7BC9-A1CC-24DE-D1A363BFCAAB}"/>
+              </a:ext>
+            </a:extLst>
+          </p:cNvPr>
+          <p:cNvSpPr>
+            <a:spLocks noGrp="1"/>
+          </p:cNvSpPr>
+          <p:nvPr>
+            <p:ph idx="1"/>
+          </p:nvPr>
+        </p:nvSpPr>
+        <p:spPr/>
+        <p:txBody>
+          <a:bodyPr>
+            <a:normAutofit/>
+          </a:bodyPr>
+          <a:lstStyle/>
+          <a:p>
+            <a:pPr algn="just"/>
+            <a:r>
+              <a:rPr lang="en-US" sz="2800" i="1" dirty="0"/>
+              <a:t>P. Wentworth, J. </a:t>
+            </a:r>
+            <a:r>
+              <a:rPr lang="en-US" sz="2800" i="1" dirty="0" err="1"/>
+              <a:t>Elkner</a:t>
+            </a:r>
+            <a:r>
+              <a:rPr lang="en-US" sz="2800" i="1" dirty="0"/>
+              <a:t>, A. B. Downey, C. Meyers. How to Think Like a Computer Scientist: Learning with Python. 3rd Edition, Open Book Project, 2011.</a:t>
+            </a:r>
+          </a:p>
+        </p:txBody>
+      </p:sp>
+      <p:sp>
+        <p:nvSpPr>
+          <p:cNvPr id="4" name="Slide Number Placeholder 3">
+            <a:extLst>
+              <a:ext uri="{FF2B5EF4-FFF2-40B4-BE49-F238E27FC236}">
+                <a16:creationId xmlns:a16="http://schemas.microsoft.com/office/drawing/2014/main" id="{1A07D2F6-E8B4-DCE8-6D7F-E8A49CF5128B}"/>
+              </a:ext>
+            </a:extLst>
+          </p:cNvPr>
+          <p:cNvSpPr>
+            <a:spLocks noGrp="1"/>
+          </p:cNvSpPr>
+          <p:nvPr>
+            <p:ph type="sldNum" sz="quarter" idx="12"/>
+          </p:nvPr>
+        </p:nvSpPr>
+        <p:spPr/>
+        <p:txBody>
+          <a:bodyPr/>
+          <a:lstStyle/>
+          <a:p>
+            <a:fld id="{0079CAC6-A72B-4EF8-B465-34FA47827E7F}" type="slidenum">
+              <a:rPr lang="en-US" smtClean="0"/>
+              <a:t>22</a:t>
+            </a:fld>
+            <a:endParaRPr lang="en-US" dirty="0"/>
+          </a:p>
+        </p:txBody>
+      </p:sp>
+      <p:sp>
+        <p:nvSpPr>
+          <p:cNvPr id="5" name="Footer Placeholder 4">
+            <a:extLst>
+              <a:ext uri="{FF2B5EF4-FFF2-40B4-BE49-F238E27FC236}">
+                <a16:creationId xmlns:a16="http://schemas.microsoft.com/office/drawing/2014/main" id="{F7926C1C-F8F8-36AC-3F81-B1B9194574F2}"/>
+              </a:ext>
+            </a:extLst>
+          </p:cNvPr>
+          <p:cNvSpPr>
+            <a:spLocks noGrp="1"/>
+          </p:cNvSpPr>
+          <p:nvPr>
+            <p:ph type="ftr" sz="quarter" idx="11"/>
+          </p:nvPr>
+        </p:nvSpPr>
+        <p:spPr/>
+        <p:txBody>
+          <a:bodyPr/>
+          <a:lstStyle/>
+          <a:p>
+            <a:r>
+              <a:rPr lang="en-US"/>
+              <a:t>Fundamental Programming with Python</a:t>
+            </a:r>
+            <a:endParaRPr lang="en-US" dirty="0"/>
+          </a:p>
+        </p:txBody>
+      </p:sp>
+    </p:spTree>
+    <p:extLst>
+      <p:ext uri="{BB962C8B-B14F-4D97-AF65-F5344CB8AC3E}">
+        <p14:creationId xmlns:p14="http://schemas.microsoft.com/office/powerpoint/2010/main" val="3233585793"/>
+      </p:ext>
+    </p:extLst>
+  </p:cSld>
+  <p:clrMapOvr>
+    <a:masterClrMapping/>
+  </p:clrMapOvr>
+</p:sld>
+</file>
+
+<file path=ppt/slides/slide3.xml><?xml version="1.0" encoding="utf-8"?>
+<p:sld xmlns:a="http://schemas.openxmlformats.org/drawingml/2006/main" xmlns:r="http://schemas.openxmlformats.org/officeDocument/2006/relationships" xmlns:p="http://schemas.openxmlformats.org/presentationml/2006/main">
+  <p:cSld>
+    <p:spTree>
+      <p:nvGrpSpPr>
+        <p:cNvPr id="1" name=""/>
+        <p:cNvGrpSpPr/>
+        <p:nvPr/>
+      </p:nvGrpSpPr>
+      <p:grpSpPr>
+        <a:xfrm>
+          <a:off x="0" y="0"/>
+          <a:ext cx="0" cy="0"/>
+          <a:chOff x="0" y="0"/>
+          <a:chExt cx="0" cy="0"/>
+        </a:xfrm>
+      </p:grpSpPr>
+      <p:sp>
+        <p:nvSpPr>
+          <p:cNvPr id="2" name="Title 1">
+            <a:extLst>
+              <a:ext uri="{FF2B5EF4-FFF2-40B4-BE49-F238E27FC236}">
                 <a16:creationId xmlns:a16="http://schemas.microsoft.com/office/drawing/2014/main" id="{87B1A73B-6C72-C6E9-38EE-574B6DD11391}"/>
               </a:ext>
             </a:extLst>
@@ -9766,7 +11467,7 @@
           <a:p>
             <a:fld id="{0079CAC6-A72B-4EF8-B465-34FA47827E7F}" type="slidenum">
               <a:rPr lang="en-US" smtClean="0"/>
-              <a:t>2</a:t>
+              <a:t>3</a:t>
             </a:fld>
             <a:endParaRPr lang="en-US" dirty="0"/>
           </a:p>
@@ -10649,7 +12350,7 @@
 </p:sld>
 </file>
 
-<file path=ppt/slides/slide3.xml><?xml version="1.0" encoding="utf-8"?>
+<file path=ppt/slides/slide4.xml><?xml version="1.0" encoding="utf-8"?>
 <p:sld xmlns:a="http://schemas.openxmlformats.org/drawingml/2006/main" xmlns:r="http://schemas.openxmlformats.org/officeDocument/2006/relationships" xmlns:p="http://schemas.openxmlformats.org/presentationml/2006/main">
   <p:cSld>
     <p:spTree>
@@ -10781,7 +12482,7 @@
           <a:p>
             <a:fld id="{0079CAC6-A72B-4EF8-B465-34FA47827E7F}" type="slidenum">
               <a:rPr lang="en-US" smtClean="0"/>
-              <a:t>3</a:t>
+              <a:t>4</a:t>
             </a:fld>
             <a:endParaRPr lang="en-US" dirty="0"/>
           </a:p>
@@ -11434,161 +13135,6 @@
 </p:sld>
 </file>
 
-<file path=ppt/slides/slide4.xml><?xml version="1.0" encoding="utf-8"?>
-<p:sld xmlns:a="http://schemas.openxmlformats.org/drawingml/2006/main" xmlns:r="http://schemas.openxmlformats.org/officeDocument/2006/relationships" xmlns:p="http://schemas.openxmlformats.org/presentationml/2006/main">
-  <p:cSld>
-    <p:spTree>
-      <p:nvGrpSpPr>
-        <p:cNvPr id="1" name=""/>
-        <p:cNvGrpSpPr/>
-        <p:nvPr/>
-      </p:nvGrpSpPr>
-      <p:grpSpPr>
-        <a:xfrm>
-          <a:off x="0" y="0"/>
-          <a:ext cx="0" cy="0"/>
-          <a:chOff x="0" y="0"/>
-          <a:chExt cx="0" cy="0"/>
-        </a:xfrm>
-      </p:grpSpPr>
-      <p:sp>
-        <p:nvSpPr>
-          <p:cNvPr id="2" name="Title 1">
-            <a:extLst>
-              <a:ext uri="{FF2B5EF4-FFF2-40B4-BE49-F238E27FC236}">
-                <a16:creationId xmlns:a16="http://schemas.microsoft.com/office/drawing/2014/main" id="{D04E7BF9-93E3-307D-03D4-E63181C84F1C}"/>
-              </a:ext>
-            </a:extLst>
-          </p:cNvPr>
-          <p:cNvSpPr>
-            <a:spLocks noGrp="1"/>
-          </p:cNvSpPr>
-          <p:nvPr>
-            <p:ph type="title"/>
-          </p:nvPr>
-        </p:nvSpPr>
-        <p:spPr/>
-        <p:txBody>
-          <a:bodyPr/>
-          <a:lstStyle/>
-          <a:p>
-            <a:r>
-              <a:rPr lang="en-US" dirty="0"/>
-              <a:t>Together</a:t>
-            </a:r>
-          </a:p>
-        </p:txBody>
-      </p:sp>
-      <p:sp>
-        <p:nvSpPr>
-          <p:cNvPr id="3" name="Content Placeholder 2">
-            <a:extLst>
-              <a:ext uri="{FF2B5EF4-FFF2-40B4-BE49-F238E27FC236}">
-                <a16:creationId xmlns:a16="http://schemas.microsoft.com/office/drawing/2014/main" id="{A8B0ACF0-C99B-8FC1-911B-53228D0342B9}"/>
-              </a:ext>
-            </a:extLst>
-          </p:cNvPr>
-          <p:cNvSpPr>
-            <a:spLocks noGrp="1"/>
-          </p:cNvSpPr>
-          <p:nvPr>
-            <p:ph idx="1"/>
-          </p:nvPr>
-        </p:nvSpPr>
-        <p:spPr/>
-        <p:txBody>
-          <a:bodyPr>
-            <a:normAutofit/>
-          </a:bodyPr>
-          <a:lstStyle/>
-          <a:p>
-            <a:pPr marL="0" indent="0" algn="ctr">
-              <a:buNone/>
-            </a:pPr>
-            <a:endParaRPr lang="en-US" sz="5400" dirty="0"/>
-          </a:p>
-          <a:p>
-            <a:pPr marL="0" indent="0" algn="ctr">
-              <a:buNone/>
-            </a:pPr>
-            <a:r>
-              <a:rPr lang="en-US" sz="5400" dirty="0"/>
-              <a:t>Send your feedback about the class whenever you want!</a:t>
-            </a:r>
-          </a:p>
-        </p:txBody>
-      </p:sp>
-      <p:sp>
-        <p:nvSpPr>
-          <p:cNvPr id="4" name="Slide Number Placeholder 3">
-            <a:extLst>
-              <a:ext uri="{FF2B5EF4-FFF2-40B4-BE49-F238E27FC236}">
-                <a16:creationId xmlns:a16="http://schemas.microsoft.com/office/drawing/2014/main" id="{10BBBDA3-FF62-55E1-0184-D829C952C0AB}"/>
-              </a:ext>
-            </a:extLst>
-          </p:cNvPr>
-          <p:cNvSpPr>
-            <a:spLocks noGrp="1"/>
-          </p:cNvSpPr>
-          <p:nvPr>
-            <p:ph type="sldNum" sz="quarter" idx="12"/>
-          </p:nvPr>
-        </p:nvSpPr>
-        <p:spPr/>
-        <p:txBody>
-          <a:bodyPr/>
-          <a:lstStyle/>
-          <a:p>
-            <a:fld id="{0079CAC6-A72B-4EF8-B465-34FA47827E7F}" type="slidenum">
-              <a:rPr lang="en-US" smtClean="0"/>
-              <a:t>4</a:t>
-            </a:fld>
-            <a:endParaRPr lang="en-US" dirty="0"/>
-          </a:p>
-        </p:txBody>
-      </p:sp>
-      <p:sp>
-        <p:nvSpPr>
-          <p:cNvPr id="5" name="Footer Placeholder 4">
-            <a:extLst>
-              <a:ext uri="{FF2B5EF4-FFF2-40B4-BE49-F238E27FC236}">
-                <a16:creationId xmlns:a16="http://schemas.microsoft.com/office/drawing/2014/main" id="{F203BBF5-9EBB-38CE-9793-3F7C4BCC8E7E}"/>
-              </a:ext>
-            </a:extLst>
-          </p:cNvPr>
-          <p:cNvSpPr>
-            <a:spLocks noGrp="1"/>
-          </p:cNvSpPr>
-          <p:nvPr>
-            <p:ph type="ftr" sz="quarter" idx="11"/>
-          </p:nvPr>
-        </p:nvSpPr>
-        <p:spPr/>
-        <p:txBody>
-          <a:bodyPr/>
-          <a:lstStyle/>
-          <a:p>
-            <a:r>
-              <a:rPr lang="en-US"/>
-              <a:t>Fundamental Programming with Python</a:t>
-            </a:r>
-            <a:endParaRPr lang="en-US" dirty="0"/>
-          </a:p>
-        </p:txBody>
-      </p:sp>
-    </p:spTree>
-    <p:extLst>
-      <p:ext uri="{BB962C8B-B14F-4D97-AF65-F5344CB8AC3E}">
-        <p14:creationId xmlns:p14="http://schemas.microsoft.com/office/powerpoint/2010/main" val="842730924"/>
-      </p:ext>
-    </p:extLst>
-  </p:cSld>
-  <p:clrMapOvr>
-    <a:masterClrMapping/>
-  </p:clrMapOvr>
-</p:sld>
-</file>
-
 <file path=ppt/slides/slide5.xml><?xml version="1.0" encoding="utf-8"?>
 <p:sld xmlns:a="http://schemas.openxmlformats.org/drawingml/2006/main" xmlns:r="http://schemas.openxmlformats.org/officeDocument/2006/relationships" xmlns:p="http://schemas.openxmlformats.org/presentationml/2006/main">
   <p:cSld>
@@ -11611,6 +13157,161 @@
           <p:cNvPr id="2" name="Title 1">
             <a:extLst>
               <a:ext uri="{FF2B5EF4-FFF2-40B4-BE49-F238E27FC236}">
+                <a16:creationId xmlns:a16="http://schemas.microsoft.com/office/drawing/2014/main" id="{D04E7BF9-93E3-307D-03D4-E63181C84F1C}"/>
+              </a:ext>
+            </a:extLst>
+          </p:cNvPr>
+          <p:cNvSpPr>
+            <a:spLocks noGrp="1"/>
+          </p:cNvSpPr>
+          <p:nvPr>
+            <p:ph type="title"/>
+          </p:nvPr>
+        </p:nvSpPr>
+        <p:spPr/>
+        <p:txBody>
+          <a:bodyPr/>
+          <a:lstStyle/>
+          <a:p>
+            <a:r>
+              <a:rPr lang="en-US" dirty="0"/>
+              <a:t>Together</a:t>
+            </a:r>
+          </a:p>
+        </p:txBody>
+      </p:sp>
+      <p:sp>
+        <p:nvSpPr>
+          <p:cNvPr id="3" name="Content Placeholder 2">
+            <a:extLst>
+              <a:ext uri="{FF2B5EF4-FFF2-40B4-BE49-F238E27FC236}">
+                <a16:creationId xmlns:a16="http://schemas.microsoft.com/office/drawing/2014/main" id="{A8B0ACF0-C99B-8FC1-911B-53228D0342B9}"/>
+              </a:ext>
+            </a:extLst>
+          </p:cNvPr>
+          <p:cNvSpPr>
+            <a:spLocks noGrp="1"/>
+          </p:cNvSpPr>
+          <p:nvPr>
+            <p:ph idx="1"/>
+          </p:nvPr>
+        </p:nvSpPr>
+        <p:spPr/>
+        <p:txBody>
+          <a:bodyPr>
+            <a:normAutofit/>
+          </a:bodyPr>
+          <a:lstStyle/>
+          <a:p>
+            <a:pPr marL="0" indent="0" algn="ctr">
+              <a:buNone/>
+            </a:pPr>
+            <a:endParaRPr lang="en-US" sz="5400" dirty="0"/>
+          </a:p>
+          <a:p>
+            <a:pPr marL="0" indent="0" algn="ctr">
+              <a:buNone/>
+            </a:pPr>
+            <a:r>
+              <a:rPr lang="en-US" sz="5400" dirty="0"/>
+              <a:t>Send your feedback about the class whenever you want!</a:t>
+            </a:r>
+          </a:p>
+        </p:txBody>
+      </p:sp>
+      <p:sp>
+        <p:nvSpPr>
+          <p:cNvPr id="4" name="Slide Number Placeholder 3">
+            <a:extLst>
+              <a:ext uri="{FF2B5EF4-FFF2-40B4-BE49-F238E27FC236}">
+                <a16:creationId xmlns:a16="http://schemas.microsoft.com/office/drawing/2014/main" id="{10BBBDA3-FF62-55E1-0184-D829C952C0AB}"/>
+              </a:ext>
+            </a:extLst>
+          </p:cNvPr>
+          <p:cNvSpPr>
+            <a:spLocks noGrp="1"/>
+          </p:cNvSpPr>
+          <p:nvPr>
+            <p:ph type="sldNum" sz="quarter" idx="12"/>
+          </p:nvPr>
+        </p:nvSpPr>
+        <p:spPr/>
+        <p:txBody>
+          <a:bodyPr/>
+          <a:lstStyle/>
+          <a:p>
+            <a:fld id="{0079CAC6-A72B-4EF8-B465-34FA47827E7F}" type="slidenum">
+              <a:rPr lang="en-US" smtClean="0"/>
+              <a:t>5</a:t>
+            </a:fld>
+            <a:endParaRPr lang="en-US" dirty="0"/>
+          </a:p>
+        </p:txBody>
+      </p:sp>
+      <p:sp>
+        <p:nvSpPr>
+          <p:cNvPr id="5" name="Footer Placeholder 4">
+            <a:extLst>
+              <a:ext uri="{FF2B5EF4-FFF2-40B4-BE49-F238E27FC236}">
+                <a16:creationId xmlns:a16="http://schemas.microsoft.com/office/drawing/2014/main" id="{F203BBF5-9EBB-38CE-9793-3F7C4BCC8E7E}"/>
+              </a:ext>
+            </a:extLst>
+          </p:cNvPr>
+          <p:cNvSpPr>
+            <a:spLocks noGrp="1"/>
+          </p:cNvSpPr>
+          <p:nvPr>
+            <p:ph type="ftr" sz="quarter" idx="11"/>
+          </p:nvPr>
+        </p:nvSpPr>
+        <p:spPr/>
+        <p:txBody>
+          <a:bodyPr/>
+          <a:lstStyle/>
+          <a:p>
+            <a:r>
+              <a:rPr lang="en-US"/>
+              <a:t>Fundamental Programming with Python</a:t>
+            </a:r>
+            <a:endParaRPr lang="en-US" dirty="0"/>
+          </a:p>
+        </p:txBody>
+      </p:sp>
+    </p:spTree>
+    <p:extLst>
+      <p:ext uri="{BB962C8B-B14F-4D97-AF65-F5344CB8AC3E}">
+        <p14:creationId xmlns:p14="http://schemas.microsoft.com/office/powerpoint/2010/main" val="842730924"/>
+      </p:ext>
+    </p:extLst>
+  </p:cSld>
+  <p:clrMapOvr>
+    <a:masterClrMapping/>
+  </p:clrMapOvr>
+</p:sld>
+</file>
+
+<file path=ppt/slides/slide6.xml><?xml version="1.0" encoding="utf-8"?>
+<p:sld xmlns:a="http://schemas.openxmlformats.org/drawingml/2006/main" xmlns:r="http://schemas.openxmlformats.org/officeDocument/2006/relationships" xmlns:p="http://schemas.openxmlformats.org/presentationml/2006/main">
+  <p:cSld>
+    <p:spTree>
+      <p:nvGrpSpPr>
+        <p:cNvPr id="1" name=""/>
+        <p:cNvGrpSpPr/>
+        <p:nvPr/>
+      </p:nvGrpSpPr>
+      <p:grpSpPr>
+        <a:xfrm>
+          <a:off x="0" y="0"/>
+          <a:ext cx="0" cy="0"/>
+          <a:chOff x="0" y="0"/>
+          <a:chExt cx="0" cy="0"/>
+        </a:xfrm>
+      </p:grpSpPr>
+      <p:sp>
+        <p:nvSpPr>
+          <p:cNvPr id="2" name="Title 1">
+            <a:extLst>
+              <a:ext uri="{FF2B5EF4-FFF2-40B4-BE49-F238E27FC236}">
                 <a16:creationId xmlns:a16="http://schemas.microsoft.com/office/drawing/2014/main" id="{83F0A482-6D39-FDCD-3606-DCAA53276CC3}"/>
               </a:ext>
             </a:extLst>
@@ -11765,7 +13466,7 @@
           <a:p>
             <a:fld id="{0079CAC6-A72B-4EF8-B465-34FA47827E7F}" type="slidenum">
               <a:rPr lang="en-US" smtClean="0"/>
-              <a:t>5</a:t>
+              <a:t>6</a:t>
             </a:fld>
             <a:endParaRPr lang="en-US" dirty="0"/>
           </a:p>
@@ -11856,123 +13557,6 @@
 </p:sld>
 </file>
 
-<file path=ppt/slides/slide6.xml><?xml version="1.0" encoding="utf-8"?>
-<p:sld xmlns:a="http://schemas.openxmlformats.org/drawingml/2006/main" xmlns:r="http://schemas.openxmlformats.org/officeDocument/2006/relationships" xmlns:p="http://schemas.openxmlformats.org/presentationml/2006/main">
-  <p:cSld>
-    <p:spTree>
-      <p:nvGrpSpPr>
-        <p:cNvPr id="1" name=""/>
-        <p:cNvGrpSpPr/>
-        <p:nvPr/>
-      </p:nvGrpSpPr>
-      <p:grpSpPr>
-        <a:xfrm>
-          <a:off x="0" y="0"/>
-          <a:ext cx="0" cy="0"/>
-          <a:chOff x="0" y="0"/>
-          <a:chExt cx="0" cy="0"/>
-        </a:xfrm>
-      </p:grpSpPr>
-      <p:sp>
-        <p:nvSpPr>
-          <p:cNvPr id="5" name="Title 4">
-            <a:extLst>
-              <a:ext uri="{FF2B5EF4-FFF2-40B4-BE49-F238E27FC236}">
-                <a16:creationId xmlns:a16="http://schemas.microsoft.com/office/drawing/2014/main" id="{3E1FC432-A453-870C-34F6-F5AB1E824DD3}"/>
-              </a:ext>
-            </a:extLst>
-          </p:cNvPr>
-          <p:cNvSpPr>
-            <a:spLocks noGrp="1"/>
-          </p:cNvSpPr>
-          <p:nvPr>
-            <p:ph type="title"/>
-          </p:nvPr>
-        </p:nvSpPr>
-        <p:spPr/>
-        <p:txBody>
-          <a:bodyPr/>
-          <a:lstStyle/>
-          <a:p>
-            <a:r>
-              <a:rPr lang="en-US"/>
-              <a:t>Short Presentations</a:t>
-            </a:r>
-            <a:endParaRPr lang="en-US" dirty="0"/>
-          </a:p>
-        </p:txBody>
-      </p:sp>
-      <p:sp>
-        <p:nvSpPr>
-          <p:cNvPr id="4" name="Slide Number Placeholder 3">
-            <a:extLst>
-              <a:ext uri="{FF2B5EF4-FFF2-40B4-BE49-F238E27FC236}">
-                <a16:creationId xmlns:a16="http://schemas.microsoft.com/office/drawing/2014/main" id="{872D2B23-7846-DE1D-E096-383132454A1B}"/>
-              </a:ext>
-            </a:extLst>
-          </p:cNvPr>
-          <p:cNvSpPr>
-            <a:spLocks noGrp="1"/>
-          </p:cNvSpPr>
-          <p:nvPr>
-            <p:ph type="sldNum" sz="quarter" idx="12"/>
-          </p:nvPr>
-        </p:nvSpPr>
-        <p:spPr/>
-        <p:txBody>
-          <a:bodyPr/>
-          <a:lstStyle/>
-          <a:p>
-            <a:fld id="{0079CAC6-A72B-4EF8-B465-34FA47827E7F}" type="slidenum">
-              <a:rPr lang="en-US" smtClean="0"/>
-              <a:t>6</a:t>
-            </a:fld>
-            <a:endParaRPr lang="en-US" dirty="0"/>
-          </a:p>
-        </p:txBody>
-      </p:sp>
-      <p:sp>
-        <p:nvSpPr>
-          <p:cNvPr id="2" name="Footer Placeholder 1">
-            <a:extLst>
-              <a:ext uri="{FF2B5EF4-FFF2-40B4-BE49-F238E27FC236}">
-                <a16:creationId xmlns:a16="http://schemas.microsoft.com/office/drawing/2014/main" id="{88F3A02B-EBDE-A1C4-048E-E606628F0D93}"/>
-              </a:ext>
-            </a:extLst>
-          </p:cNvPr>
-          <p:cNvSpPr>
-            <a:spLocks noGrp="1"/>
-          </p:cNvSpPr>
-          <p:nvPr>
-            <p:ph type="ftr" sz="quarter" idx="11"/>
-          </p:nvPr>
-        </p:nvSpPr>
-        <p:spPr/>
-        <p:txBody>
-          <a:bodyPr/>
-          <a:lstStyle/>
-          <a:p>
-            <a:r>
-              <a:rPr lang="en-US"/>
-              <a:t>Fundamental Programming with Python</a:t>
-            </a:r>
-            <a:endParaRPr lang="en-US" dirty="0"/>
-          </a:p>
-        </p:txBody>
-      </p:sp>
-    </p:spTree>
-    <p:extLst>
-      <p:ext uri="{BB962C8B-B14F-4D97-AF65-F5344CB8AC3E}">
-        <p14:creationId xmlns:p14="http://schemas.microsoft.com/office/powerpoint/2010/main" val="2669117804"/>
-      </p:ext>
-    </p:extLst>
-  </p:cSld>
-  <p:clrMapOvr>
-    <a:masterClrMapping/>
-  </p:clrMapOvr>
-</p:sld>
-</file>
-
 <file path=ppt/slides/slide7.xml><?xml version="1.0" encoding="utf-8"?>
 <p:sld xmlns:a="http://schemas.openxmlformats.org/drawingml/2006/main" xmlns:r="http://schemas.openxmlformats.org/officeDocument/2006/relationships" xmlns:p="http://schemas.openxmlformats.org/presentationml/2006/main">
   <p:cSld>
@@ -12012,9 +13596,10 @@
           <a:lstStyle/>
           <a:p>
             <a:r>
-              <a:rPr lang="en-US" dirty="0"/>
-              <a:t>Review the Last Lecture</a:t>
-            </a:r>
+              <a:rPr lang="en-US"/>
+              <a:t>Short Presentations</a:t>
+            </a:r>
+            <a:endParaRPr lang="en-US" dirty="0"/>
           </a:p>
         </p:txBody>
       </p:sp>
@@ -12079,7 +13664,7 @@
     </p:spTree>
     <p:extLst>
       <p:ext uri="{BB962C8B-B14F-4D97-AF65-F5344CB8AC3E}">
-        <p14:creationId xmlns:p14="http://schemas.microsoft.com/office/powerpoint/2010/main" val="3962216168"/>
+        <p14:creationId xmlns:p14="http://schemas.microsoft.com/office/powerpoint/2010/main" val="2669117804"/>
       </p:ext>
     </p:extLst>
   </p:cSld>
@@ -12129,7 +13714,7 @@
           <a:p>
             <a:r>
               <a:rPr lang="en-US" dirty="0"/>
-              <a:t>What is Data Structure?</a:t>
+              <a:t>Review the Last Lecture</a:t>
             </a:r>
           </a:p>
         </p:txBody>
@@ -12195,7 +13780,7 @@
     </p:spTree>
     <p:extLst>
       <p:ext uri="{BB962C8B-B14F-4D97-AF65-F5344CB8AC3E}">
-        <p14:creationId xmlns:p14="http://schemas.microsoft.com/office/powerpoint/2010/main" val="3365726649"/>
+        <p14:creationId xmlns:p14="http://schemas.microsoft.com/office/powerpoint/2010/main" val="3962216168"/>
       </p:ext>
     </p:extLst>
   </p:cSld>
@@ -12227,7 +13812,7 @@
           <p:cNvPr id="2" name="Title 1">
             <a:extLst>
               <a:ext uri="{FF2B5EF4-FFF2-40B4-BE49-F238E27FC236}">
-                <a16:creationId xmlns:a16="http://schemas.microsoft.com/office/drawing/2014/main" id="{A5FE3B9D-9F64-15AD-7766-C906E2CB65EA}"/>
+                <a16:creationId xmlns:a16="http://schemas.microsoft.com/office/drawing/2014/main" id="{87B1A73B-6C72-C6E9-38EE-574B6DD11391}"/>
               </a:ext>
             </a:extLst>
           </p:cNvPr>
@@ -12236,75 +13821,6 @@
           </p:cNvSpPr>
           <p:nvPr>
             <p:ph type="title"/>
-          </p:nvPr>
-        </p:nvSpPr>
-        <p:spPr/>
-        <p:txBody>
-          <a:bodyPr>
-            <a:normAutofit/>
-          </a:bodyPr>
-          <a:lstStyle/>
-          <a:p>
-            <a:r>
-              <a:rPr lang="en-US" sz="3600" dirty="0"/>
-              <a:t>Definition	</a:t>
-            </a:r>
-          </a:p>
-        </p:txBody>
-      </p:sp>
-      <p:sp>
-        <p:nvSpPr>
-          <p:cNvPr id="5" name="Content Placeholder 4">
-            <a:extLst>
-              <a:ext uri="{FF2B5EF4-FFF2-40B4-BE49-F238E27FC236}">
-                <a16:creationId xmlns:a16="http://schemas.microsoft.com/office/drawing/2014/main" id="{48D4D037-F6B8-8D6A-AD1D-D5317A3EA95E}"/>
-              </a:ext>
-            </a:extLst>
-          </p:cNvPr>
-          <p:cNvSpPr>
-            <a:spLocks noGrp="1"/>
-          </p:cNvSpPr>
-          <p:nvPr>
-            <p:ph idx="1"/>
-          </p:nvPr>
-        </p:nvSpPr>
-        <p:spPr/>
-        <p:txBody>
-          <a:bodyPr>
-            <a:normAutofit/>
-          </a:bodyPr>
-          <a:lstStyle/>
-          <a:p>
-            <a:pPr marL="0" indent="0" algn="ctr">
-              <a:buNone/>
-            </a:pPr>
-            <a:r>
-              <a:rPr lang="en-US" sz="2800" dirty="0"/>
-              <a:t>An organization of data for the purpose of making it easier to use.</a:t>
-            </a:r>
-          </a:p>
-          <a:p>
-            <a:pPr marL="0" indent="0" algn="ctr">
-              <a:buNone/>
-            </a:pPr>
-            <a:endParaRPr lang="en-US" sz="2800" i="1" dirty="0"/>
-          </a:p>
-        </p:txBody>
-      </p:sp>
-      <p:sp>
-        <p:nvSpPr>
-          <p:cNvPr id="3" name="Footer Placeholder 2">
-            <a:extLst>
-              <a:ext uri="{FF2B5EF4-FFF2-40B4-BE49-F238E27FC236}">
-                <a16:creationId xmlns:a16="http://schemas.microsoft.com/office/drawing/2014/main" id="{5AAB4D9F-0735-4CD8-7DFB-30604D638CA3}"/>
-              </a:ext>
-            </a:extLst>
-          </p:cNvPr>
-          <p:cNvSpPr>
-            <a:spLocks noGrp="1"/>
-          </p:cNvSpPr>
-          <p:nvPr>
-            <p:ph type="ftr" sz="quarter" idx="11"/>
           </p:nvPr>
         </p:nvSpPr>
         <p:spPr/>
@@ -12313,10 +13829,177 @@
           <a:lstStyle/>
           <a:p>
             <a:r>
+              <a:rPr lang="en-US" dirty="0"/>
+              <a:t>Steps to Done your </a:t>
+            </a:r>
+            <a:r>
               <a:rPr lang="en-US"/>
-              <a:t>Fundamental Programming with Python</a:t>
+              <a:t>final project!</a:t>
             </a:r>
             <a:endParaRPr lang="en-US" dirty="0"/>
+          </a:p>
+        </p:txBody>
+      </p:sp>
+      <p:sp>
+        <p:nvSpPr>
+          <p:cNvPr id="3" name="Content Placeholder 2">
+            <a:extLst>
+              <a:ext uri="{FF2B5EF4-FFF2-40B4-BE49-F238E27FC236}">
+                <a16:creationId xmlns:a16="http://schemas.microsoft.com/office/drawing/2014/main" id="{8F365F2D-194E-E711-907C-908961A12084}"/>
+              </a:ext>
+            </a:extLst>
+          </p:cNvPr>
+          <p:cNvSpPr>
+            <a:spLocks noGrp="1"/>
+          </p:cNvSpPr>
+          <p:nvPr>
+            <p:ph idx="1"/>
+          </p:nvPr>
+        </p:nvSpPr>
+        <p:spPr>
+          <a:xfrm>
+            <a:off x="1202919" y="1861204"/>
+            <a:ext cx="9784080" cy="5407696"/>
+          </a:xfrm>
+        </p:spPr>
+        <p:txBody>
+          <a:bodyPr>
+            <a:normAutofit fontScale="70000" lnSpcReduction="20000"/>
+          </a:bodyPr>
+          <a:lstStyle/>
+          <a:p>
+            <a:pPr marL="514350" indent="-514350">
+              <a:buFont typeface="+mj-lt"/>
+              <a:buAutoNum type="arabicPeriod"/>
+            </a:pPr>
+            <a:r>
+              <a:rPr lang="en-US" dirty="0"/>
+              <a:t>Team building</a:t>
+            </a:r>
+          </a:p>
+          <a:p>
+            <a:pPr lvl="1"/>
+            <a:r>
+              <a:rPr lang="en-US" dirty="0"/>
+              <a:t>Hard skill</a:t>
+            </a:r>
+          </a:p>
+          <a:p>
+            <a:pPr lvl="1"/>
+            <a:r>
+              <a:rPr lang="en-US" dirty="0"/>
+              <a:t>Soft skill</a:t>
+            </a:r>
+          </a:p>
+          <a:p>
+            <a:pPr marL="514350" indent="-514350">
+              <a:buFont typeface="+mj-lt"/>
+              <a:buAutoNum type="arabicPeriod"/>
+            </a:pPr>
+            <a:r>
+              <a:rPr lang="en-US" dirty="0"/>
+              <a:t>Searching and finding a great question!</a:t>
+            </a:r>
+          </a:p>
+          <a:p>
+            <a:pPr marL="514350" indent="-514350">
+              <a:buFont typeface="+mj-lt"/>
+              <a:buAutoNum type="arabicPeriod"/>
+            </a:pPr>
+            <a:r>
+              <a:rPr lang="en-US" dirty="0"/>
+              <a:t>Team-working for proposal writing</a:t>
+            </a:r>
+          </a:p>
+          <a:p>
+            <a:pPr lvl="1"/>
+            <a:r>
+              <a:rPr lang="en-US" dirty="0"/>
+              <a:t>1-3 pages document</a:t>
+            </a:r>
+          </a:p>
+          <a:p>
+            <a:pPr lvl="1"/>
+            <a:r>
+              <a:rPr lang="en-US" dirty="0"/>
+              <a:t>Problem definition and suggestion for real solution</a:t>
+            </a:r>
+          </a:p>
+          <a:p>
+            <a:pPr lvl="1"/>
+            <a:r>
+              <a:rPr lang="en-US" dirty="0"/>
+              <a:t>Operational plan (time and responsibilities)</a:t>
+            </a:r>
+          </a:p>
+          <a:p>
+            <a:pPr marL="514350" indent="-514350">
+              <a:buFont typeface="+mj-lt"/>
+              <a:buAutoNum type="arabicPeriod"/>
+            </a:pPr>
+            <a:r>
+              <a:rPr lang="en-US" b="1" u="sng" dirty="0"/>
+              <a:t>Proposal Evaluation!</a:t>
+            </a:r>
+          </a:p>
+          <a:p>
+            <a:pPr marL="514350" indent="-514350">
+              <a:buFont typeface="+mj-lt"/>
+              <a:buAutoNum type="arabicPeriod"/>
+            </a:pPr>
+            <a:r>
+              <a:rPr lang="en-US" dirty="0"/>
+              <a:t>Team-working for coding and development</a:t>
+            </a:r>
+          </a:p>
+          <a:p>
+            <a:pPr lvl="1"/>
+            <a:r>
+              <a:rPr lang="en-US" dirty="0"/>
+              <a:t>Git and </a:t>
+            </a:r>
+            <a:r>
+              <a:rPr lang="en-US" dirty="0" err="1"/>
+              <a:t>Github</a:t>
+            </a:r>
+            <a:r>
+              <a:rPr lang="en-US" dirty="0"/>
+              <a:t> for code sharing</a:t>
+            </a:r>
+          </a:p>
+          <a:p>
+            <a:pPr lvl="1"/>
+            <a:r>
+              <a:rPr lang="en-US" dirty="0"/>
+              <a:t>Discord for team management</a:t>
+            </a:r>
+          </a:p>
+          <a:p>
+            <a:pPr marL="514350" indent="-514350">
+              <a:buFont typeface="+mj-lt"/>
+              <a:buAutoNum type="arabicPeriod"/>
+            </a:pPr>
+            <a:r>
+              <a:rPr lang="en-US" b="1" u="sng" dirty="0"/>
+              <a:t>Technical Evaluation!</a:t>
+            </a:r>
+          </a:p>
+          <a:p>
+            <a:pPr marL="514350" indent="-514350">
+              <a:buFont typeface="+mj-lt"/>
+              <a:buAutoNum type="arabicPeriod"/>
+            </a:pPr>
+            <a:r>
+              <a:rPr lang="en-US" dirty="0"/>
+              <a:t>Your score</a:t>
+            </a:r>
+          </a:p>
+          <a:p>
+            <a:pPr marL="514350" indent="-514350">
+              <a:buFont typeface="+mj-lt"/>
+              <a:buAutoNum type="arabicPeriod"/>
+            </a:pPr>
+            <a:endParaRPr lang="fa-IR" dirty="0"/>
           </a:p>
         </p:txBody>
       </p:sp>
@@ -12325,7 +14008,7 @@
           <p:cNvPr id="4" name="Slide Number Placeholder 3">
             <a:extLst>
               <a:ext uri="{FF2B5EF4-FFF2-40B4-BE49-F238E27FC236}">
-                <a16:creationId xmlns:a16="http://schemas.microsoft.com/office/drawing/2014/main" id="{66958F9C-63BC-9BCD-B371-65E008EDD212}"/>
+                <a16:creationId xmlns:a16="http://schemas.microsoft.com/office/drawing/2014/main" id="{2556300D-25DE-4DCB-83C2-F8447A300882}"/>
               </a:ext>
             </a:extLst>
           </p:cNvPr>
@@ -12349,38 +14032,39 @@
           </a:p>
         </p:txBody>
       </p:sp>
-      <p:graphicFrame>
-        <p:nvGraphicFramePr>
-          <p:cNvPr id="6" name="Diagram 5">
+      <p:sp>
+        <p:nvSpPr>
+          <p:cNvPr id="5" name="Footer Placeholder 4">
             <a:extLst>
               <a:ext uri="{FF2B5EF4-FFF2-40B4-BE49-F238E27FC236}">
-                <a16:creationId xmlns:a16="http://schemas.microsoft.com/office/drawing/2014/main" id="{EAAF3256-6BA8-3941-949D-F1588F5AB607}"/>
+                <a16:creationId xmlns:a16="http://schemas.microsoft.com/office/drawing/2014/main" id="{C698F15F-8CBD-19A6-FD8E-9F54F23195D9}"/>
               </a:ext>
             </a:extLst>
           </p:cNvPr>
-          <p:cNvGraphicFramePr/>
-          <p:nvPr>
-            <p:extLst>
-              <p:ext uri="{D42A27DB-BD31-4B8C-83A1-F6EECF244321}">
-                <p14:modId xmlns:p14="http://schemas.microsoft.com/office/powerpoint/2010/main" val="1029790360"/>
-              </p:ext>
-            </p:extLst>
-          </p:nvPr>
-        </p:nvGraphicFramePr>
-        <p:xfrm>
-          <a:off x="3186607" y="2506479"/>
-          <a:ext cx="7022263" cy="4206240"/>
-        </p:xfrm>
-        <a:graphic>
-          <a:graphicData uri="http://schemas.openxmlformats.org/drawingml/2006/diagram">
-            <dgm:relIds xmlns:dgm="http://schemas.openxmlformats.org/drawingml/2006/diagram" xmlns:r="http://schemas.openxmlformats.org/officeDocument/2006/relationships" r:dm="rId2" r:lo="rId3" r:qs="rId4" r:cs="rId5"/>
-          </a:graphicData>
-        </a:graphic>
-      </p:graphicFrame>
+          <p:cNvSpPr>
+            <a:spLocks noGrp="1"/>
+          </p:cNvSpPr>
+          <p:nvPr>
+            <p:ph type="ftr" sz="quarter" idx="11"/>
+          </p:nvPr>
+        </p:nvSpPr>
+        <p:spPr/>
+        <p:txBody>
+          <a:bodyPr/>
+          <a:lstStyle/>
+          <a:p>
+            <a:r>
+              <a:rPr lang="en-US"/>
+              <a:t>Fundamental Programming with Python</a:t>
+            </a:r>
+            <a:endParaRPr lang="en-US" dirty="0"/>
+          </a:p>
+        </p:txBody>
+      </p:sp>
     </p:spTree>
     <p:extLst>
       <p:ext uri="{BB962C8B-B14F-4D97-AF65-F5344CB8AC3E}">
-        <p14:creationId xmlns:p14="http://schemas.microsoft.com/office/powerpoint/2010/main" val="1135545350"/>
+        <p14:creationId xmlns:p14="http://schemas.microsoft.com/office/powerpoint/2010/main" val="4035419787"/>
       </p:ext>
     </p:extLst>
   </p:cSld>
@@ -12408,7 +14092,7 @@
                             </p:stCondLst>
                             <p:childTnLst>
                               <p:par>
-                                <p:cTn id="5" presetID="22" presetClass="entr" presetSubtype="4" fill="hold" grpId="0" nodeType="clickEffect">
+                                <p:cTn id="5" presetID="42" presetClass="entr" presetSubtype="0" fill="hold" nodeType="clickEffect">
                                   <p:stCondLst>
                                     <p:cond delay="0"/>
                                   </p:stCondLst>
@@ -12421,10 +14105,10 @@
                                           </p:stCondLst>
                                         </p:cTn>
                                         <p:tgtEl>
-                                          <p:spTgt spid="6">
-                                            <p:graphicEl>
-                                              <a:dgm id="{C62BFDAA-524C-4DA8-8226-FA6BE02F68D5}"/>
-                                            </p:graphicEl>
+                                          <p:spTgt spid="3">
+                                            <p:txEl>
+                                              <p:pRg st="0" end="0"/>
+                                            </p:txEl>
                                           </p:spTgt>
                                         </p:tgtEl>
                                         <p:attrNameLst>
@@ -12435,18 +14119,72 @@
                                         <p:strVal val="visible"/>
                                       </p:to>
                                     </p:set>
-                                    <p:animEffect transition="in" filter="wipe(down)">
+                                    <p:animEffect transition="in" filter="fade">
                                       <p:cBhvr>
-                                        <p:cTn id="7" dur="500"/>
+                                        <p:cTn id="7" dur="1000"/>
                                         <p:tgtEl>
-                                          <p:spTgt spid="6">
-                                            <p:graphicEl>
-                                              <a:dgm id="{C62BFDAA-524C-4DA8-8226-FA6BE02F68D5}"/>
-                                            </p:graphicEl>
+                                          <p:spTgt spid="3">
+                                            <p:txEl>
+                                              <p:pRg st="0" end="0"/>
+                                            </p:txEl>
                                           </p:spTgt>
                                         </p:tgtEl>
                                       </p:cBhvr>
                                     </p:animEffect>
+                                    <p:anim calcmode="lin" valueType="num">
+                                      <p:cBhvr>
+                                        <p:cTn id="8" dur="1000" fill="hold"/>
+                                        <p:tgtEl>
+                                          <p:spTgt spid="3">
+                                            <p:txEl>
+                                              <p:pRg st="0" end="0"/>
+                                            </p:txEl>
+                                          </p:spTgt>
+                                        </p:tgtEl>
+                                        <p:attrNameLst>
+                                          <p:attrName>ppt_x</p:attrName>
+                                        </p:attrNameLst>
+                                      </p:cBhvr>
+                                      <p:tavLst>
+                                        <p:tav tm="0">
+                                          <p:val>
+                                            <p:strVal val="#ppt_x"/>
+                                          </p:val>
+                                        </p:tav>
+                                        <p:tav tm="100000">
+                                          <p:val>
+                                            <p:strVal val="#ppt_x"/>
+                                          </p:val>
+                                        </p:tav>
+                                      </p:tavLst>
+                                    </p:anim>
+                                    <p:anim calcmode="lin" valueType="num">
+                                      <p:cBhvr>
+                                        <p:cTn id="9" dur="1000" fill="hold"/>
+                                        <p:tgtEl>
+                                          <p:spTgt spid="3">
+                                            <p:txEl>
+                                              <p:pRg st="0" end="0"/>
+                                            </p:txEl>
+                                          </p:spTgt>
+                                        </p:tgtEl>
+                                        <p:attrNameLst>
+                                          <p:attrName>ppt_y</p:attrName>
+                                        </p:attrNameLst>
+                                      </p:cBhvr>
+                                      <p:tavLst>
+                                        <p:tav tm="0">
+                                          <p:val>
+                                            <p:strVal val="#ppt_y+.1"/>
+                                          </p:val>
+                                        </p:tav>
+                                        <p:tav tm="100000">
+                                          <p:val>
+                                            <p:strVal val="#ppt_y"/>
+                                          </p:val>
+                                        </p:tav>
+                                      </p:tavLst>
+                                    </p:anim>
                                   </p:childTnLst>
                                 </p:cTn>
                               </p:par>
@@ -12457,35 +14195,35 @@
                     </p:cTn>
                   </p:par>
                   <p:par>
-                    <p:cTn id="8" fill="hold">
+                    <p:cTn id="10" fill="hold">
                       <p:stCondLst>
                         <p:cond delay="indefinite"/>
                       </p:stCondLst>
                       <p:childTnLst>
                         <p:par>
-                          <p:cTn id="9" fill="hold">
+                          <p:cTn id="11" fill="hold">
                             <p:stCondLst>
                               <p:cond delay="0"/>
                             </p:stCondLst>
                             <p:childTnLst>
                               <p:par>
-                                <p:cTn id="10" presetID="22" presetClass="entr" presetSubtype="4" fill="hold" grpId="0" nodeType="clickEffect">
+                                <p:cTn id="12" presetID="42" presetClass="entr" presetSubtype="0" fill="hold" nodeType="clickEffect">
                                   <p:stCondLst>
                                     <p:cond delay="0"/>
                                   </p:stCondLst>
                                   <p:childTnLst>
                                     <p:set>
                                       <p:cBhvr>
-                                        <p:cTn id="11" dur="1" fill="hold">
+                                        <p:cTn id="13" dur="1" fill="hold">
                                           <p:stCondLst>
                                             <p:cond delay="0"/>
                                           </p:stCondLst>
                                         </p:cTn>
                                         <p:tgtEl>
-                                          <p:spTgt spid="6">
-                                            <p:graphicEl>
-                                              <a:dgm id="{85D77CBA-1AAC-411F-AD73-037892AB55E0}"/>
-                                            </p:graphicEl>
+                                          <p:spTgt spid="3">
+                                            <p:txEl>
+                                              <p:pRg st="1" end="1"/>
+                                            </p:txEl>
                                           </p:spTgt>
                                         </p:tgtEl>
                                         <p:attrNameLst>
@@ -12496,39 +14234,111 @@
                                         <p:strVal val="visible"/>
                                       </p:to>
                                     </p:set>
-                                    <p:animEffect transition="in" filter="wipe(down)">
+                                    <p:animEffect transition="in" filter="fade">
                                       <p:cBhvr>
-                                        <p:cTn id="12" dur="500"/>
+                                        <p:cTn id="14" dur="1000"/>
                                         <p:tgtEl>
-                                          <p:spTgt spid="6">
-                                            <p:graphicEl>
-                                              <a:dgm id="{85D77CBA-1AAC-411F-AD73-037892AB55E0}"/>
-                                            </p:graphicEl>
+                                          <p:spTgt spid="3">
+                                            <p:txEl>
+                                              <p:pRg st="1" end="1"/>
+                                            </p:txEl>
                                           </p:spTgt>
                                         </p:tgtEl>
                                       </p:cBhvr>
                                     </p:animEffect>
+                                    <p:anim calcmode="lin" valueType="num">
+                                      <p:cBhvr>
+                                        <p:cTn id="15" dur="1000" fill="hold"/>
+                                        <p:tgtEl>
+                                          <p:spTgt spid="3">
+                                            <p:txEl>
+                                              <p:pRg st="1" end="1"/>
+                                            </p:txEl>
+                                          </p:spTgt>
+                                        </p:tgtEl>
+                                        <p:attrNameLst>
+                                          <p:attrName>ppt_x</p:attrName>
+                                        </p:attrNameLst>
+                                      </p:cBhvr>
+                                      <p:tavLst>
+                                        <p:tav tm="0">
+                                          <p:val>
+                                            <p:strVal val="#ppt_x"/>
+                                          </p:val>
+                                        </p:tav>
+                                        <p:tav tm="100000">
+                                          <p:val>
+                                            <p:strVal val="#ppt_x"/>
+                                          </p:val>
+                                        </p:tav>
+                                      </p:tavLst>
+                                    </p:anim>
+                                    <p:anim calcmode="lin" valueType="num">
+                                      <p:cBhvr>
+                                        <p:cTn id="16" dur="1000" fill="hold"/>
+                                        <p:tgtEl>
+                                          <p:spTgt spid="3">
+                                            <p:txEl>
+                                              <p:pRg st="1" end="1"/>
+                                            </p:txEl>
+                                          </p:spTgt>
+                                        </p:tgtEl>
+                                        <p:attrNameLst>
+                                          <p:attrName>ppt_y</p:attrName>
+                                        </p:attrNameLst>
+                                      </p:cBhvr>
+                                      <p:tavLst>
+                                        <p:tav tm="0">
+                                          <p:val>
+                                            <p:strVal val="#ppt_y+.1"/>
+                                          </p:val>
+                                        </p:tav>
+                                        <p:tav tm="100000">
+                                          <p:val>
+                                            <p:strVal val="#ppt_y"/>
+                                          </p:val>
+                                        </p:tav>
+                                      </p:tavLst>
+                                    </p:anim>
                                   </p:childTnLst>
                                 </p:cTn>
                               </p:par>
+                            </p:childTnLst>
+                          </p:cTn>
+                        </p:par>
+                      </p:childTnLst>
+                    </p:cTn>
+                  </p:par>
+                  <p:par>
+                    <p:cTn id="17" fill="hold">
+                      <p:stCondLst>
+                        <p:cond delay="indefinite"/>
+                      </p:stCondLst>
+                      <p:childTnLst>
+                        <p:par>
+                          <p:cTn id="18" fill="hold">
+                            <p:stCondLst>
+                              <p:cond delay="0"/>
+                            </p:stCondLst>
+                            <p:childTnLst>
                               <p:par>
-                                <p:cTn id="13" presetID="22" presetClass="entr" presetSubtype="4" fill="hold" grpId="0" nodeType="withEffect">
+                                <p:cTn id="19" presetID="42" presetClass="entr" presetSubtype="0" fill="hold" nodeType="clickEffect">
                                   <p:stCondLst>
                                     <p:cond delay="0"/>
                                   </p:stCondLst>
                                   <p:childTnLst>
                                     <p:set>
                                       <p:cBhvr>
-                                        <p:cTn id="14" dur="1" fill="hold">
+                                        <p:cTn id="20" dur="1" fill="hold">
                                           <p:stCondLst>
                                             <p:cond delay="0"/>
                                           </p:stCondLst>
                                         </p:cTn>
                                         <p:tgtEl>
-                                          <p:spTgt spid="6">
-                                            <p:graphicEl>
-                                              <a:dgm id="{952269ED-7845-4E29-8C01-FF286965ACB1}"/>
-                                            </p:graphicEl>
+                                          <p:spTgt spid="3">
+                                            <p:txEl>
+                                              <p:pRg st="2" end="2"/>
+                                            </p:txEl>
                                           </p:spTgt>
                                         </p:tgtEl>
                                         <p:attrNameLst>
@@ -12539,18 +14349,72 @@
                                         <p:strVal val="visible"/>
                                       </p:to>
                                     </p:set>
-                                    <p:animEffect transition="in" filter="wipe(down)">
+                                    <p:animEffect transition="in" filter="fade">
                                       <p:cBhvr>
-                                        <p:cTn id="15" dur="500"/>
+                                        <p:cTn id="21" dur="1000"/>
                                         <p:tgtEl>
-                                          <p:spTgt spid="6">
-                                            <p:graphicEl>
-                                              <a:dgm id="{952269ED-7845-4E29-8C01-FF286965ACB1}"/>
-                                            </p:graphicEl>
+                                          <p:spTgt spid="3">
+                                            <p:txEl>
+                                              <p:pRg st="2" end="2"/>
+                                            </p:txEl>
                                           </p:spTgt>
                                         </p:tgtEl>
                                       </p:cBhvr>
                                     </p:animEffect>
+                                    <p:anim calcmode="lin" valueType="num">
+                                      <p:cBhvr>
+                                        <p:cTn id="22" dur="1000" fill="hold"/>
+                                        <p:tgtEl>
+                                          <p:spTgt spid="3">
+                                            <p:txEl>
+                                              <p:pRg st="2" end="2"/>
+                                            </p:txEl>
+                                          </p:spTgt>
+                                        </p:tgtEl>
+                                        <p:attrNameLst>
+                                          <p:attrName>ppt_x</p:attrName>
+                                        </p:attrNameLst>
+                                      </p:cBhvr>
+                                      <p:tavLst>
+                                        <p:tav tm="0">
+                                          <p:val>
+                                            <p:strVal val="#ppt_x"/>
+                                          </p:val>
+                                        </p:tav>
+                                        <p:tav tm="100000">
+                                          <p:val>
+                                            <p:strVal val="#ppt_x"/>
+                                          </p:val>
+                                        </p:tav>
+                                      </p:tavLst>
+                                    </p:anim>
+                                    <p:anim calcmode="lin" valueType="num">
+                                      <p:cBhvr>
+                                        <p:cTn id="23" dur="1000" fill="hold"/>
+                                        <p:tgtEl>
+                                          <p:spTgt spid="3">
+                                            <p:txEl>
+                                              <p:pRg st="2" end="2"/>
+                                            </p:txEl>
+                                          </p:spTgt>
+                                        </p:tgtEl>
+                                        <p:attrNameLst>
+                                          <p:attrName>ppt_y</p:attrName>
+                                        </p:attrNameLst>
+                                      </p:cBhvr>
+                                      <p:tavLst>
+                                        <p:tav tm="0">
+                                          <p:val>
+                                            <p:strVal val="#ppt_y+.1"/>
+                                          </p:val>
+                                        </p:tav>
+                                        <p:tav tm="100000">
+                                          <p:val>
+                                            <p:strVal val="#ppt_y"/>
+                                          </p:val>
+                                        </p:tav>
+                                      </p:tavLst>
+                                    </p:anim>
                                   </p:childTnLst>
                                 </p:cTn>
                               </p:par>
@@ -12561,35 +14425,35 @@
                     </p:cTn>
                   </p:par>
                   <p:par>
-                    <p:cTn id="16" fill="hold">
+                    <p:cTn id="24" fill="hold">
                       <p:stCondLst>
                         <p:cond delay="indefinite"/>
                       </p:stCondLst>
                       <p:childTnLst>
                         <p:par>
-                          <p:cTn id="17" fill="hold">
+                          <p:cTn id="25" fill="hold">
                             <p:stCondLst>
                               <p:cond delay="0"/>
                             </p:stCondLst>
                             <p:childTnLst>
                               <p:par>
-                                <p:cTn id="18" presetID="22" presetClass="entr" presetSubtype="4" fill="hold" grpId="0" nodeType="clickEffect">
+                                <p:cTn id="26" presetID="42" presetClass="entr" presetSubtype="0" fill="hold" nodeType="clickEffect">
                                   <p:stCondLst>
                                     <p:cond delay="0"/>
                                   </p:stCondLst>
                                   <p:childTnLst>
                                     <p:set>
                                       <p:cBhvr>
-                                        <p:cTn id="19" dur="1" fill="hold">
+                                        <p:cTn id="27" dur="1" fill="hold">
                                           <p:stCondLst>
                                             <p:cond delay="0"/>
                                           </p:stCondLst>
                                         </p:cTn>
                                         <p:tgtEl>
-                                          <p:spTgt spid="6">
-                                            <p:graphicEl>
-                                              <a:dgm id="{0B6A9360-0715-4E2D-9714-527D56619357}"/>
-                                            </p:graphicEl>
+                                          <p:spTgt spid="3">
+                                            <p:txEl>
+                                              <p:pRg st="3" end="3"/>
+                                            </p:txEl>
                                           </p:spTgt>
                                         </p:tgtEl>
                                         <p:attrNameLst>
@@ -12600,39 +14464,111 @@
                                         <p:strVal val="visible"/>
                                       </p:to>
                                     </p:set>
-                                    <p:animEffect transition="in" filter="wipe(down)">
+                                    <p:animEffect transition="in" filter="fade">
                                       <p:cBhvr>
-                                        <p:cTn id="20" dur="500"/>
+                                        <p:cTn id="28" dur="1000"/>
                                         <p:tgtEl>
-                                          <p:spTgt spid="6">
-                                            <p:graphicEl>
-                                              <a:dgm id="{0B6A9360-0715-4E2D-9714-527D56619357}"/>
-                                            </p:graphicEl>
+                                          <p:spTgt spid="3">
+                                            <p:txEl>
+                                              <p:pRg st="3" end="3"/>
+                                            </p:txEl>
                                           </p:spTgt>
                                         </p:tgtEl>
                                       </p:cBhvr>
                                     </p:animEffect>
+                                    <p:anim calcmode="lin" valueType="num">
+                                      <p:cBhvr>
+                                        <p:cTn id="29" dur="1000" fill="hold"/>
+                                        <p:tgtEl>
+                                          <p:spTgt spid="3">
+                                            <p:txEl>
+                                              <p:pRg st="3" end="3"/>
+                                            </p:txEl>
+                                          </p:spTgt>
+                                        </p:tgtEl>
+                                        <p:attrNameLst>
+                                          <p:attrName>ppt_x</p:attrName>
+                                        </p:attrNameLst>
+                                      </p:cBhvr>
+                                      <p:tavLst>
+                                        <p:tav tm="0">
+                                          <p:val>
+                                            <p:strVal val="#ppt_x"/>
+                                          </p:val>
+                                        </p:tav>
+                                        <p:tav tm="100000">
+                                          <p:val>
+                                            <p:strVal val="#ppt_x"/>
+                                          </p:val>
+                                        </p:tav>
+                                      </p:tavLst>
+                                    </p:anim>
+                                    <p:anim calcmode="lin" valueType="num">
+                                      <p:cBhvr>
+                                        <p:cTn id="30" dur="1000" fill="hold"/>
+                                        <p:tgtEl>
+                                          <p:spTgt spid="3">
+                                            <p:txEl>
+                                              <p:pRg st="3" end="3"/>
+                                            </p:txEl>
+                                          </p:spTgt>
+                                        </p:tgtEl>
+                                        <p:attrNameLst>
+                                          <p:attrName>ppt_y</p:attrName>
+                                        </p:attrNameLst>
+                                      </p:cBhvr>
+                                      <p:tavLst>
+                                        <p:tav tm="0">
+                                          <p:val>
+                                            <p:strVal val="#ppt_y+.1"/>
+                                          </p:val>
+                                        </p:tav>
+                                        <p:tav tm="100000">
+                                          <p:val>
+                                            <p:strVal val="#ppt_y"/>
+                                          </p:val>
+                                        </p:tav>
+                                      </p:tavLst>
+                                    </p:anim>
                                   </p:childTnLst>
                                 </p:cTn>
                               </p:par>
+                            </p:childTnLst>
+                          </p:cTn>
+                        </p:par>
+                      </p:childTnLst>
+                    </p:cTn>
+                  </p:par>
+                  <p:par>
+                    <p:cTn id="31" fill="hold">
+                      <p:stCondLst>
+                        <p:cond delay="indefinite"/>
+                      </p:stCondLst>
+                      <p:childTnLst>
+                        <p:par>
+                          <p:cTn id="32" fill="hold">
+                            <p:stCondLst>
+                              <p:cond delay="0"/>
+                            </p:stCondLst>
+                            <p:childTnLst>
                               <p:par>
-                                <p:cTn id="21" presetID="22" presetClass="entr" presetSubtype="4" fill="hold" grpId="0" nodeType="withEffect">
+                                <p:cTn id="33" presetID="42" presetClass="entr" presetSubtype="0" fill="hold" nodeType="clickEffect">
                                   <p:stCondLst>
                                     <p:cond delay="0"/>
                                   </p:stCondLst>
                                   <p:childTnLst>
                                     <p:set>
                                       <p:cBhvr>
-                                        <p:cTn id="22" dur="1" fill="hold">
+                                        <p:cTn id="34" dur="1" fill="hold">
                                           <p:stCondLst>
                                             <p:cond delay="0"/>
                                           </p:stCondLst>
                                         </p:cTn>
                                         <p:tgtEl>
-                                          <p:spTgt spid="6">
-                                            <p:graphicEl>
-                                              <a:dgm id="{7E5DB7A2-8903-4BD7-96B8-E3BAF8E4DDDE}"/>
-                                            </p:graphicEl>
+                                          <p:spTgt spid="3">
+                                            <p:txEl>
+                                              <p:pRg st="4" end="4"/>
+                                            </p:txEl>
                                           </p:spTgt>
                                         </p:tgtEl>
                                         <p:attrNameLst>
@@ -12643,18 +14579,1107 @@
                                         <p:strVal val="visible"/>
                                       </p:to>
                                     </p:set>
-                                    <p:animEffect transition="in" filter="wipe(down)">
+                                    <p:animEffect transition="in" filter="fade">
                                       <p:cBhvr>
-                                        <p:cTn id="23" dur="500"/>
+                                        <p:cTn id="35" dur="1000"/>
                                         <p:tgtEl>
-                                          <p:spTgt spid="6">
-                                            <p:graphicEl>
-                                              <a:dgm id="{7E5DB7A2-8903-4BD7-96B8-E3BAF8E4DDDE}"/>
-                                            </p:graphicEl>
+                                          <p:spTgt spid="3">
+                                            <p:txEl>
+                                              <p:pRg st="4" end="4"/>
+                                            </p:txEl>
                                           </p:spTgt>
                                         </p:tgtEl>
                                       </p:cBhvr>
                                     </p:animEffect>
+                                    <p:anim calcmode="lin" valueType="num">
+                                      <p:cBhvr>
+                                        <p:cTn id="36" dur="1000" fill="hold"/>
+                                        <p:tgtEl>
+                                          <p:spTgt spid="3">
+                                            <p:txEl>
+                                              <p:pRg st="4" end="4"/>
+                                            </p:txEl>
+                                          </p:spTgt>
+                                        </p:tgtEl>
+                                        <p:attrNameLst>
+                                          <p:attrName>ppt_x</p:attrName>
+                                        </p:attrNameLst>
+                                      </p:cBhvr>
+                                      <p:tavLst>
+                                        <p:tav tm="0">
+                                          <p:val>
+                                            <p:strVal val="#ppt_x"/>
+                                          </p:val>
+                                        </p:tav>
+                                        <p:tav tm="100000">
+                                          <p:val>
+                                            <p:strVal val="#ppt_x"/>
+                                          </p:val>
+                                        </p:tav>
+                                      </p:tavLst>
+                                    </p:anim>
+                                    <p:anim calcmode="lin" valueType="num">
+                                      <p:cBhvr>
+                                        <p:cTn id="37" dur="1000" fill="hold"/>
+                                        <p:tgtEl>
+                                          <p:spTgt spid="3">
+                                            <p:txEl>
+                                              <p:pRg st="4" end="4"/>
+                                            </p:txEl>
+                                          </p:spTgt>
+                                        </p:tgtEl>
+                                        <p:attrNameLst>
+                                          <p:attrName>ppt_y</p:attrName>
+                                        </p:attrNameLst>
+                                      </p:cBhvr>
+                                      <p:tavLst>
+                                        <p:tav tm="0">
+                                          <p:val>
+                                            <p:strVal val="#ppt_y+.1"/>
+                                          </p:val>
+                                        </p:tav>
+                                        <p:tav tm="100000">
+                                          <p:val>
+                                            <p:strVal val="#ppt_y"/>
+                                          </p:val>
+                                        </p:tav>
+                                      </p:tavLst>
+                                    </p:anim>
+                                  </p:childTnLst>
+                                </p:cTn>
+                              </p:par>
+                            </p:childTnLst>
+                          </p:cTn>
+                        </p:par>
+                      </p:childTnLst>
+                    </p:cTn>
+                  </p:par>
+                  <p:par>
+                    <p:cTn id="38" fill="hold">
+                      <p:stCondLst>
+                        <p:cond delay="indefinite"/>
+                      </p:stCondLst>
+                      <p:childTnLst>
+                        <p:par>
+                          <p:cTn id="39" fill="hold">
+                            <p:stCondLst>
+                              <p:cond delay="0"/>
+                            </p:stCondLst>
+                            <p:childTnLst>
+                              <p:par>
+                                <p:cTn id="40" presetID="42" presetClass="entr" presetSubtype="0" fill="hold" nodeType="clickEffect">
+                                  <p:stCondLst>
+                                    <p:cond delay="0"/>
+                                  </p:stCondLst>
+                                  <p:childTnLst>
+                                    <p:set>
+                                      <p:cBhvr>
+                                        <p:cTn id="41" dur="1" fill="hold">
+                                          <p:stCondLst>
+                                            <p:cond delay="0"/>
+                                          </p:stCondLst>
+                                        </p:cTn>
+                                        <p:tgtEl>
+                                          <p:spTgt spid="3">
+                                            <p:txEl>
+                                              <p:pRg st="5" end="5"/>
+                                            </p:txEl>
+                                          </p:spTgt>
+                                        </p:tgtEl>
+                                        <p:attrNameLst>
+                                          <p:attrName>style.visibility</p:attrName>
+                                        </p:attrNameLst>
+                                      </p:cBhvr>
+                                      <p:to>
+                                        <p:strVal val="visible"/>
+                                      </p:to>
+                                    </p:set>
+                                    <p:animEffect transition="in" filter="fade">
+                                      <p:cBhvr>
+                                        <p:cTn id="42" dur="1000"/>
+                                        <p:tgtEl>
+                                          <p:spTgt spid="3">
+                                            <p:txEl>
+                                              <p:pRg st="5" end="5"/>
+                                            </p:txEl>
+                                          </p:spTgt>
+                                        </p:tgtEl>
+                                      </p:cBhvr>
+                                    </p:animEffect>
+                                    <p:anim calcmode="lin" valueType="num">
+                                      <p:cBhvr>
+                                        <p:cTn id="43" dur="1000" fill="hold"/>
+                                        <p:tgtEl>
+                                          <p:spTgt spid="3">
+                                            <p:txEl>
+                                              <p:pRg st="5" end="5"/>
+                                            </p:txEl>
+                                          </p:spTgt>
+                                        </p:tgtEl>
+                                        <p:attrNameLst>
+                                          <p:attrName>ppt_x</p:attrName>
+                                        </p:attrNameLst>
+                                      </p:cBhvr>
+                                      <p:tavLst>
+                                        <p:tav tm="0">
+                                          <p:val>
+                                            <p:strVal val="#ppt_x"/>
+                                          </p:val>
+                                        </p:tav>
+                                        <p:tav tm="100000">
+                                          <p:val>
+                                            <p:strVal val="#ppt_x"/>
+                                          </p:val>
+                                        </p:tav>
+                                      </p:tavLst>
+                                    </p:anim>
+                                    <p:anim calcmode="lin" valueType="num">
+                                      <p:cBhvr>
+                                        <p:cTn id="44" dur="1000" fill="hold"/>
+                                        <p:tgtEl>
+                                          <p:spTgt spid="3">
+                                            <p:txEl>
+                                              <p:pRg st="5" end="5"/>
+                                            </p:txEl>
+                                          </p:spTgt>
+                                        </p:tgtEl>
+                                        <p:attrNameLst>
+                                          <p:attrName>ppt_y</p:attrName>
+                                        </p:attrNameLst>
+                                      </p:cBhvr>
+                                      <p:tavLst>
+                                        <p:tav tm="0">
+                                          <p:val>
+                                            <p:strVal val="#ppt_y+.1"/>
+                                          </p:val>
+                                        </p:tav>
+                                        <p:tav tm="100000">
+                                          <p:val>
+                                            <p:strVal val="#ppt_y"/>
+                                          </p:val>
+                                        </p:tav>
+                                      </p:tavLst>
+                                    </p:anim>
+                                  </p:childTnLst>
+                                </p:cTn>
+                              </p:par>
+                            </p:childTnLst>
+                          </p:cTn>
+                        </p:par>
+                      </p:childTnLst>
+                    </p:cTn>
+                  </p:par>
+                  <p:par>
+                    <p:cTn id="45" fill="hold">
+                      <p:stCondLst>
+                        <p:cond delay="indefinite"/>
+                      </p:stCondLst>
+                      <p:childTnLst>
+                        <p:par>
+                          <p:cTn id="46" fill="hold">
+                            <p:stCondLst>
+                              <p:cond delay="0"/>
+                            </p:stCondLst>
+                            <p:childTnLst>
+                              <p:par>
+                                <p:cTn id="47" presetID="42" presetClass="entr" presetSubtype="0" fill="hold" nodeType="clickEffect">
+                                  <p:stCondLst>
+                                    <p:cond delay="0"/>
+                                  </p:stCondLst>
+                                  <p:childTnLst>
+                                    <p:set>
+                                      <p:cBhvr>
+                                        <p:cTn id="48" dur="1" fill="hold">
+                                          <p:stCondLst>
+                                            <p:cond delay="0"/>
+                                          </p:stCondLst>
+                                        </p:cTn>
+                                        <p:tgtEl>
+                                          <p:spTgt spid="3">
+                                            <p:txEl>
+                                              <p:pRg st="6" end="6"/>
+                                            </p:txEl>
+                                          </p:spTgt>
+                                        </p:tgtEl>
+                                        <p:attrNameLst>
+                                          <p:attrName>style.visibility</p:attrName>
+                                        </p:attrNameLst>
+                                      </p:cBhvr>
+                                      <p:to>
+                                        <p:strVal val="visible"/>
+                                      </p:to>
+                                    </p:set>
+                                    <p:animEffect transition="in" filter="fade">
+                                      <p:cBhvr>
+                                        <p:cTn id="49" dur="1000"/>
+                                        <p:tgtEl>
+                                          <p:spTgt spid="3">
+                                            <p:txEl>
+                                              <p:pRg st="6" end="6"/>
+                                            </p:txEl>
+                                          </p:spTgt>
+                                        </p:tgtEl>
+                                      </p:cBhvr>
+                                    </p:animEffect>
+                                    <p:anim calcmode="lin" valueType="num">
+                                      <p:cBhvr>
+                                        <p:cTn id="50" dur="1000" fill="hold"/>
+                                        <p:tgtEl>
+                                          <p:spTgt spid="3">
+                                            <p:txEl>
+                                              <p:pRg st="6" end="6"/>
+                                            </p:txEl>
+                                          </p:spTgt>
+                                        </p:tgtEl>
+                                        <p:attrNameLst>
+                                          <p:attrName>ppt_x</p:attrName>
+                                        </p:attrNameLst>
+                                      </p:cBhvr>
+                                      <p:tavLst>
+                                        <p:tav tm="0">
+                                          <p:val>
+                                            <p:strVal val="#ppt_x"/>
+                                          </p:val>
+                                        </p:tav>
+                                        <p:tav tm="100000">
+                                          <p:val>
+                                            <p:strVal val="#ppt_x"/>
+                                          </p:val>
+                                        </p:tav>
+                                      </p:tavLst>
+                                    </p:anim>
+                                    <p:anim calcmode="lin" valueType="num">
+                                      <p:cBhvr>
+                                        <p:cTn id="51" dur="1000" fill="hold"/>
+                                        <p:tgtEl>
+                                          <p:spTgt spid="3">
+                                            <p:txEl>
+                                              <p:pRg st="6" end="6"/>
+                                            </p:txEl>
+                                          </p:spTgt>
+                                        </p:tgtEl>
+                                        <p:attrNameLst>
+                                          <p:attrName>ppt_y</p:attrName>
+                                        </p:attrNameLst>
+                                      </p:cBhvr>
+                                      <p:tavLst>
+                                        <p:tav tm="0">
+                                          <p:val>
+                                            <p:strVal val="#ppt_y+.1"/>
+                                          </p:val>
+                                        </p:tav>
+                                        <p:tav tm="100000">
+                                          <p:val>
+                                            <p:strVal val="#ppt_y"/>
+                                          </p:val>
+                                        </p:tav>
+                                      </p:tavLst>
+                                    </p:anim>
+                                  </p:childTnLst>
+                                </p:cTn>
+                              </p:par>
+                            </p:childTnLst>
+                          </p:cTn>
+                        </p:par>
+                      </p:childTnLst>
+                    </p:cTn>
+                  </p:par>
+                  <p:par>
+                    <p:cTn id="52" fill="hold">
+                      <p:stCondLst>
+                        <p:cond delay="indefinite"/>
+                      </p:stCondLst>
+                      <p:childTnLst>
+                        <p:par>
+                          <p:cTn id="53" fill="hold">
+                            <p:stCondLst>
+                              <p:cond delay="0"/>
+                            </p:stCondLst>
+                            <p:childTnLst>
+                              <p:par>
+                                <p:cTn id="54" presetID="42" presetClass="entr" presetSubtype="0" fill="hold" nodeType="clickEffect">
+                                  <p:stCondLst>
+                                    <p:cond delay="0"/>
+                                  </p:stCondLst>
+                                  <p:childTnLst>
+                                    <p:set>
+                                      <p:cBhvr>
+                                        <p:cTn id="55" dur="1" fill="hold">
+                                          <p:stCondLst>
+                                            <p:cond delay="0"/>
+                                          </p:stCondLst>
+                                        </p:cTn>
+                                        <p:tgtEl>
+                                          <p:spTgt spid="3">
+                                            <p:txEl>
+                                              <p:pRg st="7" end="7"/>
+                                            </p:txEl>
+                                          </p:spTgt>
+                                        </p:tgtEl>
+                                        <p:attrNameLst>
+                                          <p:attrName>style.visibility</p:attrName>
+                                        </p:attrNameLst>
+                                      </p:cBhvr>
+                                      <p:to>
+                                        <p:strVal val="visible"/>
+                                      </p:to>
+                                    </p:set>
+                                    <p:animEffect transition="in" filter="fade">
+                                      <p:cBhvr>
+                                        <p:cTn id="56" dur="1000"/>
+                                        <p:tgtEl>
+                                          <p:spTgt spid="3">
+                                            <p:txEl>
+                                              <p:pRg st="7" end="7"/>
+                                            </p:txEl>
+                                          </p:spTgt>
+                                        </p:tgtEl>
+                                      </p:cBhvr>
+                                    </p:animEffect>
+                                    <p:anim calcmode="lin" valueType="num">
+                                      <p:cBhvr>
+                                        <p:cTn id="57" dur="1000" fill="hold"/>
+                                        <p:tgtEl>
+                                          <p:spTgt spid="3">
+                                            <p:txEl>
+                                              <p:pRg st="7" end="7"/>
+                                            </p:txEl>
+                                          </p:spTgt>
+                                        </p:tgtEl>
+                                        <p:attrNameLst>
+                                          <p:attrName>ppt_x</p:attrName>
+                                        </p:attrNameLst>
+                                      </p:cBhvr>
+                                      <p:tavLst>
+                                        <p:tav tm="0">
+                                          <p:val>
+                                            <p:strVal val="#ppt_x"/>
+                                          </p:val>
+                                        </p:tav>
+                                        <p:tav tm="100000">
+                                          <p:val>
+                                            <p:strVal val="#ppt_x"/>
+                                          </p:val>
+                                        </p:tav>
+                                      </p:tavLst>
+                                    </p:anim>
+                                    <p:anim calcmode="lin" valueType="num">
+                                      <p:cBhvr>
+                                        <p:cTn id="58" dur="1000" fill="hold"/>
+                                        <p:tgtEl>
+                                          <p:spTgt spid="3">
+                                            <p:txEl>
+                                              <p:pRg st="7" end="7"/>
+                                            </p:txEl>
+                                          </p:spTgt>
+                                        </p:tgtEl>
+                                        <p:attrNameLst>
+                                          <p:attrName>ppt_y</p:attrName>
+                                        </p:attrNameLst>
+                                      </p:cBhvr>
+                                      <p:tavLst>
+                                        <p:tav tm="0">
+                                          <p:val>
+                                            <p:strVal val="#ppt_y+.1"/>
+                                          </p:val>
+                                        </p:tav>
+                                        <p:tav tm="100000">
+                                          <p:val>
+                                            <p:strVal val="#ppt_y"/>
+                                          </p:val>
+                                        </p:tav>
+                                      </p:tavLst>
+                                    </p:anim>
+                                  </p:childTnLst>
+                                </p:cTn>
+                              </p:par>
+                            </p:childTnLst>
+                          </p:cTn>
+                        </p:par>
+                      </p:childTnLst>
+                    </p:cTn>
+                  </p:par>
+                  <p:par>
+                    <p:cTn id="59" fill="hold">
+                      <p:stCondLst>
+                        <p:cond delay="indefinite"/>
+                      </p:stCondLst>
+                      <p:childTnLst>
+                        <p:par>
+                          <p:cTn id="60" fill="hold">
+                            <p:stCondLst>
+                              <p:cond delay="0"/>
+                            </p:stCondLst>
+                            <p:childTnLst>
+                              <p:par>
+                                <p:cTn id="61" presetID="42" presetClass="entr" presetSubtype="0" fill="hold" nodeType="clickEffect">
+                                  <p:stCondLst>
+                                    <p:cond delay="0"/>
+                                  </p:stCondLst>
+                                  <p:childTnLst>
+                                    <p:set>
+                                      <p:cBhvr>
+                                        <p:cTn id="62" dur="1" fill="hold">
+                                          <p:stCondLst>
+                                            <p:cond delay="0"/>
+                                          </p:stCondLst>
+                                        </p:cTn>
+                                        <p:tgtEl>
+                                          <p:spTgt spid="3">
+                                            <p:txEl>
+                                              <p:pRg st="8" end="8"/>
+                                            </p:txEl>
+                                          </p:spTgt>
+                                        </p:tgtEl>
+                                        <p:attrNameLst>
+                                          <p:attrName>style.visibility</p:attrName>
+                                        </p:attrNameLst>
+                                      </p:cBhvr>
+                                      <p:to>
+                                        <p:strVal val="visible"/>
+                                      </p:to>
+                                    </p:set>
+                                    <p:animEffect transition="in" filter="fade">
+                                      <p:cBhvr>
+                                        <p:cTn id="63" dur="1000"/>
+                                        <p:tgtEl>
+                                          <p:spTgt spid="3">
+                                            <p:txEl>
+                                              <p:pRg st="8" end="8"/>
+                                            </p:txEl>
+                                          </p:spTgt>
+                                        </p:tgtEl>
+                                      </p:cBhvr>
+                                    </p:animEffect>
+                                    <p:anim calcmode="lin" valueType="num">
+                                      <p:cBhvr>
+                                        <p:cTn id="64" dur="1000" fill="hold"/>
+                                        <p:tgtEl>
+                                          <p:spTgt spid="3">
+                                            <p:txEl>
+                                              <p:pRg st="8" end="8"/>
+                                            </p:txEl>
+                                          </p:spTgt>
+                                        </p:tgtEl>
+                                        <p:attrNameLst>
+                                          <p:attrName>ppt_x</p:attrName>
+                                        </p:attrNameLst>
+                                      </p:cBhvr>
+                                      <p:tavLst>
+                                        <p:tav tm="0">
+                                          <p:val>
+                                            <p:strVal val="#ppt_x"/>
+                                          </p:val>
+                                        </p:tav>
+                                        <p:tav tm="100000">
+                                          <p:val>
+                                            <p:strVal val="#ppt_x"/>
+                                          </p:val>
+                                        </p:tav>
+                                      </p:tavLst>
+                                    </p:anim>
+                                    <p:anim calcmode="lin" valueType="num">
+                                      <p:cBhvr>
+                                        <p:cTn id="65" dur="1000" fill="hold"/>
+                                        <p:tgtEl>
+                                          <p:spTgt spid="3">
+                                            <p:txEl>
+                                              <p:pRg st="8" end="8"/>
+                                            </p:txEl>
+                                          </p:spTgt>
+                                        </p:tgtEl>
+                                        <p:attrNameLst>
+                                          <p:attrName>ppt_y</p:attrName>
+                                        </p:attrNameLst>
+                                      </p:cBhvr>
+                                      <p:tavLst>
+                                        <p:tav tm="0">
+                                          <p:val>
+                                            <p:strVal val="#ppt_y+.1"/>
+                                          </p:val>
+                                        </p:tav>
+                                        <p:tav tm="100000">
+                                          <p:val>
+                                            <p:strVal val="#ppt_y"/>
+                                          </p:val>
+                                        </p:tav>
+                                      </p:tavLst>
+                                    </p:anim>
+                                  </p:childTnLst>
+                                </p:cTn>
+                              </p:par>
+                            </p:childTnLst>
+                          </p:cTn>
+                        </p:par>
+                      </p:childTnLst>
+                    </p:cTn>
+                  </p:par>
+                  <p:par>
+                    <p:cTn id="66" fill="hold">
+                      <p:stCondLst>
+                        <p:cond delay="indefinite"/>
+                      </p:stCondLst>
+                      <p:childTnLst>
+                        <p:par>
+                          <p:cTn id="67" fill="hold">
+                            <p:stCondLst>
+                              <p:cond delay="0"/>
+                            </p:stCondLst>
+                            <p:childTnLst>
+                              <p:par>
+                                <p:cTn id="68" presetID="42" presetClass="entr" presetSubtype="0" fill="hold" nodeType="clickEffect">
+                                  <p:stCondLst>
+                                    <p:cond delay="0"/>
+                                  </p:stCondLst>
+                                  <p:childTnLst>
+                                    <p:set>
+                                      <p:cBhvr>
+                                        <p:cTn id="69" dur="1" fill="hold">
+                                          <p:stCondLst>
+                                            <p:cond delay="0"/>
+                                          </p:stCondLst>
+                                        </p:cTn>
+                                        <p:tgtEl>
+                                          <p:spTgt spid="3">
+                                            <p:txEl>
+                                              <p:pRg st="9" end="9"/>
+                                            </p:txEl>
+                                          </p:spTgt>
+                                        </p:tgtEl>
+                                        <p:attrNameLst>
+                                          <p:attrName>style.visibility</p:attrName>
+                                        </p:attrNameLst>
+                                      </p:cBhvr>
+                                      <p:to>
+                                        <p:strVal val="visible"/>
+                                      </p:to>
+                                    </p:set>
+                                    <p:animEffect transition="in" filter="fade">
+                                      <p:cBhvr>
+                                        <p:cTn id="70" dur="1000"/>
+                                        <p:tgtEl>
+                                          <p:spTgt spid="3">
+                                            <p:txEl>
+                                              <p:pRg st="9" end="9"/>
+                                            </p:txEl>
+                                          </p:spTgt>
+                                        </p:tgtEl>
+                                      </p:cBhvr>
+                                    </p:animEffect>
+                                    <p:anim calcmode="lin" valueType="num">
+                                      <p:cBhvr>
+                                        <p:cTn id="71" dur="1000" fill="hold"/>
+                                        <p:tgtEl>
+                                          <p:spTgt spid="3">
+                                            <p:txEl>
+                                              <p:pRg st="9" end="9"/>
+                                            </p:txEl>
+                                          </p:spTgt>
+                                        </p:tgtEl>
+                                        <p:attrNameLst>
+                                          <p:attrName>ppt_x</p:attrName>
+                                        </p:attrNameLst>
+                                      </p:cBhvr>
+                                      <p:tavLst>
+                                        <p:tav tm="0">
+                                          <p:val>
+                                            <p:strVal val="#ppt_x"/>
+                                          </p:val>
+                                        </p:tav>
+                                        <p:tav tm="100000">
+                                          <p:val>
+                                            <p:strVal val="#ppt_x"/>
+                                          </p:val>
+                                        </p:tav>
+                                      </p:tavLst>
+                                    </p:anim>
+                                    <p:anim calcmode="lin" valueType="num">
+                                      <p:cBhvr>
+                                        <p:cTn id="72" dur="1000" fill="hold"/>
+                                        <p:tgtEl>
+                                          <p:spTgt spid="3">
+                                            <p:txEl>
+                                              <p:pRg st="9" end="9"/>
+                                            </p:txEl>
+                                          </p:spTgt>
+                                        </p:tgtEl>
+                                        <p:attrNameLst>
+                                          <p:attrName>ppt_y</p:attrName>
+                                        </p:attrNameLst>
+                                      </p:cBhvr>
+                                      <p:tavLst>
+                                        <p:tav tm="0">
+                                          <p:val>
+                                            <p:strVal val="#ppt_y+.1"/>
+                                          </p:val>
+                                        </p:tav>
+                                        <p:tav tm="100000">
+                                          <p:val>
+                                            <p:strVal val="#ppt_y"/>
+                                          </p:val>
+                                        </p:tav>
+                                      </p:tavLst>
+                                    </p:anim>
+                                  </p:childTnLst>
+                                </p:cTn>
+                              </p:par>
+                            </p:childTnLst>
+                          </p:cTn>
+                        </p:par>
+                      </p:childTnLst>
+                    </p:cTn>
+                  </p:par>
+                  <p:par>
+                    <p:cTn id="73" fill="hold">
+                      <p:stCondLst>
+                        <p:cond delay="indefinite"/>
+                      </p:stCondLst>
+                      <p:childTnLst>
+                        <p:par>
+                          <p:cTn id="74" fill="hold">
+                            <p:stCondLst>
+                              <p:cond delay="0"/>
+                            </p:stCondLst>
+                            <p:childTnLst>
+                              <p:par>
+                                <p:cTn id="75" presetID="42" presetClass="entr" presetSubtype="0" fill="hold" nodeType="clickEffect">
+                                  <p:stCondLst>
+                                    <p:cond delay="0"/>
+                                  </p:stCondLst>
+                                  <p:childTnLst>
+                                    <p:set>
+                                      <p:cBhvr>
+                                        <p:cTn id="76" dur="1" fill="hold">
+                                          <p:stCondLst>
+                                            <p:cond delay="0"/>
+                                          </p:stCondLst>
+                                        </p:cTn>
+                                        <p:tgtEl>
+                                          <p:spTgt spid="3">
+                                            <p:txEl>
+                                              <p:pRg st="10" end="10"/>
+                                            </p:txEl>
+                                          </p:spTgt>
+                                        </p:tgtEl>
+                                        <p:attrNameLst>
+                                          <p:attrName>style.visibility</p:attrName>
+                                        </p:attrNameLst>
+                                      </p:cBhvr>
+                                      <p:to>
+                                        <p:strVal val="visible"/>
+                                      </p:to>
+                                    </p:set>
+                                    <p:animEffect transition="in" filter="fade">
+                                      <p:cBhvr>
+                                        <p:cTn id="77" dur="1000"/>
+                                        <p:tgtEl>
+                                          <p:spTgt spid="3">
+                                            <p:txEl>
+                                              <p:pRg st="10" end="10"/>
+                                            </p:txEl>
+                                          </p:spTgt>
+                                        </p:tgtEl>
+                                      </p:cBhvr>
+                                    </p:animEffect>
+                                    <p:anim calcmode="lin" valueType="num">
+                                      <p:cBhvr>
+                                        <p:cTn id="78" dur="1000" fill="hold"/>
+                                        <p:tgtEl>
+                                          <p:spTgt spid="3">
+                                            <p:txEl>
+                                              <p:pRg st="10" end="10"/>
+                                            </p:txEl>
+                                          </p:spTgt>
+                                        </p:tgtEl>
+                                        <p:attrNameLst>
+                                          <p:attrName>ppt_x</p:attrName>
+                                        </p:attrNameLst>
+                                      </p:cBhvr>
+                                      <p:tavLst>
+                                        <p:tav tm="0">
+                                          <p:val>
+                                            <p:strVal val="#ppt_x"/>
+                                          </p:val>
+                                        </p:tav>
+                                        <p:tav tm="100000">
+                                          <p:val>
+                                            <p:strVal val="#ppt_x"/>
+                                          </p:val>
+                                        </p:tav>
+                                      </p:tavLst>
+                                    </p:anim>
+                                    <p:anim calcmode="lin" valueType="num">
+                                      <p:cBhvr>
+                                        <p:cTn id="79" dur="1000" fill="hold"/>
+                                        <p:tgtEl>
+                                          <p:spTgt spid="3">
+                                            <p:txEl>
+                                              <p:pRg st="10" end="10"/>
+                                            </p:txEl>
+                                          </p:spTgt>
+                                        </p:tgtEl>
+                                        <p:attrNameLst>
+                                          <p:attrName>ppt_y</p:attrName>
+                                        </p:attrNameLst>
+                                      </p:cBhvr>
+                                      <p:tavLst>
+                                        <p:tav tm="0">
+                                          <p:val>
+                                            <p:strVal val="#ppt_y+.1"/>
+                                          </p:val>
+                                        </p:tav>
+                                        <p:tav tm="100000">
+                                          <p:val>
+                                            <p:strVal val="#ppt_y"/>
+                                          </p:val>
+                                        </p:tav>
+                                      </p:tavLst>
+                                    </p:anim>
+                                  </p:childTnLst>
+                                </p:cTn>
+                              </p:par>
+                            </p:childTnLst>
+                          </p:cTn>
+                        </p:par>
+                      </p:childTnLst>
+                    </p:cTn>
+                  </p:par>
+                  <p:par>
+                    <p:cTn id="80" fill="hold">
+                      <p:stCondLst>
+                        <p:cond delay="indefinite"/>
+                      </p:stCondLst>
+                      <p:childTnLst>
+                        <p:par>
+                          <p:cTn id="81" fill="hold">
+                            <p:stCondLst>
+                              <p:cond delay="0"/>
+                            </p:stCondLst>
+                            <p:childTnLst>
+                              <p:par>
+                                <p:cTn id="82" presetID="42" presetClass="entr" presetSubtype="0" fill="hold" nodeType="clickEffect">
+                                  <p:stCondLst>
+                                    <p:cond delay="0"/>
+                                  </p:stCondLst>
+                                  <p:childTnLst>
+                                    <p:set>
+                                      <p:cBhvr>
+                                        <p:cTn id="83" dur="1" fill="hold">
+                                          <p:stCondLst>
+                                            <p:cond delay="0"/>
+                                          </p:stCondLst>
+                                        </p:cTn>
+                                        <p:tgtEl>
+                                          <p:spTgt spid="3">
+                                            <p:txEl>
+                                              <p:pRg st="11" end="11"/>
+                                            </p:txEl>
+                                          </p:spTgt>
+                                        </p:tgtEl>
+                                        <p:attrNameLst>
+                                          <p:attrName>style.visibility</p:attrName>
+                                        </p:attrNameLst>
+                                      </p:cBhvr>
+                                      <p:to>
+                                        <p:strVal val="visible"/>
+                                      </p:to>
+                                    </p:set>
+                                    <p:animEffect transition="in" filter="fade">
+                                      <p:cBhvr>
+                                        <p:cTn id="84" dur="1000"/>
+                                        <p:tgtEl>
+                                          <p:spTgt spid="3">
+                                            <p:txEl>
+                                              <p:pRg st="11" end="11"/>
+                                            </p:txEl>
+                                          </p:spTgt>
+                                        </p:tgtEl>
+                                      </p:cBhvr>
+                                    </p:animEffect>
+                                    <p:anim calcmode="lin" valueType="num">
+                                      <p:cBhvr>
+                                        <p:cTn id="85" dur="1000" fill="hold"/>
+                                        <p:tgtEl>
+                                          <p:spTgt spid="3">
+                                            <p:txEl>
+                                              <p:pRg st="11" end="11"/>
+                                            </p:txEl>
+                                          </p:spTgt>
+                                        </p:tgtEl>
+                                        <p:attrNameLst>
+                                          <p:attrName>ppt_x</p:attrName>
+                                        </p:attrNameLst>
+                                      </p:cBhvr>
+                                      <p:tavLst>
+                                        <p:tav tm="0">
+                                          <p:val>
+                                            <p:strVal val="#ppt_x"/>
+                                          </p:val>
+                                        </p:tav>
+                                        <p:tav tm="100000">
+                                          <p:val>
+                                            <p:strVal val="#ppt_x"/>
+                                          </p:val>
+                                        </p:tav>
+                                      </p:tavLst>
+                                    </p:anim>
+                                    <p:anim calcmode="lin" valueType="num">
+                                      <p:cBhvr>
+                                        <p:cTn id="86" dur="1000" fill="hold"/>
+                                        <p:tgtEl>
+                                          <p:spTgt spid="3">
+                                            <p:txEl>
+                                              <p:pRg st="11" end="11"/>
+                                            </p:txEl>
+                                          </p:spTgt>
+                                        </p:tgtEl>
+                                        <p:attrNameLst>
+                                          <p:attrName>ppt_y</p:attrName>
+                                        </p:attrNameLst>
+                                      </p:cBhvr>
+                                      <p:tavLst>
+                                        <p:tav tm="0">
+                                          <p:val>
+                                            <p:strVal val="#ppt_y+.1"/>
+                                          </p:val>
+                                        </p:tav>
+                                        <p:tav tm="100000">
+                                          <p:val>
+                                            <p:strVal val="#ppt_y"/>
+                                          </p:val>
+                                        </p:tav>
+                                      </p:tavLst>
+                                    </p:anim>
+                                  </p:childTnLst>
+                                </p:cTn>
+                              </p:par>
+                            </p:childTnLst>
+                          </p:cTn>
+                        </p:par>
+                      </p:childTnLst>
+                    </p:cTn>
+                  </p:par>
+                  <p:par>
+                    <p:cTn id="87" fill="hold">
+                      <p:stCondLst>
+                        <p:cond delay="indefinite"/>
+                      </p:stCondLst>
+                      <p:childTnLst>
+                        <p:par>
+                          <p:cTn id="88" fill="hold">
+                            <p:stCondLst>
+                              <p:cond delay="0"/>
+                            </p:stCondLst>
+                            <p:childTnLst>
+                              <p:par>
+                                <p:cTn id="89" presetID="42" presetClass="entr" presetSubtype="0" fill="hold" nodeType="clickEffect">
+                                  <p:stCondLst>
+                                    <p:cond delay="0"/>
+                                  </p:stCondLst>
+                                  <p:childTnLst>
+                                    <p:set>
+                                      <p:cBhvr>
+                                        <p:cTn id="90" dur="1" fill="hold">
+                                          <p:stCondLst>
+                                            <p:cond delay="0"/>
+                                          </p:stCondLst>
+                                        </p:cTn>
+                                        <p:tgtEl>
+                                          <p:spTgt spid="3">
+                                            <p:txEl>
+                                              <p:pRg st="12" end="12"/>
+                                            </p:txEl>
+                                          </p:spTgt>
+                                        </p:tgtEl>
+                                        <p:attrNameLst>
+                                          <p:attrName>style.visibility</p:attrName>
+                                        </p:attrNameLst>
+                                      </p:cBhvr>
+                                      <p:to>
+                                        <p:strVal val="visible"/>
+                                      </p:to>
+                                    </p:set>
+                                    <p:animEffect transition="in" filter="fade">
+                                      <p:cBhvr>
+                                        <p:cTn id="91" dur="1000"/>
+                                        <p:tgtEl>
+                                          <p:spTgt spid="3">
+                                            <p:txEl>
+                                              <p:pRg st="12" end="12"/>
+                                            </p:txEl>
+                                          </p:spTgt>
+                                        </p:tgtEl>
+                                      </p:cBhvr>
+                                    </p:animEffect>
+                                    <p:anim calcmode="lin" valueType="num">
+                                      <p:cBhvr>
+                                        <p:cTn id="92" dur="1000" fill="hold"/>
+                                        <p:tgtEl>
+                                          <p:spTgt spid="3">
+                                            <p:txEl>
+                                              <p:pRg st="12" end="12"/>
+                                            </p:txEl>
+                                          </p:spTgt>
+                                        </p:tgtEl>
+                                        <p:attrNameLst>
+                                          <p:attrName>ppt_x</p:attrName>
+                                        </p:attrNameLst>
+                                      </p:cBhvr>
+                                      <p:tavLst>
+                                        <p:tav tm="0">
+                                          <p:val>
+                                            <p:strVal val="#ppt_x"/>
+                                          </p:val>
+                                        </p:tav>
+                                        <p:tav tm="100000">
+                                          <p:val>
+                                            <p:strVal val="#ppt_x"/>
+                                          </p:val>
+                                        </p:tav>
+                                      </p:tavLst>
+                                    </p:anim>
+                                    <p:anim calcmode="lin" valueType="num">
+                                      <p:cBhvr>
+                                        <p:cTn id="93" dur="1000" fill="hold"/>
+                                        <p:tgtEl>
+                                          <p:spTgt spid="3">
+                                            <p:txEl>
+                                              <p:pRg st="12" end="12"/>
+                                            </p:txEl>
+                                          </p:spTgt>
+                                        </p:tgtEl>
+                                        <p:attrNameLst>
+                                          <p:attrName>ppt_y</p:attrName>
+                                        </p:attrNameLst>
+                                      </p:cBhvr>
+                                      <p:tavLst>
+                                        <p:tav tm="0">
+                                          <p:val>
+                                            <p:strVal val="#ppt_y+.1"/>
+                                          </p:val>
+                                        </p:tav>
+                                        <p:tav tm="100000">
+                                          <p:val>
+                                            <p:strVal val="#ppt_y"/>
+                                          </p:val>
+                                        </p:tav>
+                                      </p:tavLst>
+                                    </p:anim>
+                                  </p:childTnLst>
+                                </p:cTn>
+                              </p:par>
+                            </p:childTnLst>
+                          </p:cTn>
+                        </p:par>
+                      </p:childTnLst>
+                    </p:cTn>
+                  </p:par>
+                  <p:par>
+                    <p:cTn id="94" fill="hold">
+                      <p:stCondLst>
+                        <p:cond delay="indefinite"/>
+                      </p:stCondLst>
+                      <p:childTnLst>
+                        <p:par>
+                          <p:cTn id="95" fill="hold">
+                            <p:stCondLst>
+                              <p:cond delay="0"/>
+                            </p:stCondLst>
+                            <p:childTnLst>
+                              <p:par>
+                                <p:cTn id="96" presetID="42" presetClass="entr" presetSubtype="0" fill="hold" nodeType="clickEffect">
+                                  <p:stCondLst>
+                                    <p:cond delay="0"/>
+                                  </p:stCondLst>
+                                  <p:childTnLst>
+                                    <p:set>
+                                      <p:cBhvr>
+                                        <p:cTn id="97" dur="1" fill="hold">
+                                          <p:stCondLst>
+                                            <p:cond delay="0"/>
+                                          </p:stCondLst>
+                                        </p:cTn>
+                                        <p:tgtEl>
+                                          <p:spTgt spid="3">
+                                            <p:txEl>
+                                              <p:pRg st="13" end="13"/>
+                                            </p:txEl>
+                                          </p:spTgt>
+                                        </p:tgtEl>
+                                        <p:attrNameLst>
+                                          <p:attrName>style.visibility</p:attrName>
+                                        </p:attrNameLst>
+                                      </p:cBhvr>
+                                      <p:to>
+                                        <p:strVal val="visible"/>
+                                      </p:to>
+                                    </p:set>
+                                    <p:animEffect transition="in" filter="fade">
+                                      <p:cBhvr>
+                                        <p:cTn id="98" dur="1000"/>
+                                        <p:tgtEl>
+                                          <p:spTgt spid="3">
+                                            <p:txEl>
+                                              <p:pRg st="13" end="13"/>
+                                            </p:txEl>
+                                          </p:spTgt>
+                                        </p:tgtEl>
+                                      </p:cBhvr>
+                                    </p:animEffect>
+                                    <p:anim calcmode="lin" valueType="num">
+                                      <p:cBhvr>
+                                        <p:cTn id="99" dur="1000" fill="hold"/>
+                                        <p:tgtEl>
+                                          <p:spTgt spid="3">
+                                            <p:txEl>
+                                              <p:pRg st="13" end="13"/>
+                                            </p:txEl>
+                                          </p:spTgt>
+                                        </p:tgtEl>
+                                        <p:attrNameLst>
+                                          <p:attrName>ppt_x</p:attrName>
+                                        </p:attrNameLst>
+                                      </p:cBhvr>
+                                      <p:tavLst>
+                                        <p:tav tm="0">
+                                          <p:val>
+                                            <p:strVal val="#ppt_x"/>
+                                          </p:val>
+                                        </p:tav>
+                                        <p:tav tm="100000">
+                                          <p:val>
+                                            <p:strVal val="#ppt_x"/>
+                                          </p:val>
+                                        </p:tav>
+                                      </p:tavLst>
+                                    </p:anim>
+                                    <p:anim calcmode="lin" valueType="num">
+                                      <p:cBhvr>
+                                        <p:cTn id="100" dur="1000" fill="hold"/>
+                                        <p:tgtEl>
+                                          <p:spTgt spid="3">
+                                            <p:txEl>
+                                              <p:pRg st="13" end="13"/>
+                                            </p:txEl>
+                                          </p:spTgt>
+                                        </p:tgtEl>
+                                        <p:attrNameLst>
+                                          <p:attrName>ppt_y</p:attrName>
+                                        </p:attrNameLst>
+                                      </p:cBhvr>
+                                      <p:tavLst>
+                                        <p:tav tm="0">
+                                          <p:val>
+                                            <p:strVal val="#ppt_y+.1"/>
+                                          </p:val>
+                                        </p:tav>
+                                        <p:tav tm="100000">
+                                          <p:val>
+                                            <p:strVal val="#ppt_y"/>
+                                          </p:val>
+                                        </p:tav>
+                                      </p:tavLst>
+                                    </p:anim>
                                   </p:childTnLst>
                                 </p:cTn>
                               </p:par>
@@ -12685,13 +15710,6 @@
         </p:cTn>
       </p:par>
     </p:tnLst>
-    <p:bldLst>
-      <p:bldGraphic spid="6" grpId="0">
-        <p:bldSub>
-          <a:bldDgm bld="one"/>
-        </p:bldSub>
-      </p:bldGraphic>
-    </p:bldLst>
   </p:timing>
 </p:sld>
 </file>
@@ -13549,14 +16567,6 @@
 </file>
 
 <file path=customXml/item1.xml><?xml version="1.0" encoding="utf-8"?>
-<p:properties xmlns:p="http://schemas.microsoft.com/office/2006/metadata/properties" xmlns:xsi="http://www.w3.org/2001/XMLSchema-instance" xmlns:pc="http://schemas.microsoft.com/office/infopath/2007/PartnerControls">
-  <documentManagement>
-    <MediaServiceKeyPoints xmlns="71af3243-3dd4-4a8d-8c0d-dd76da1f02a5" xsi:nil="true"/>
-  </documentManagement>
-</p:properties>
-</file>
-
-<file path=customXml/item2.xml><?xml version="1.0" encoding="utf-8"?>
 <ct:contentTypeSchema xmlns:ct="http://schemas.microsoft.com/office/2006/metadata/contentType" xmlns:ma="http://schemas.microsoft.com/office/2006/metadata/properties/metaAttributes" ct:_="" ma:_="" ma:contentTypeName="Document" ma:contentTypeID="0x01010079F111ED35F8CC479449609E8A0923A6" ma:contentTypeVersion="11" ma:contentTypeDescription="Create a new document." ma:contentTypeScope="" ma:versionID="96291512c1ee715ab617f4c07df79fc1">
   <xsd:schema xmlns:xsd="http://www.w3.org/2001/XMLSchema" xmlns:xs="http://www.w3.org/2001/XMLSchema" xmlns:p="http://schemas.microsoft.com/office/2006/metadata/properties" xmlns:ns2="71af3243-3dd4-4a8d-8c0d-dd76da1f02a5" xmlns:ns3="16c05727-aa75-4e4a-9b5f-8a80a1165891" targetNamespace="http://schemas.microsoft.com/office/2006/metadata/properties" ma:root="true" ma:fieldsID="8256c27c40ca5c40ce1cf6c44f0205df" ns2:_="" ns3:_="">
     <xsd:import namespace="71af3243-3dd4-4a8d-8c0d-dd76da1f02a5"/>
@@ -13767,7 +16777,7 @@
 </ct:contentTypeSchema>
 </file>
 
-<file path=customXml/item3.xml><?xml version="1.0" encoding="utf-8"?>
+<file path=customXml/item2.xml><?xml version="1.0" encoding="utf-8"?>
 <?mso-contentType ?>
 <FormTemplates xmlns="http://schemas.microsoft.com/sharepoint/v3/contenttype/forms">
   <Display>DocumentLibraryForm</Display>
@@ -13776,17 +16786,15 @@
 </FormTemplates>
 </file>
 
-<file path=customXml/itemProps1.xml><?xml version="1.0" encoding="utf-8"?>
-<ds:datastoreItem xmlns:ds="http://schemas.openxmlformats.org/officeDocument/2006/customXml" ds:itemID="{2A9B77A0-8658-45E5-8D19-245595005394}">
-  <ds:schemaRefs>
-    <ds:schemaRef ds:uri="http://schemas.microsoft.com/office/2006/metadata/properties"/>
-    <ds:schemaRef ds:uri="http://schemas.microsoft.com/office/infopath/2007/PartnerControls"/>
-    <ds:schemaRef ds:uri="71af3243-3dd4-4a8d-8c0d-dd76da1f02a5"/>
-  </ds:schemaRefs>
-</ds:datastoreItem>
+<file path=customXml/item3.xml><?xml version="1.0" encoding="utf-8"?>
+<p:properties xmlns:p="http://schemas.microsoft.com/office/2006/metadata/properties" xmlns:xsi="http://www.w3.org/2001/XMLSchema-instance" xmlns:pc="http://schemas.microsoft.com/office/infopath/2007/PartnerControls">
+  <documentManagement>
+    <MediaServiceKeyPoints xmlns="71af3243-3dd4-4a8d-8c0d-dd76da1f02a5" xsi:nil="true"/>
+  </documentManagement>
+</p:properties>
 </file>
 
-<file path=customXml/itemProps2.xml><?xml version="1.0" encoding="utf-8"?>
+<file path=customXml/itemProps1.xml><?xml version="1.0" encoding="utf-8"?>
 <ds:datastoreItem xmlns:ds="http://schemas.openxmlformats.org/officeDocument/2006/customXml" ds:itemID="{28AC8BD7-946A-4C17-A395-21CB0265D784}">
   <ds:schemaRefs>
     <ds:schemaRef ds:uri="http://schemas.microsoft.com/office/2006/metadata/contentType"/>
@@ -13805,10 +16813,20 @@
 </ds:datastoreItem>
 </file>
 
-<file path=customXml/itemProps3.xml><?xml version="1.0" encoding="utf-8"?>
+<file path=customXml/itemProps2.xml><?xml version="1.0" encoding="utf-8"?>
 <ds:datastoreItem xmlns:ds="http://schemas.openxmlformats.org/officeDocument/2006/customXml" ds:itemID="{19E42AFF-377A-47D3-84EF-20B0692369E9}">
   <ds:schemaRefs>
     <ds:schemaRef ds:uri="http://schemas.microsoft.com/sharepoint/v3/contenttype/forms"/>
   </ds:schemaRefs>
 </ds:datastoreItem>
+</file>
+
+<file path=customXml/itemProps3.xml><?xml version="1.0" encoding="utf-8"?>
+<ds:datastoreItem xmlns:ds="http://schemas.openxmlformats.org/officeDocument/2006/customXml" ds:itemID="{2A9B77A0-8658-45E5-8D19-245595005394}">
+  <ds:schemaRefs>
+    <ds:schemaRef ds:uri="http://schemas.microsoft.com/office/2006/metadata/properties"/>
+    <ds:schemaRef ds:uri="http://schemas.microsoft.com/office/infopath/2007/PartnerControls"/>
+    <ds:schemaRef ds:uri="71af3243-3dd4-4a8d-8c0d-dd76da1f02a5"/>
+  </ds:schemaRefs>
+</ds:datastoreItem>
 </file>